--- a/lections/L4_QtSignalsAndSlots.pptx
+++ b/lections/L4_QtSignalsAndSlots.pptx
@@ -70,7 +70,7 @@
       </p:grpSpPr>
       <p:sp>
         <p:nvSpPr>
-          <p:cNvPr id="26" name="PlaceHolder 1"/>
+          <p:cNvPr id="23" name="PlaceHolder 1"/>
           <p:cNvSpPr>
             <a:spLocks noGrp="1"/>
           </p:cNvSpPr>
@@ -80,8 +80,8 @@
         </p:nvSpPr>
         <p:spPr>
           <a:xfrm>
-            <a:off x="838080" y="365040"/>
-            <a:ext cx="10515240" cy="1325160"/>
+            <a:off x="609480" y="273600"/>
+            <a:ext cx="10972440" cy="1144800"/>
           </a:xfrm>
           <a:prstGeom prst="rect">
             <a:avLst/>
@@ -96,18 +96,21 @@
             <a:noAutofit/>
           </a:bodyPr>
           <a:p>
-            <a:endParaRPr b="0" lang="en-US" sz="1800" spc="-1" strike="noStrike">
-              <a:solidFill>
-                <a:srgbClr val="000000"/>
-              </a:solidFill>
-              <a:latin typeface="Roboto Light"/>
-            </a:endParaRPr>
-          </a:p>
-        </p:txBody>
-      </p:sp>
-      <p:sp>
-        <p:nvSpPr>
-          <p:cNvPr id="27" name="PlaceHolder 2"/>
+            <a:pPr indent="0" algn="ctr">
+              <a:buNone/>
+            </a:pPr>
+            <a:endParaRPr b="0" lang="en-AU" sz="4400" spc="-1" strike="noStrike">
+              <a:solidFill>
+                <a:srgbClr val="000000"/>
+              </a:solidFill>
+              <a:latin typeface="Arial"/>
+            </a:endParaRPr>
+          </a:p>
+        </p:txBody>
+      </p:sp>
+      <p:sp>
+        <p:nvSpPr>
+          <p:cNvPr id="24" name="PlaceHolder 2"/>
           <p:cNvSpPr>
             <a:spLocks noGrp="1"/>
           </p:cNvSpPr>
@@ -117,8 +120,8 @@
         </p:nvSpPr>
         <p:spPr>
           <a:xfrm>
-            <a:off x="838080" y="1825560"/>
-            <a:ext cx="10515240" cy="2075040"/>
+            <a:off x="609480" y="1604520"/>
+            <a:ext cx="10972440" cy="1896840"/>
           </a:xfrm>
           <a:prstGeom prst="rect">
             <a:avLst/>
@@ -133,18 +136,24 @@
             <a:normAutofit/>
           </a:bodyPr>
           <a:p>
-            <a:endParaRPr b="0" lang="en-US" sz="2800" spc="-1" strike="noStrike">
-              <a:solidFill>
-                <a:srgbClr val="000000"/>
-              </a:solidFill>
-              <a:latin typeface="Roboto Light"/>
-            </a:endParaRPr>
-          </a:p>
-        </p:txBody>
-      </p:sp>
-      <p:sp>
-        <p:nvSpPr>
-          <p:cNvPr id="28" name="PlaceHolder 3"/>
+            <a:pPr indent="0">
+              <a:spcBef>
+                <a:spcPts val="1417"/>
+              </a:spcBef>
+              <a:buNone/>
+            </a:pPr>
+            <a:endParaRPr b="0" lang="en-AU" sz="3200" spc="-1" strike="noStrike">
+              <a:solidFill>
+                <a:srgbClr val="000000"/>
+              </a:solidFill>
+              <a:latin typeface="Arial"/>
+            </a:endParaRPr>
+          </a:p>
+        </p:txBody>
+      </p:sp>
+      <p:sp>
+        <p:nvSpPr>
+          <p:cNvPr id="25" name="PlaceHolder 3"/>
           <p:cNvSpPr>
             <a:spLocks noGrp="1"/>
           </p:cNvSpPr>
@@ -154,8 +163,8 @@
         </p:nvSpPr>
         <p:spPr>
           <a:xfrm>
-            <a:off x="838080" y="4098240"/>
-            <a:ext cx="10515240" cy="2075040"/>
+            <a:off x="609480" y="3682080"/>
+            <a:ext cx="10972440" cy="1896840"/>
           </a:xfrm>
           <a:prstGeom prst="rect">
             <a:avLst/>
@@ -170,11 +179,17 @@
             <a:normAutofit/>
           </a:bodyPr>
           <a:p>
-            <a:endParaRPr b="0" lang="en-US" sz="2800" spc="-1" strike="noStrike">
-              <a:solidFill>
-                <a:srgbClr val="000000"/>
-              </a:solidFill>
-              <a:latin typeface="Roboto Light"/>
+            <a:pPr indent="0">
+              <a:spcBef>
+                <a:spcPts val="1417"/>
+              </a:spcBef>
+              <a:buNone/>
+            </a:pPr>
+            <a:endParaRPr b="0" lang="en-AU" sz="3200" spc="-1" strike="noStrike">
+              <a:solidFill>
+                <a:srgbClr val="000000"/>
+              </a:solidFill>
+              <a:latin typeface="Arial"/>
             </a:endParaRPr>
           </a:p>
         </p:txBody>
@@ -203,7 +218,7 @@
       </p:grpSpPr>
       <p:sp>
         <p:nvSpPr>
-          <p:cNvPr id="29" name="PlaceHolder 1"/>
+          <p:cNvPr id="26" name="PlaceHolder 1"/>
           <p:cNvSpPr>
             <a:spLocks noGrp="1"/>
           </p:cNvSpPr>
@@ -213,8 +228,8 @@
         </p:nvSpPr>
         <p:spPr>
           <a:xfrm>
-            <a:off x="838080" y="365040"/>
-            <a:ext cx="10515240" cy="1325160"/>
+            <a:off x="609480" y="273600"/>
+            <a:ext cx="10972440" cy="1144800"/>
           </a:xfrm>
           <a:prstGeom prst="rect">
             <a:avLst/>
@@ -229,18 +244,21 @@
             <a:noAutofit/>
           </a:bodyPr>
           <a:p>
-            <a:endParaRPr b="0" lang="en-US" sz="1800" spc="-1" strike="noStrike">
-              <a:solidFill>
-                <a:srgbClr val="000000"/>
-              </a:solidFill>
-              <a:latin typeface="Roboto Light"/>
-            </a:endParaRPr>
-          </a:p>
-        </p:txBody>
-      </p:sp>
-      <p:sp>
-        <p:nvSpPr>
-          <p:cNvPr id="30" name="PlaceHolder 2"/>
+            <a:pPr indent="0" algn="ctr">
+              <a:buNone/>
+            </a:pPr>
+            <a:endParaRPr b="0" lang="en-AU" sz="4400" spc="-1" strike="noStrike">
+              <a:solidFill>
+                <a:srgbClr val="000000"/>
+              </a:solidFill>
+              <a:latin typeface="Arial"/>
+            </a:endParaRPr>
+          </a:p>
+        </p:txBody>
+      </p:sp>
+      <p:sp>
+        <p:nvSpPr>
+          <p:cNvPr id="27" name="PlaceHolder 2"/>
           <p:cNvSpPr>
             <a:spLocks noGrp="1"/>
           </p:cNvSpPr>
@@ -250,8 +268,8 @@
         </p:nvSpPr>
         <p:spPr>
           <a:xfrm>
-            <a:off x="838080" y="1825560"/>
-            <a:ext cx="5131080" cy="2075040"/>
+            <a:off x="609480" y="1604520"/>
+            <a:ext cx="5354280" cy="1896840"/>
           </a:xfrm>
           <a:prstGeom prst="rect">
             <a:avLst/>
@@ -266,18 +284,24 @@
             <a:normAutofit/>
           </a:bodyPr>
           <a:p>
-            <a:endParaRPr b="0" lang="en-US" sz="2800" spc="-1" strike="noStrike">
-              <a:solidFill>
-                <a:srgbClr val="000000"/>
-              </a:solidFill>
-              <a:latin typeface="Roboto Light"/>
-            </a:endParaRPr>
-          </a:p>
-        </p:txBody>
-      </p:sp>
-      <p:sp>
-        <p:nvSpPr>
-          <p:cNvPr id="31" name="PlaceHolder 3"/>
+            <a:pPr indent="0">
+              <a:spcBef>
+                <a:spcPts val="1417"/>
+              </a:spcBef>
+              <a:buNone/>
+            </a:pPr>
+            <a:endParaRPr b="0" lang="en-AU" sz="3200" spc="-1" strike="noStrike">
+              <a:solidFill>
+                <a:srgbClr val="000000"/>
+              </a:solidFill>
+              <a:latin typeface="Arial"/>
+            </a:endParaRPr>
+          </a:p>
+        </p:txBody>
+      </p:sp>
+      <p:sp>
+        <p:nvSpPr>
+          <p:cNvPr id="28" name="PlaceHolder 3"/>
           <p:cNvSpPr>
             <a:spLocks noGrp="1"/>
           </p:cNvSpPr>
@@ -287,8 +311,8 @@
         </p:nvSpPr>
         <p:spPr>
           <a:xfrm>
-            <a:off x="6226200" y="1825560"/>
-            <a:ext cx="5131080" cy="2075040"/>
+            <a:off x="6231960" y="1604520"/>
+            <a:ext cx="5354280" cy="1896840"/>
           </a:xfrm>
           <a:prstGeom prst="rect">
             <a:avLst/>
@@ -303,18 +327,24 @@
             <a:normAutofit/>
           </a:bodyPr>
           <a:p>
-            <a:endParaRPr b="0" lang="en-US" sz="2800" spc="-1" strike="noStrike">
-              <a:solidFill>
-                <a:srgbClr val="000000"/>
-              </a:solidFill>
-              <a:latin typeface="Roboto Light"/>
-            </a:endParaRPr>
-          </a:p>
-        </p:txBody>
-      </p:sp>
-      <p:sp>
-        <p:nvSpPr>
-          <p:cNvPr id="32" name="PlaceHolder 4"/>
+            <a:pPr indent="0">
+              <a:spcBef>
+                <a:spcPts val="1417"/>
+              </a:spcBef>
+              <a:buNone/>
+            </a:pPr>
+            <a:endParaRPr b="0" lang="en-AU" sz="3200" spc="-1" strike="noStrike">
+              <a:solidFill>
+                <a:srgbClr val="000000"/>
+              </a:solidFill>
+              <a:latin typeface="Arial"/>
+            </a:endParaRPr>
+          </a:p>
+        </p:txBody>
+      </p:sp>
+      <p:sp>
+        <p:nvSpPr>
+          <p:cNvPr id="29" name="PlaceHolder 4"/>
           <p:cNvSpPr>
             <a:spLocks noGrp="1"/>
           </p:cNvSpPr>
@@ -324,8 +354,8 @@
         </p:nvSpPr>
         <p:spPr>
           <a:xfrm>
-            <a:off x="838080" y="4098240"/>
-            <a:ext cx="5131080" cy="2075040"/>
+            <a:off x="609480" y="3682080"/>
+            <a:ext cx="5354280" cy="1896840"/>
           </a:xfrm>
           <a:prstGeom prst="rect">
             <a:avLst/>
@@ -340,18 +370,24 @@
             <a:normAutofit/>
           </a:bodyPr>
           <a:p>
-            <a:endParaRPr b="0" lang="en-US" sz="2800" spc="-1" strike="noStrike">
-              <a:solidFill>
-                <a:srgbClr val="000000"/>
-              </a:solidFill>
-              <a:latin typeface="Roboto Light"/>
-            </a:endParaRPr>
-          </a:p>
-        </p:txBody>
-      </p:sp>
-      <p:sp>
-        <p:nvSpPr>
-          <p:cNvPr id="33" name="PlaceHolder 5"/>
+            <a:pPr indent="0">
+              <a:spcBef>
+                <a:spcPts val="1417"/>
+              </a:spcBef>
+              <a:buNone/>
+            </a:pPr>
+            <a:endParaRPr b="0" lang="en-AU" sz="3200" spc="-1" strike="noStrike">
+              <a:solidFill>
+                <a:srgbClr val="000000"/>
+              </a:solidFill>
+              <a:latin typeface="Arial"/>
+            </a:endParaRPr>
+          </a:p>
+        </p:txBody>
+      </p:sp>
+      <p:sp>
+        <p:nvSpPr>
+          <p:cNvPr id="30" name="PlaceHolder 5"/>
           <p:cNvSpPr>
             <a:spLocks noGrp="1"/>
           </p:cNvSpPr>
@@ -361,8 +397,8 @@
         </p:nvSpPr>
         <p:spPr>
           <a:xfrm>
-            <a:off x="6226200" y="4098240"/>
-            <a:ext cx="5131080" cy="2075040"/>
+            <a:off x="6231960" y="3682080"/>
+            <a:ext cx="5354280" cy="1896840"/>
           </a:xfrm>
           <a:prstGeom prst="rect">
             <a:avLst/>
@@ -377,11 +413,17 @@
             <a:normAutofit/>
           </a:bodyPr>
           <a:p>
-            <a:endParaRPr b="0" lang="en-US" sz="2800" spc="-1" strike="noStrike">
-              <a:solidFill>
-                <a:srgbClr val="000000"/>
-              </a:solidFill>
-              <a:latin typeface="Roboto Light"/>
+            <a:pPr indent="0">
+              <a:spcBef>
+                <a:spcPts val="1417"/>
+              </a:spcBef>
+              <a:buNone/>
+            </a:pPr>
+            <a:endParaRPr b="0" lang="en-AU" sz="3200" spc="-1" strike="noStrike">
+              <a:solidFill>
+                <a:srgbClr val="000000"/>
+              </a:solidFill>
+              <a:latin typeface="Arial"/>
             </a:endParaRPr>
           </a:p>
         </p:txBody>
@@ -410,7 +452,7 @@
       </p:grpSpPr>
       <p:sp>
         <p:nvSpPr>
-          <p:cNvPr id="34" name="PlaceHolder 1"/>
+          <p:cNvPr id="31" name="PlaceHolder 1"/>
           <p:cNvSpPr>
             <a:spLocks noGrp="1"/>
           </p:cNvSpPr>
@@ -420,8 +462,8 @@
         </p:nvSpPr>
         <p:spPr>
           <a:xfrm>
-            <a:off x="838080" y="365040"/>
-            <a:ext cx="10515240" cy="1325160"/>
+            <a:off x="609480" y="273600"/>
+            <a:ext cx="10972440" cy="1144800"/>
           </a:xfrm>
           <a:prstGeom prst="rect">
             <a:avLst/>
@@ -436,18 +478,21 @@
             <a:noAutofit/>
           </a:bodyPr>
           <a:p>
-            <a:endParaRPr b="0" lang="en-US" sz="1800" spc="-1" strike="noStrike">
-              <a:solidFill>
-                <a:srgbClr val="000000"/>
-              </a:solidFill>
-              <a:latin typeface="Roboto Light"/>
-            </a:endParaRPr>
-          </a:p>
-        </p:txBody>
-      </p:sp>
-      <p:sp>
-        <p:nvSpPr>
-          <p:cNvPr id="35" name="PlaceHolder 2"/>
+            <a:pPr indent="0" algn="ctr">
+              <a:buNone/>
+            </a:pPr>
+            <a:endParaRPr b="0" lang="en-AU" sz="4400" spc="-1" strike="noStrike">
+              <a:solidFill>
+                <a:srgbClr val="000000"/>
+              </a:solidFill>
+              <a:latin typeface="Arial"/>
+            </a:endParaRPr>
+          </a:p>
+        </p:txBody>
+      </p:sp>
+      <p:sp>
+        <p:nvSpPr>
+          <p:cNvPr id="32" name="PlaceHolder 2"/>
           <p:cNvSpPr>
             <a:spLocks noGrp="1"/>
           </p:cNvSpPr>
@@ -457,8 +502,8 @@
         </p:nvSpPr>
         <p:spPr>
           <a:xfrm>
-            <a:off x="838080" y="1825560"/>
-            <a:ext cx="3385800" cy="2075040"/>
+            <a:off x="609480" y="1604520"/>
+            <a:ext cx="3533040" cy="1896840"/>
           </a:xfrm>
           <a:prstGeom prst="rect">
             <a:avLst/>
@@ -473,18 +518,24 @@
             <a:normAutofit/>
           </a:bodyPr>
           <a:p>
-            <a:endParaRPr b="0" lang="en-US" sz="2800" spc="-1" strike="noStrike">
-              <a:solidFill>
-                <a:srgbClr val="000000"/>
-              </a:solidFill>
-              <a:latin typeface="Roboto Light"/>
-            </a:endParaRPr>
-          </a:p>
-        </p:txBody>
-      </p:sp>
-      <p:sp>
-        <p:nvSpPr>
-          <p:cNvPr id="36" name="PlaceHolder 3"/>
+            <a:pPr indent="0">
+              <a:spcBef>
+                <a:spcPts val="1417"/>
+              </a:spcBef>
+              <a:buNone/>
+            </a:pPr>
+            <a:endParaRPr b="0" lang="en-AU" sz="3200" spc="-1" strike="noStrike">
+              <a:solidFill>
+                <a:srgbClr val="000000"/>
+              </a:solidFill>
+              <a:latin typeface="Arial"/>
+            </a:endParaRPr>
+          </a:p>
+        </p:txBody>
+      </p:sp>
+      <p:sp>
+        <p:nvSpPr>
+          <p:cNvPr id="33" name="PlaceHolder 3"/>
           <p:cNvSpPr>
             <a:spLocks noGrp="1"/>
           </p:cNvSpPr>
@@ -494,8 +545,8 @@
         </p:nvSpPr>
         <p:spPr>
           <a:xfrm>
-            <a:off x="4393440" y="1825560"/>
-            <a:ext cx="3385800" cy="2075040"/>
+            <a:off x="4319640" y="1604520"/>
+            <a:ext cx="3533040" cy="1896840"/>
           </a:xfrm>
           <a:prstGeom prst="rect">
             <a:avLst/>
@@ -510,18 +561,24 @@
             <a:normAutofit/>
           </a:bodyPr>
           <a:p>
-            <a:endParaRPr b="0" lang="en-US" sz="2800" spc="-1" strike="noStrike">
-              <a:solidFill>
-                <a:srgbClr val="000000"/>
-              </a:solidFill>
-              <a:latin typeface="Roboto Light"/>
-            </a:endParaRPr>
-          </a:p>
-        </p:txBody>
-      </p:sp>
-      <p:sp>
-        <p:nvSpPr>
-          <p:cNvPr id="37" name="PlaceHolder 4"/>
+            <a:pPr indent="0">
+              <a:spcBef>
+                <a:spcPts val="1417"/>
+              </a:spcBef>
+              <a:buNone/>
+            </a:pPr>
+            <a:endParaRPr b="0" lang="en-AU" sz="3200" spc="-1" strike="noStrike">
+              <a:solidFill>
+                <a:srgbClr val="000000"/>
+              </a:solidFill>
+              <a:latin typeface="Arial"/>
+            </a:endParaRPr>
+          </a:p>
+        </p:txBody>
+      </p:sp>
+      <p:sp>
+        <p:nvSpPr>
+          <p:cNvPr id="34" name="PlaceHolder 4"/>
           <p:cNvSpPr>
             <a:spLocks noGrp="1"/>
           </p:cNvSpPr>
@@ -531,8 +588,8 @@
         </p:nvSpPr>
         <p:spPr>
           <a:xfrm>
-            <a:off x="7949160" y="1825560"/>
-            <a:ext cx="3385800" cy="2075040"/>
+            <a:off x="8029800" y="1604520"/>
+            <a:ext cx="3533040" cy="1896840"/>
           </a:xfrm>
           <a:prstGeom prst="rect">
             <a:avLst/>
@@ -547,18 +604,24 @@
             <a:normAutofit/>
           </a:bodyPr>
           <a:p>
-            <a:endParaRPr b="0" lang="en-US" sz="2800" spc="-1" strike="noStrike">
-              <a:solidFill>
-                <a:srgbClr val="000000"/>
-              </a:solidFill>
-              <a:latin typeface="Roboto Light"/>
-            </a:endParaRPr>
-          </a:p>
-        </p:txBody>
-      </p:sp>
-      <p:sp>
-        <p:nvSpPr>
-          <p:cNvPr id="38" name="PlaceHolder 5"/>
+            <a:pPr indent="0">
+              <a:spcBef>
+                <a:spcPts val="1417"/>
+              </a:spcBef>
+              <a:buNone/>
+            </a:pPr>
+            <a:endParaRPr b="0" lang="en-AU" sz="3200" spc="-1" strike="noStrike">
+              <a:solidFill>
+                <a:srgbClr val="000000"/>
+              </a:solidFill>
+              <a:latin typeface="Arial"/>
+            </a:endParaRPr>
+          </a:p>
+        </p:txBody>
+      </p:sp>
+      <p:sp>
+        <p:nvSpPr>
+          <p:cNvPr id="35" name="PlaceHolder 5"/>
           <p:cNvSpPr>
             <a:spLocks noGrp="1"/>
           </p:cNvSpPr>
@@ -568,8 +631,8 @@
         </p:nvSpPr>
         <p:spPr>
           <a:xfrm>
-            <a:off x="838080" y="4098240"/>
-            <a:ext cx="3385800" cy="2075040"/>
+            <a:off x="609480" y="3682080"/>
+            <a:ext cx="3533040" cy="1896840"/>
           </a:xfrm>
           <a:prstGeom prst="rect">
             <a:avLst/>
@@ -584,18 +647,24 @@
             <a:normAutofit/>
           </a:bodyPr>
           <a:p>
-            <a:endParaRPr b="0" lang="en-US" sz="2800" spc="-1" strike="noStrike">
-              <a:solidFill>
-                <a:srgbClr val="000000"/>
-              </a:solidFill>
-              <a:latin typeface="Roboto Light"/>
-            </a:endParaRPr>
-          </a:p>
-        </p:txBody>
-      </p:sp>
-      <p:sp>
-        <p:nvSpPr>
-          <p:cNvPr id="39" name="PlaceHolder 6"/>
+            <a:pPr indent="0">
+              <a:spcBef>
+                <a:spcPts val="1417"/>
+              </a:spcBef>
+              <a:buNone/>
+            </a:pPr>
+            <a:endParaRPr b="0" lang="en-AU" sz="3200" spc="-1" strike="noStrike">
+              <a:solidFill>
+                <a:srgbClr val="000000"/>
+              </a:solidFill>
+              <a:latin typeface="Arial"/>
+            </a:endParaRPr>
+          </a:p>
+        </p:txBody>
+      </p:sp>
+      <p:sp>
+        <p:nvSpPr>
+          <p:cNvPr id="36" name="PlaceHolder 6"/>
           <p:cNvSpPr>
             <a:spLocks noGrp="1"/>
           </p:cNvSpPr>
@@ -605,8 +674,8 @@
         </p:nvSpPr>
         <p:spPr>
           <a:xfrm>
-            <a:off x="4393440" y="4098240"/>
-            <a:ext cx="3385800" cy="2075040"/>
+            <a:off x="4319640" y="3682080"/>
+            <a:ext cx="3533040" cy="1896840"/>
           </a:xfrm>
           <a:prstGeom prst="rect">
             <a:avLst/>
@@ -621,18 +690,24 @@
             <a:normAutofit/>
           </a:bodyPr>
           <a:p>
-            <a:endParaRPr b="0" lang="en-US" sz="2800" spc="-1" strike="noStrike">
-              <a:solidFill>
-                <a:srgbClr val="000000"/>
-              </a:solidFill>
-              <a:latin typeface="Roboto Light"/>
-            </a:endParaRPr>
-          </a:p>
-        </p:txBody>
-      </p:sp>
-      <p:sp>
-        <p:nvSpPr>
-          <p:cNvPr id="40" name="PlaceHolder 7"/>
+            <a:pPr indent="0">
+              <a:spcBef>
+                <a:spcPts val="1417"/>
+              </a:spcBef>
+              <a:buNone/>
+            </a:pPr>
+            <a:endParaRPr b="0" lang="en-AU" sz="3200" spc="-1" strike="noStrike">
+              <a:solidFill>
+                <a:srgbClr val="000000"/>
+              </a:solidFill>
+              <a:latin typeface="Arial"/>
+            </a:endParaRPr>
+          </a:p>
+        </p:txBody>
+      </p:sp>
+      <p:sp>
+        <p:nvSpPr>
+          <p:cNvPr id="37" name="PlaceHolder 7"/>
           <p:cNvSpPr>
             <a:spLocks noGrp="1"/>
           </p:cNvSpPr>
@@ -642,8 +717,8 @@
         </p:nvSpPr>
         <p:spPr>
           <a:xfrm>
-            <a:off x="7949160" y="4098240"/>
-            <a:ext cx="3385800" cy="2075040"/>
+            <a:off x="8029800" y="3682080"/>
+            <a:ext cx="3533040" cy="1896840"/>
           </a:xfrm>
           <a:prstGeom prst="rect">
             <a:avLst/>
@@ -658,11 +733,17 @@
             <a:normAutofit/>
           </a:bodyPr>
           <a:p>
-            <a:endParaRPr b="0" lang="en-US" sz="2800" spc="-1" strike="noStrike">
-              <a:solidFill>
-                <a:srgbClr val="000000"/>
-              </a:solidFill>
-              <a:latin typeface="Roboto Light"/>
+            <a:pPr indent="0">
+              <a:spcBef>
+                <a:spcPts val="1417"/>
+              </a:spcBef>
+              <a:buNone/>
+            </a:pPr>
+            <a:endParaRPr b="0" lang="en-AU" sz="3200" spc="-1" strike="noStrike">
+              <a:solidFill>
+                <a:srgbClr val="000000"/>
+              </a:solidFill>
+              <a:latin typeface="Arial"/>
             </a:endParaRPr>
           </a:p>
         </p:txBody>
@@ -713,7 +794,7 @@
       </p:grpSpPr>
       <p:sp>
         <p:nvSpPr>
-          <p:cNvPr id="46" name="PlaceHolder 1"/>
+          <p:cNvPr id="40" name="PlaceHolder 1"/>
           <p:cNvSpPr>
             <a:spLocks noGrp="1"/>
           </p:cNvSpPr>
@@ -723,8 +804,8 @@
         </p:nvSpPr>
         <p:spPr>
           <a:xfrm>
-            <a:off x="838080" y="365040"/>
-            <a:ext cx="10515240" cy="1325160"/>
+            <a:off x="609480" y="273600"/>
+            <a:ext cx="10972440" cy="1144800"/>
           </a:xfrm>
           <a:prstGeom prst="rect">
             <a:avLst/>
@@ -739,18 +820,21 @@
             <a:noAutofit/>
           </a:bodyPr>
           <a:p>
-            <a:endParaRPr b="0" lang="en-US" sz="1800" spc="-1" strike="noStrike">
-              <a:solidFill>
-                <a:srgbClr val="000000"/>
-              </a:solidFill>
-              <a:latin typeface="Roboto Light"/>
-            </a:endParaRPr>
-          </a:p>
-        </p:txBody>
-      </p:sp>
-      <p:sp>
-        <p:nvSpPr>
-          <p:cNvPr id="47" name="PlaceHolder 2"/>
+            <a:pPr indent="0" algn="ctr">
+              <a:buNone/>
+            </a:pPr>
+            <a:endParaRPr b="0" lang="en-AU" sz="4400" spc="-1" strike="noStrike">
+              <a:solidFill>
+                <a:srgbClr val="000000"/>
+              </a:solidFill>
+              <a:latin typeface="Arial"/>
+            </a:endParaRPr>
+          </a:p>
+        </p:txBody>
+      </p:sp>
+      <p:sp>
+        <p:nvSpPr>
+          <p:cNvPr id="41" name="PlaceHolder 2"/>
           <p:cNvSpPr>
             <a:spLocks noGrp="1"/>
           </p:cNvSpPr>
@@ -760,8 +844,8 @@
         </p:nvSpPr>
         <p:spPr>
           <a:xfrm>
-            <a:off x="838080" y="1825560"/>
-            <a:ext cx="10515240" cy="4350960"/>
+            <a:off x="609480" y="1604520"/>
+            <a:ext cx="10972440" cy="3977280"/>
           </a:xfrm>
           <a:prstGeom prst="rect">
             <a:avLst/>
@@ -776,8 +860,13 @@
             <a:noAutofit/>
           </a:bodyPr>
           <a:p>
-            <a:pPr algn="ctr"/>
-            <a:endParaRPr b="0" lang="ru-RU" sz="3200" spc="-1" strike="noStrike">
+            <a:pPr indent="0" algn="ctr">
+              <a:buNone/>
+            </a:pPr>
+            <a:endParaRPr b="0" lang="en-AU" sz="3200" spc="-1" strike="noStrike">
+              <a:solidFill>
+                <a:srgbClr val="000000"/>
+              </a:solidFill>
               <a:latin typeface="Arial"/>
             </a:endParaRPr>
           </a:p>
@@ -807,7 +896,7 @@
       </p:grpSpPr>
       <p:sp>
         <p:nvSpPr>
-          <p:cNvPr id="48" name="PlaceHolder 1"/>
+          <p:cNvPr id="42" name="PlaceHolder 1"/>
           <p:cNvSpPr>
             <a:spLocks noGrp="1"/>
           </p:cNvSpPr>
@@ -817,8 +906,8 @@
         </p:nvSpPr>
         <p:spPr>
           <a:xfrm>
-            <a:off x="838080" y="365040"/>
-            <a:ext cx="10515240" cy="1325160"/>
+            <a:off x="609480" y="273600"/>
+            <a:ext cx="10972440" cy="1144800"/>
           </a:xfrm>
           <a:prstGeom prst="rect">
             <a:avLst/>
@@ -833,18 +922,21 @@
             <a:noAutofit/>
           </a:bodyPr>
           <a:p>
-            <a:endParaRPr b="0" lang="en-US" sz="1800" spc="-1" strike="noStrike">
-              <a:solidFill>
-                <a:srgbClr val="000000"/>
-              </a:solidFill>
-              <a:latin typeface="Roboto Light"/>
-            </a:endParaRPr>
-          </a:p>
-        </p:txBody>
-      </p:sp>
-      <p:sp>
-        <p:nvSpPr>
-          <p:cNvPr id="49" name="PlaceHolder 2"/>
+            <a:pPr indent="0" algn="ctr">
+              <a:buNone/>
+            </a:pPr>
+            <a:endParaRPr b="0" lang="en-AU" sz="4400" spc="-1" strike="noStrike">
+              <a:solidFill>
+                <a:srgbClr val="000000"/>
+              </a:solidFill>
+              <a:latin typeface="Arial"/>
+            </a:endParaRPr>
+          </a:p>
+        </p:txBody>
+      </p:sp>
+      <p:sp>
+        <p:nvSpPr>
+          <p:cNvPr id="43" name="PlaceHolder 2"/>
           <p:cNvSpPr>
             <a:spLocks noGrp="1"/>
           </p:cNvSpPr>
@@ -854,8 +946,8 @@
         </p:nvSpPr>
         <p:spPr>
           <a:xfrm>
-            <a:off x="838080" y="1825560"/>
-            <a:ext cx="10515240" cy="4350960"/>
+            <a:off x="609480" y="1604520"/>
+            <a:ext cx="10972440" cy="3977280"/>
           </a:xfrm>
           <a:prstGeom prst="rect">
             <a:avLst/>
@@ -870,11 +962,17 @@
             <a:normAutofit/>
           </a:bodyPr>
           <a:p>
-            <a:endParaRPr b="0" lang="en-US" sz="2800" spc="-1" strike="noStrike">
-              <a:solidFill>
-                <a:srgbClr val="000000"/>
-              </a:solidFill>
-              <a:latin typeface="Roboto Light"/>
+            <a:pPr indent="0">
+              <a:spcBef>
+                <a:spcPts val="1417"/>
+              </a:spcBef>
+              <a:buNone/>
+            </a:pPr>
+            <a:endParaRPr b="0" lang="en-AU" sz="3200" spc="-1" strike="noStrike">
+              <a:solidFill>
+                <a:srgbClr val="000000"/>
+              </a:solidFill>
+              <a:latin typeface="Arial"/>
             </a:endParaRPr>
           </a:p>
         </p:txBody>
@@ -903,7 +1001,7 @@
       </p:grpSpPr>
       <p:sp>
         <p:nvSpPr>
-          <p:cNvPr id="50" name="PlaceHolder 1"/>
+          <p:cNvPr id="44" name="PlaceHolder 1"/>
           <p:cNvSpPr>
             <a:spLocks noGrp="1"/>
           </p:cNvSpPr>
@@ -913,8 +1011,8 @@
         </p:nvSpPr>
         <p:spPr>
           <a:xfrm>
-            <a:off x="838080" y="365040"/>
-            <a:ext cx="10515240" cy="1325160"/>
+            <a:off x="609480" y="273600"/>
+            <a:ext cx="10972440" cy="1144800"/>
           </a:xfrm>
           <a:prstGeom prst="rect">
             <a:avLst/>
@@ -929,18 +1027,21 @@
             <a:noAutofit/>
           </a:bodyPr>
           <a:p>
-            <a:endParaRPr b="0" lang="en-US" sz="1800" spc="-1" strike="noStrike">
-              <a:solidFill>
-                <a:srgbClr val="000000"/>
-              </a:solidFill>
-              <a:latin typeface="Roboto Light"/>
-            </a:endParaRPr>
-          </a:p>
-        </p:txBody>
-      </p:sp>
-      <p:sp>
-        <p:nvSpPr>
-          <p:cNvPr id="51" name="PlaceHolder 2"/>
+            <a:pPr indent="0" algn="ctr">
+              <a:buNone/>
+            </a:pPr>
+            <a:endParaRPr b="0" lang="en-AU" sz="4400" spc="-1" strike="noStrike">
+              <a:solidFill>
+                <a:srgbClr val="000000"/>
+              </a:solidFill>
+              <a:latin typeface="Arial"/>
+            </a:endParaRPr>
+          </a:p>
+        </p:txBody>
+      </p:sp>
+      <p:sp>
+        <p:nvSpPr>
+          <p:cNvPr id="45" name="PlaceHolder 2"/>
           <p:cNvSpPr>
             <a:spLocks noGrp="1"/>
           </p:cNvSpPr>
@@ -950,8 +1051,8 @@
         </p:nvSpPr>
         <p:spPr>
           <a:xfrm>
-            <a:off x="838080" y="1825560"/>
-            <a:ext cx="5131080" cy="4350960"/>
+            <a:off x="609480" y="1604520"/>
+            <a:ext cx="5354280" cy="3977280"/>
           </a:xfrm>
           <a:prstGeom prst="rect">
             <a:avLst/>
@@ -966,18 +1067,24 @@
             <a:normAutofit/>
           </a:bodyPr>
           <a:p>
-            <a:endParaRPr b="0" lang="en-US" sz="2800" spc="-1" strike="noStrike">
-              <a:solidFill>
-                <a:srgbClr val="000000"/>
-              </a:solidFill>
-              <a:latin typeface="Roboto Light"/>
-            </a:endParaRPr>
-          </a:p>
-        </p:txBody>
-      </p:sp>
-      <p:sp>
-        <p:nvSpPr>
-          <p:cNvPr id="52" name="PlaceHolder 3"/>
+            <a:pPr indent="0">
+              <a:spcBef>
+                <a:spcPts val="1417"/>
+              </a:spcBef>
+              <a:buNone/>
+            </a:pPr>
+            <a:endParaRPr b="0" lang="en-AU" sz="3200" spc="-1" strike="noStrike">
+              <a:solidFill>
+                <a:srgbClr val="000000"/>
+              </a:solidFill>
+              <a:latin typeface="Arial"/>
+            </a:endParaRPr>
+          </a:p>
+        </p:txBody>
+      </p:sp>
+      <p:sp>
+        <p:nvSpPr>
+          <p:cNvPr id="46" name="PlaceHolder 3"/>
           <p:cNvSpPr>
             <a:spLocks noGrp="1"/>
           </p:cNvSpPr>
@@ -987,8 +1094,8 @@
         </p:nvSpPr>
         <p:spPr>
           <a:xfrm>
-            <a:off x="6226200" y="1825560"/>
-            <a:ext cx="5131080" cy="4350960"/>
+            <a:off x="6231960" y="1604520"/>
+            <a:ext cx="5354280" cy="3977280"/>
           </a:xfrm>
           <a:prstGeom prst="rect">
             <a:avLst/>
@@ -1003,11 +1110,17 @@
             <a:normAutofit/>
           </a:bodyPr>
           <a:p>
-            <a:endParaRPr b="0" lang="en-US" sz="2800" spc="-1" strike="noStrike">
-              <a:solidFill>
-                <a:srgbClr val="000000"/>
-              </a:solidFill>
-              <a:latin typeface="Roboto Light"/>
+            <a:pPr indent="0">
+              <a:spcBef>
+                <a:spcPts val="1417"/>
+              </a:spcBef>
+              <a:buNone/>
+            </a:pPr>
+            <a:endParaRPr b="0" lang="en-AU" sz="3200" spc="-1" strike="noStrike">
+              <a:solidFill>
+                <a:srgbClr val="000000"/>
+              </a:solidFill>
+              <a:latin typeface="Arial"/>
             </a:endParaRPr>
           </a:p>
         </p:txBody>
@@ -1036,7 +1149,7 @@
       </p:grpSpPr>
       <p:sp>
         <p:nvSpPr>
-          <p:cNvPr id="53" name="PlaceHolder 1"/>
+          <p:cNvPr id="47" name="PlaceHolder 1"/>
           <p:cNvSpPr>
             <a:spLocks noGrp="1"/>
           </p:cNvSpPr>
@@ -1046,8 +1159,8 @@
         </p:nvSpPr>
         <p:spPr>
           <a:xfrm>
-            <a:off x="838080" y="365040"/>
-            <a:ext cx="10515240" cy="1325160"/>
+            <a:off x="609480" y="273600"/>
+            <a:ext cx="10972440" cy="1144800"/>
           </a:xfrm>
           <a:prstGeom prst="rect">
             <a:avLst/>
@@ -1062,11 +1175,14 @@
             <a:noAutofit/>
           </a:bodyPr>
           <a:p>
-            <a:endParaRPr b="0" lang="en-US" sz="1800" spc="-1" strike="noStrike">
-              <a:solidFill>
-                <a:srgbClr val="000000"/>
-              </a:solidFill>
-              <a:latin typeface="Roboto Light"/>
+            <a:pPr indent="0" algn="ctr">
+              <a:buNone/>
+            </a:pPr>
+            <a:endParaRPr b="0" lang="en-AU" sz="4400" spc="-1" strike="noStrike">
+              <a:solidFill>
+                <a:srgbClr val="000000"/>
+              </a:solidFill>
+              <a:latin typeface="Arial"/>
             </a:endParaRPr>
           </a:p>
         </p:txBody>
@@ -1095,7 +1211,7 @@
       </p:grpSpPr>
       <p:sp>
         <p:nvSpPr>
-          <p:cNvPr id="54" name="PlaceHolder 1"/>
+          <p:cNvPr id="48" name="PlaceHolder 1"/>
           <p:cNvSpPr>
             <a:spLocks noGrp="1"/>
           </p:cNvSpPr>
@@ -1105,8 +1221,8 @@
         </p:nvSpPr>
         <p:spPr>
           <a:xfrm>
-            <a:off x="838080" y="365040"/>
-            <a:ext cx="10515240" cy="6144120"/>
+            <a:off x="609480" y="273600"/>
+            <a:ext cx="10972440" cy="5307840"/>
           </a:xfrm>
           <a:prstGeom prst="rect">
             <a:avLst/>
@@ -1122,7 +1238,10 @@
           </a:bodyPr>
           <a:p>
             <a:pPr algn="ctr"/>
-            <a:endParaRPr b="0" lang="ru-RU" sz="3200" spc="-1" strike="noStrike">
+            <a:endParaRPr b="0" lang="en-AU" sz="3200" spc="-1" strike="noStrike">
+              <a:solidFill>
+                <a:srgbClr val="000000"/>
+              </a:solidFill>
               <a:latin typeface="Arial"/>
             </a:endParaRPr>
           </a:p>
@@ -1152,7 +1271,7 @@
       </p:grpSpPr>
       <p:sp>
         <p:nvSpPr>
-          <p:cNvPr id="55" name="PlaceHolder 1"/>
+          <p:cNvPr id="49" name="PlaceHolder 1"/>
           <p:cNvSpPr>
             <a:spLocks noGrp="1"/>
           </p:cNvSpPr>
@@ -1162,8 +1281,8 @@
         </p:nvSpPr>
         <p:spPr>
           <a:xfrm>
-            <a:off x="838080" y="365040"/>
-            <a:ext cx="10515240" cy="1325160"/>
+            <a:off x="609480" y="273600"/>
+            <a:ext cx="10972440" cy="1144800"/>
           </a:xfrm>
           <a:prstGeom prst="rect">
             <a:avLst/>
@@ -1178,18 +1297,21 @@
             <a:noAutofit/>
           </a:bodyPr>
           <a:p>
-            <a:endParaRPr b="0" lang="en-US" sz="1800" spc="-1" strike="noStrike">
-              <a:solidFill>
-                <a:srgbClr val="000000"/>
-              </a:solidFill>
-              <a:latin typeface="Roboto Light"/>
-            </a:endParaRPr>
-          </a:p>
-        </p:txBody>
-      </p:sp>
-      <p:sp>
-        <p:nvSpPr>
-          <p:cNvPr id="56" name="PlaceHolder 2"/>
+            <a:pPr indent="0" algn="ctr">
+              <a:buNone/>
+            </a:pPr>
+            <a:endParaRPr b="0" lang="en-AU" sz="4400" spc="-1" strike="noStrike">
+              <a:solidFill>
+                <a:srgbClr val="000000"/>
+              </a:solidFill>
+              <a:latin typeface="Arial"/>
+            </a:endParaRPr>
+          </a:p>
+        </p:txBody>
+      </p:sp>
+      <p:sp>
+        <p:nvSpPr>
+          <p:cNvPr id="50" name="PlaceHolder 2"/>
           <p:cNvSpPr>
             <a:spLocks noGrp="1"/>
           </p:cNvSpPr>
@@ -1199,8 +1321,8 @@
         </p:nvSpPr>
         <p:spPr>
           <a:xfrm>
-            <a:off x="838080" y="1825560"/>
-            <a:ext cx="5131080" cy="2075040"/>
+            <a:off x="609480" y="1604520"/>
+            <a:ext cx="5354280" cy="1896840"/>
           </a:xfrm>
           <a:prstGeom prst="rect">
             <a:avLst/>
@@ -1215,18 +1337,24 @@
             <a:normAutofit/>
           </a:bodyPr>
           <a:p>
-            <a:endParaRPr b="0" lang="en-US" sz="2800" spc="-1" strike="noStrike">
-              <a:solidFill>
-                <a:srgbClr val="000000"/>
-              </a:solidFill>
-              <a:latin typeface="Roboto Light"/>
-            </a:endParaRPr>
-          </a:p>
-        </p:txBody>
-      </p:sp>
-      <p:sp>
-        <p:nvSpPr>
-          <p:cNvPr id="57" name="PlaceHolder 3"/>
+            <a:pPr indent="0">
+              <a:spcBef>
+                <a:spcPts val="1417"/>
+              </a:spcBef>
+              <a:buNone/>
+            </a:pPr>
+            <a:endParaRPr b="0" lang="en-AU" sz="3200" spc="-1" strike="noStrike">
+              <a:solidFill>
+                <a:srgbClr val="000000"/>
+              </a:solidFill>
+              <a:latin typeface="Arial"/>
+            </a:endParaRPr>
+          </a:p>
+        </p:txBody>
+      </p:sp>
+      <p:sp>
+        <p:nvSpPr>
+          <p:cNvPr id="51" name="PlaceHolder 3"/>
           <p:cNvSpPr>
             <a:spLocks noGrp="1"/>
           </p:cNvSpPr>
@@ -1236,8 +1364,8 @@
         </p:nvSpPr>
         <p:spPr>
           <a:xfrm>
-            <a:off x="6226200" y="1825560"/>
-            <a:ext cx="5131080" cy="4350960"/>
+            <a:off x="6231960" y="1604520"/>
+            <a:ext cx="5354280" cy="3977280"/>
           </a:xfrm>
           <a:prstGeom prst="rect">
             <a:avLst/>
@@ -1252,18 +1380,24 @@
             <a:normAutofit/>
           </a:bodyPr>
           <a:p>
-            <a:endParaRPr b="0" lang="en-US" sz="2800" spc="-1" strike="noStrike">
-              <a:solidFill>
-                <a:srgbClr val="000000"/>
-              </a:solidFill>
-              <a:latin typeface="Roboto Light"/>
-            </a:endParaRPr>
-          </a:p>
-        </p:txBody>
-      </p:sp>
-      <p:sp>
-        <p:nvSpPr>
-          <p:cNvPr id="58" name="PlaceHolder 4"/>
+            <a:pPr indent="0">
+              <a:spcBef>
+                <a:spcPts val="1417"/>
+              </a:spcBef>
+              <a:buNone/>
+            </a:pPr>
+            <a:endParaRPr b="0" lang="en-AU" sz="3200" spc="-1" strike="noStrike">
+              <a:solidFill>
+                <a:srgbClr val="000000"/>
+              </a:solidFill>
+              <a:latin typeface="Arial"/>
+            </a:endParaRPr>
+          </a:p>
+        </p:txBody>
+      </p:sp>
+      <p:sp>
+        <p:nvSpPr>
+          <p:cNvPr id="52" name="PlaceHolder 4"/>
           <p:cNvSpPr>
             <a:spLocks noGrp="1"/>
           </p:cNvSpPr>
@@ -1273,8 +1407,8 @@
         </p:nvSpPr>
         <p:spPr>
           <a:xfrm>
-            <a:off x="838080" y="4098240"/>
-            <a:ext cx="5131080" cy="2075040"/>
+            <a:off x="609480" y="3682080"/>
+            <a:ext cx="5354280" cy="1896840"/>
           </a:xfrm>
           <a:prstGeom prst="rect">
             <a:avLst/>
@@ -1289,11 +1423,17 @@
             <a:normAutofit/>
           </a:bodyPr>
           <a:p>
-            <a:endParaRPr b="0" lang="en-US" sz="2800" spc="-1" strike="noStrike">
-              <a:solidFill>
-                <a:srgbClr val="000000"/>
-              </a:solidFill>
-              <a:latin typeface="Roboto Light"/>
+            <a:pPr indent="0">
+              <a:spcBef>
+                <a:spcPts val="1417"/>
+              </a:spcBef>
+              <a:buNone/>
+            </a:pPr>
+            <a:endParaRPr b="0" lang="en-AU" sz="3200" spc="-1" strike="noStrike">
+              <a:solidFill>
+                <a:srgbClr val="000000"/>
+              </a:solidFill>
+              <a:latin typeface="Arial"/>
             </a:endParaRPr>
           </a:p>
         </p:txBody>
@@ -1322,7 +1462,7 @@
       </p:grpSpPr>
       <p:sp>
         <p:nvSpPr>
-          <p:cNvPr id="5" name="PlaceHolder 1"/>
+          <p:cNvPr id="2" name="PlaceHolder 1"/>
           <p:cNvSpPr>
             <a:spLocks noGrp="1"/>
           </p:cNvSpPr>
@@ -1332,8 +1472,8 @@
         </p:nvSpPr>
         <p:spPr>
           <a:xfrm>
-            <a:off x="838080" y="365040"/>
-            <a:ext cx="10515240" cy="1325160"/>
+            <a:off x="609480" y="273600"/>
+            <a:ext cx="10972440" cy="1144800"/>
           </a:xfrm>
           <a:prstGeom prst="rect">
             <a:avLst/>
@@ -1348,18 +1488,21 @@
             <a:noAutofit/>
           </a:bodyPr>
           <a:p>
-            <a:endParaRPr b="0" lang="en-US" sz="1800" spc="-1" strike="noStrike">
-              <a:solidFill>
-                <a:srgbClr val="000000"/>
-              </a:solidFill>
-              <a:latin typeface="Roboto Light"/>
-            </a:endParaRPr>
-          </a:p>
-        </p:txBody>
-      </p:sp>
-      <p:sp>
-        <p:nvSpPr>
-          <p:cNvPr id="6" name="PlaceHolder 2"/>
+            <a:pPr indent="0" algn="ctr">
+              <a:buNone/>
+            </a:pPr>
+            <a:endParaRPr b="0" lang="en-AU" sz="4400" spc="-1" strike="noStrike">
+              <a:solidFill>
+                <a:srgbClr val="000000"/>
+              </a:solidFill>
+              <a:latin typeface="Arial"/>
+            </a:endParaRPr>
+          </a:p>
+        </p:txBody>
+      </p:sp>
+      <p:sp>
+        <p:nvSpPr>
+          <p:cNvPr id="3" name="PlaceHolder 2"/>
           <p:cNvSpPr>
             <a:spLocks noGrp="1"/>
           </p:cNvSpPr>
@@ -1369,8 +1512,8 @@
         </p:nvSpPr>
         <p:spPr>
           <a:xfrm>
-            <a:off x="838080" y="1825560"/>
-            <a:ext cx="10515240" cy="4350960"/>
+            <a:off x="609480" y="1604520"/>
+            <a:ext cx="10972440" cy="3977280"/>
           </a:xfrm>
           <a:prstGeom prst="rect">
             <a:avLst/>
@@ -1385,8 +1528,13 @@
             <a:noAutofit/>
           </a:bodyPr>
           <a:p>
-            <a:pPr algn="ctr"/>
-            <a:endParaRPr b="0" lang="ru-RU" sz="3200" spc="-1" strike="noStrike">
+            <a:pPr indent="0" algn="ctr">
+              <a:buNone/>
+            </a:pPr>
+            <a:endParaRPr b="0" lang="en-AU" sz="3200" spc="-1" strike="noStrike">
+              <a:solidFill>
+                <a:srgbClr val="000000"/>
+              </a:solidFill>
               <a:latin typeface="Arial"/>
             </a:endParaRPr>
           </a:p>
@@ -1416,7 +1564,7 @@
       </p:grpSpPr>
       <p:sp>
         <p:nvSpPr>
-          <p:cNvPr id="59" name="PlaceHolder 1"/>
+          <p:cNvPr id="53" name="PlaceHolder 1"/>
           <p:cNvSpPr>
             <a:spLocks noGrp="1"/>
           </p:cNvSpPr>
@@ -1426,8 +1574,8 @@
         </p:nvSpPr>
         <p:spPr>
           <a:xfrm>
-            <a:off x="838080" y="365040"/>
-            <a:ext cx="10515240" cy="1325160"/>
+            <a:off x="609480" y="273600"/>
+            <a:ext cx="10972440" cy="1144800"/>
           </a:xfrm>
           <a:prstGeom prst="rect">
             <a:avLst/>
@@ -1442,18 +1590,21 @@
             <a:noAutofit/>
           </a:bodyPr>
           <a:p>
-            <a:endParaRPr b="0" lang="en-US" sz="1800" spc="-1" strike="noStrike">
-              <a:solidFill>
-                <a:srgbClr val="000000"/>
-              </a:solidFill>
-              <a:latin typeface="Roboto Light"/>
-            </a:endParaRPr>
-          </a:p>
-        </p:txBody>
-      </p:sp>
-      <p:sp>
-        <p:nvSpPr>
-          <p:cNvPr id="60" name="PlaceHolder 2"/>
+            <a:pPr indent="0" algn="ctr">
+              <a:buNone/>
+            </a:pPr>
+            <a:endParaRPr b="0" lang="en-AU" sz="4400" spc="-1" strike="noStrike">
+              <a:solidFill>
+                <a:srgbClr val="000000"/>
+              </a:solidFill>
+              <a:latin typeface="Arial"/>
+            </a:endParaRPr>
+          </a:p>
+        </p:txBody>
+      </p:sp>
+      <p:sp>
+        <p:nvSpPr>
+          <p:cNvPr id="54" name="PlaceHolder 2"/>
           <p:cNvSpPr>
             <a:spLocks noGrp="1"/>
           </p:cNvSpPr>
@@ -1463,8 +1614,8 @@
         </p:nvSpPr>
         <p:spPr>
           <a:xfrm>
-            <a:off x="838080" y="1825560"/>
-            <a:ext cx="5131080" cy="4350960"/>
+            <a:off x="609480" y="1604520"/>
+            <a:ext cx="5354280" cy="3977280"/>
           </a:xfrm>
           <a:prstGeom prst="rect">
             <a:avLst/>
@@ -1479,18 +1630,24 @@
             <a:normAutofit/>
           </a:bodyPr>
           <a:p>
-            <a:endParaRPr b="0" lang="en-US" sz="2800" spc="-1" strike="noStrike">
-              <a:solidFill>
-                <a:srgbClr val="000000"/>
-              </a:solidFill>
-              <a:latin typeface="Roboto Light"/>
-            </a:endParaRPr>
-          </a:p>
-        </p:txBody>
-      </p:sp>
-      <p:sp>
-        <p:nvSpPr>
-          <p:cNvPr id="61" name="PlaceHolder 3"/>
+            <a:pPr indent="0">
+              <a:spcBef>
+                <a:spcPts val="1417"/>
+              </a:spcBef>
+              <a:buNone/>
+            </a:pPr>
+            <a:endParaRPr b="0" lang="en-AU" sz="3200" spc="-1" strike="noStrike">
+              <a:solidFill>
+                <a:srgbClr val="000000"/>
+              </a:solidFill>
+              <a:latin typeface="Arial"/>
+            </a:endParaRPr>
+          </a:p>
+        </p:txBody>
+      </p:sp>
+      <p:sp>
+        <p:nvSpPr>
+          <p:cNvPr id="55" name="PlaceHolder 3"/>
           <p:cNvSpPr>
             <a:spLocks noGrp="1"/>
           </p:cNvSpPr>
@@ -1500,8 +1657,8 @@
         </p:nvSpPr>
         <p:spPr>
           <a:xfrm>
-            <a:off x="6226200" y="1825560"/>
-            <a:ext cx="5131080" cy="2075040"/>
+            <a:off x="6231960" y="1604520"/>
+            <a:ext cx="5354280" cy="1896840"/>
           </a:xfrm>
           <a:prstGeom prst="rect">
             <a:avLst/>
@@ -1516,18 +1673,24 @@
             <a:normAutofit/>
           </a:bodyPr>
           <a:p>
-            <a:endParaRPr b="0" lang="en-US" sz="2800" spc="-1" strike="noStrike">
-              <a:solidFill>
-                <a:srgbClr val="000000"/>
-              </a:solidFill>
-              <a:latin typeface="Roboto Light"/>
-            </a:endParaRPr>
-          </a:p>
-        </p:txBody>
-      </p:sp>
-      <p:sp>
-        <p:nvSpPr>
-          <p:cNvPr id="62" name="PlaceHolder 4"/>
+            <a:pPr indent="0">
+              <a:spcBef>
+                <a:spcPts val="1417"/>
+              </a:spcBef>
+              <a:buNone/>
+            </a:pPr>
+            <a:endParaRPr b="0" lang="en-AU" sz="3200" spc="-1" strike="noStrike">
+              <a:solidFill>
+                <a:srgbClr val="000000"/>
+              </a:solidFill>
+              <a:latin typeface="Arial"/>
+            </a:endParaRPr>
+          </a:p>
+        </p:txBody>
+      </p:sp>
+      <p:sp>
+        <p:nvSpPr>
+          <p:cNvPr id="56" name="PlaceHolder 4"/>
           <p:cNvSpPr>
             <a:spLocks noGrp="1"/>
           </p:cNvSpPr>
@@ -1537,8 +1700,8 @@
         </p:nvSpPr>
         <p:spPr>
           <a:xfrm>
-            <a:off x="6226200" y="4098240"/>
-            <a:ext cx="5131080" cy="2075040"/>
+            <a:off x="6231960" y="3682080"/>
+            <a:ext cx="5354280" cy="1896840"/>
           </a:xfrm>
           <a:prstGeom prst="rect">
             <a:avLst/>
@@ -1553,11 +1716,17 @@
             <a:normAutofit/>
           </a:bodyPr>
           <a:p>
-            <a:endParaRPr b="0" lang="en-US" sz="2800" spc="-1" strike="noStrike">
-              <a:solidFill>
-                <a:srgbClr val="000000"/>
-              </a:solidFill>
-              <a:latin typeface="Roboto Light"/>
+            <a:pPr indent="0">
+              <a:spcBef>
+                <a:spcPts val="1417"/>
+              </a:spcBef>
+              <a:buNone/>
+            </a:pPr>
+            <a:endParaRPr b="0" lang="en-AU" sz="3200" spc="-1" strike="noStrike">
+              <a:solidFill>
+                <a:srgbClr val="000000"/>
+              </a:solidFill>
+              <a:latin typeface="Arial"/>
             </a:endParaRPr>
           </a:p>
         </p:txBody>
@@ -1586,7 +1755,7 @@
       </p:grpSpPr>
       <p:sp>
         <p:nvSpPr>
-          <p:cNvPr id="63" name="PlaceHolder 1"/>
+          <p:cNvPr id="57" name="PlaceHolder 1"/>
           <p:cNvSpPr>
             <a:spLocks noGrp="1"/>
           </p:cNvSpPr>
@@ -1596,8 +1765,8 @@
         </p:nvSpPr>
         <p:spPr>
           <a:xfrm>
-            <a:off x="838080" y="365040"/>
-            <a:ext cx="10515240" cy="1325160"/>
+            <a:off x="609480" y="273600"/>
+            <a:ext cx="10972440" cy="1144800"/>
           </a:xfrm>
           <a:prstGeom prst="rect">
             <a:avLst/>
@@ -1612,18 +1781,21 @@
             <a:noAutofit/>
           </a:bodyPr>
           <a:p>
-            <a:endParaRPr b="0" lang="en-US" sz="1800" spc="-1" strike="noStrike">
-              <a:solidFill>
-                <a:srgbClr val="000000"/>
-              </a:solidFill>
-              <a:latin typeface="Roboto Light"/>
-            </a:endParaRPr>
-          </a:p>
-        </p:txBody>
-      </p:sp>
-      <p:sp>
-        <p:nvSpPr>
-          <p:cNvPr id="64" name="PlaceHolder 2"/>
+            <a:pPr indent="0" algn="ctr">
+              <a:buNone/>
+            </a:pPr>
+            <a:endParaRPr b="0" lang="en-AU" sz="4400" spc="-1" strike="noStrike">
+              <a:solidFill>
+                <a:srgbClr val="000000"/>
+              </a:solidFill>
+              <a:latin typeface="Arial"/>
+            </a:endParaRPr>
+          </a:p>
+        </p:txBody>
+      </p:sp>
+      <p:sp>
+        <p:nvSpPr>
+          <p:cNvPr id="58" name="PlaceHolder 2"/>
           <p:cNvSpPr>
             <a:spLocks noGrp="1"/>
           </p:cNvSpPr>
@@ -1633,8 +1805,8 @@
         </p:nvSpPr>
         <p:spPr>
           <a:xfrm>
-            <a:off x="838080" y="1825560"/>
-            <a:ext cx="5131080" cy="2075040"/>
+            <a:off x="609480" y="1604520"/>
+            <a:ext cx="5354280" cy="1896840"/>
           </a:xfrm>
           <a:prstGeom prst="rect">
             <a:avLst/>
@@ -1649,18 +1821,24 @@
             <a:normAutofit/>
           </a:bodyPr>
           <a:p>
-            <a:endParaRPr b="0" lang="en-US" sz="2800" spc="-1" strike="noStrike">
-              <a:solidFill>
-                <a:srgbClr val="000000"/>
-              </a:solidFill>
-              <a:latin typeface="Roboto Light"/>
-            </a:endParaRPr>
-          </a:p>
-        </p:txBody>
-      </p:sp>
-      <p:sp>
-        <p:nvSpPr>
-          <p:cNvPr id="65" name="PlaceHolder 3"/>
+            <a:pPr indent="0">
+              <a:spcBef>
+                <a:spcPts val="1417"/>
+              </a:spcBef>
+              <a:buNone/>
+            </a:pPr>
+            <a:endParaRPr b="0" lang="en-AU" sz="3200" spc="-1" strike="noStrike">
+              <a:solidFill>
+                <a:srgbClr val="000000"/>
+              </a:solidFill>
+              <a:latin typeface="Arial"/>
+            </a:endParaRPr>
+          </a:p>
+        </p:txBody>
+      </p:sp>
+      <p:sp>
+        <p:nvSpPr>
+          <p:cNvPr id="59" name="PlaceHolder 3"/>
           <p:cNvSpPr>
             <a:spLocks noGrp="1"/>
           </p:cNvSpPr>
@@ -1670,8 +1848,8 @@
         </p:nvSpPr>
         <p:spPr>
           <a:xfrm>
-            <a:off x="6226200" y="1825560"/>
-            <a:ext cx="5131080" cy="2075040"/>
+            <a:off x="6231960" y="1604520"/>
+            <a:ext cx="5354280" cy="1896840"/>
           </a:xfrm>
           <a:prstGeom prst="rect">
             <a:avLst/>
@@ -1686,18 +1864,24 @@
             <a:normAutofit/>
           </a:bodyPr>
           <a:p>
-            <a:endParaRPr b="0" lang="en-US" sz="2800" spc="-1" strike="noStrike">
-              <a:solidFill>
-                <a:srgbClr val="000000"/>
-              </a:solidFill>
-              <a:latin typeface="Roboto Light"/>
-            </a:endParaRPr>
-          </a:p>
-        </p:txBody>
-      </p:sp>
-      <p:sp>
-        <p:nvSpPr>
-          <p:cNvPr id="66" name="PlaceHolder 4"/>
+            <a:pPr indent="0">
+              <a:spcBef>
+                <a:spcPts val="1417"/>
+              </a:spcBef>
+              <a:buNone/>
+            </a:pPr>
+            <a:endParaRPr b="0" lang="en-AU" sz="3200" spc="-1" strike="noStrike">
+              <a:solidFill>
+                <a:srgbClr val="000000"/>
+              </a:solidFill>
+              <a:latin typeface="Arial"/>
+            </a:endParaRPr>
+          </a:p>
+        </p:txBody>
+      </p:sp>
+      <p:sp>
+        <p:nvSpPr>
+          <p:cNvPr id="60" name="PlaceHolder 4"/>
           <p:cNvSpPr>
             <a:spLocks noGrp="1"/>
           </p:cNvSpPr>
@@ -1707,8 +1891,8 @@
         </p:nvSpPr>
         <p:spPr>
           <a:xfrm>
-            <a:off x="838080" y="4098240"/>
-            <a:ext cx="10515240" cy="2075040"/>
+            <a:off x="609480" y="3682080"/>
+            <a:ext cx="10972440" cy="1896840"/>
           </a:xfrm>
           <a:prstGeom prst="rect">
             <a:avLst/>
@@ -1723,11 +1907,17 @@
             <a:normAutofit/>
           </a:bodyPr>
           <a:p>
-            <a:endParaRPr b="0" lang="en-US" sz="2800" spc="-1" strike="noStrike">
-              <a:solidFill>
-                <a:srgbClr val="000000"/>
-              </a:solidFill>
-              <a:latin typeface="Roboto Light"/>
+            <a:pPr indent="0">
+              <a:spcBef>
+                <a:spcPts val="1417"/>
+              </a:spcBef>
+              <a:buNone/>
+            </a:pPr>
+            <a:endParaRPr b="0" lang="en-AU" sz="3200" spc="-1" strike="noStrike">
+              <a:solidFill>
+                <a:srgbClr val="000000"/>
+              </a:solidFill>
+              <a:latin typeface="Arial"/>
             </a:endParaRPr>
           </a:p>
         </p:txBody>
@@ -1756,7 +1946,7 @@
       </p:grpSpPr>
       <p:sp>
         <p:nvSpPr>
-          <p:cNvPr id="67" name="PlaceHolder 1"/>
+          <p:cNvPr id="61" name="PlaceHolder 1"/>
           <p:cNvSpPr>
             <a:spLocks noGrp="1"/>
           </p:cNvSpPr>
@@ -1766,8 +1956,8 @@
         </p:nvSpPr>
         <p:spPr>
           <a:xfrm>
-            <a:off x="838080" y="365040"/>
-            <a:ext cx="10515240" cy="1325160"/>
+            <a:off x="609480" y="273600"/>
+            <a:ext cx="10972440" cy="1144800"/>
           </a:xfrm>
           <a:prstGeom prst="rect">
             <a:avLst/>
@@ -1782,18 +1972,21 @@
             <a:noAutofit/>
           </a:bodyPr>
           <a:p>
-            <a:endParaRPr b="0" lang="en-US" sz="1800" spc="-1" strike="noStrike">
-              <a:solidFill>
-                <a:srgbClr val="000000"/>
-              </a:solidFill>
-              <a:latin typeface="Roboto Light"/>
-            </a:endParaRPr>
-          </a:p>
-        </p:txBody>
-      </p:sp>
-      <p:sp>
-        <p:nvSpPr>
-          <p:cNvPr id="68" name="PlaceHolder 2"/>
+            <a:pPr indent="0" algn="ctr">
+              <a:buNone/>
+            </a:pPr>
+            <a:endParaRPr b="0" lang="en-AU" sz="4400" spc="-1" strike="noStrike">
+              <a:solidFill>
+                <a:srgbClr val="000000"/>
+              </a:solidFill>
+              <a:latin typeface="Arial"/>
+            </a:endParaRPr>
+          </a:p>
+        </p:txBody>
+      </p:sp>
+      <p:sp>
+        <p:nvSpPr>
+          <p:cNvPr id="62" name="PlaceHolder 2"/>
           <p:cNvSpPr>
             <a:spLocks noGrp="1"/>
           </p:cNvSpPr>
@@ -1803,8 +1996,8 @@
         </p:nvSpPr>
         <p:spPr>
           <a:xfrm>
-            <a:off x="838080" y="1825560"/>
-            <a:ext cx="10515240" cy="2075040"/>
+            <a:off x="609480" y="1604520"/>
+            <a:ext cx="10972440" cy="1896840"/>
           </a:xfrm>
           <a:prstGeom prst="rect">
             <a:avLst/>
@@ -1819,18 +2012,24 @@
             <a:normAutofit/>
           </a:bodyPr>
           <a:p>
-            <a:endParaRPr b="0" lang="en-US" sz="2800" spc="-1" strike="noStrike">
-              <a:solidFill>
-                <a:srgbClr val="000000"/>
-              </a:solidFill>
-              <a:latin typeface="Roboto Light"/>
-            </a:endParaRPr>
-          </a:p>
-        </p:txBody>
-      </p:sp>
-      <p:sp>
-        <p:nvSpPr>
-          <p:cNvPr id="69" name="PlaceHolder 3"/>
+            <a:pPr indent="0">
+              <a:spcBef>
+                <a:spcPts val="1417"/>
+              </a:spcBef>
+              <a:buNone/>
+            </a:pPr>
+            <a:endParaRPr b="0" lang="en-AU" sz="3200" spc="-1" strike="noStrike">
+              <a:solidFill>
+                <a:srgbClr val="000000"/>
+              </a:solidFill>
+              <a:latin typeface="Arial"/>
+            </a:endParaRPr>
+          </a:p>
+        </p:txBody>
+      </p:sp>
+      <p:sp>
+        <p:nvSpPr>
+          <p:cNvPr id="63" name="PlaceHolder 3"/>
           <p:cNvSpPr>
             <a:spLocks noGrp="1"/>
           </p:cNvSpPr>
@@ -1840,8 +2039,8 @@
         </p:nvSpPr>
         <p:spPr>
           <a:xfrm>
-            <a:off x="838080" y="4098240"/>
-            <a:ext cx="10515240" cy="2075040"/>
+            <a:off x="609480" y="3682080"/>
+            <a:ext cx="10972440" cy="1896840"/>
           </a:xfrm>
           <a:prstGeom prst="rect">
             <a:avLst/>
@@ -1856,11 +2055,17 @@
             <a:normAutofit/>
           </a:bodyPr>
           <a:p>
-            <a:endParaRPr b="0" lang="en-US" sz="2800" spc="-1" strike="noStrike">
-              <a:solidFill>
-                <a:srgbClr val="000000"/>
-              </a:solidFill>
-              <a:latin typeface="Roboto Light"/>
+            <a:pPr indent="0">
+              <a:spcBef>
+                <a:spcPts val="1417"/>
+              </a:spcBef>
+              <a:buNone/>
+            </a:pPr>
+            <a:endParaRPr b="0" lang="en-AU" sz="3200" spc="-1" strike="noStrike">
+              <a:solidFill>
+                <a:srgbClr val="000000"/>
+              </a:solidFill>
+              <a:latin typeface="Arial"/>
             </a:endParaRPr>
           </a:p>
         </p:txBody>
@@ -1889,7 +2094,7 @@
       </p:grpSpPr>
       <p:sp>
         <p:nvSpPr>
-          <p:cNvPr id="70" name="PlaceHolder 1"/>
+          <p:cNvPr id="64" name="PlaceHolder 1"/>
           <p:cNvSpPr>
             <a:spLocks noGrp="1"/>
           </p:cNvSpPr>
@@ -1899,8 +2104,8 @@
         </p:nvSpPr>
         <p:spPr>
           <a:xfrm>
-            <a:off x="838080" y="365040"/>
-            <a:ext cx="10515240" cy="1325160"/>
+            <a:off x="609480" y="273600"/>
+            <a:ext cx="10972440" cy="1144800"/>
           </a:xfrm>
           <a:prstGeom prst="rect">
             <a:avLst/>
@@ -1915,18 +2120,21 @@
             <a:noAutofit/>
           </a:bodyPr>
           <a:p>
-            <a:endParaRPr b="0" lang="en-US" sz="1800" spc="-1" strike="noStrike">
-              <a:solidFill>
-                <a:srgbClr val="000000"/>
-              </a:solidFill>
-              <a:latin typeface="Roboto Light"/>
-            </a:endParaRPr>
-          </a:p>
-        </p:txBody>
-      </p:sp>
-      <p:sp>
-        <p:nvSpPr>
-          <p:cNvPr id="71" name="PlaceHolder 2"/>
+            <a:pPr indent="0" algn="ctr">
+              <a:buNone/>
+            </a:pPr>
+            <a:endParaRPr b="0" lang="en-AU" sz="4400" spc="-1" strike="noStrike">
+              <a:solidFill>
+                <a:srgbClr val="000000"/>
+              </a:solidFill>
+              <a:latin typeface="Arial"/>
+            </a:endParaRPr>
+          </a:p>
+        </p:txBody>
+      </p:sp>
+      <p:sp>
+        <p:nvSpPr>
+          <p:cNvPr id="65" name="PlaceHolder 2"/>
           <p:cNvSpPr>
             <a:spLocks noGrp="1"/>
           </p:cNvSpPr>
@@ -1936,8 +2144,8 @@
         </p:nvSpPr>
         <p:spPr>
           <a:xfrm>
-            <a:off x="838080" y="1825560"/>
-            <a:ext cx="5131080" cy="2075040"/>
+            <a:off x="609480" y="1604520"/>
+            <a:ext cx="5354280" cy="1896840"/>
           </a:xfrm>
           <a:prstGeom prst="rect">
             <a:avLst/>
@@ -1952,18 +2160,24 @@
             <a:normAutofit/>
           </a:bodyPr>
           <a:p>
-            <a:endParaRPr b="0" lang="en-US" sz="2800" spc="-1" strike="noStrike">
-              <a:solidFill>
-                <a:srgbClr val="000000"/>
-              </a:solidFill>
-              <a:latin typeface="Roboto Light"/>
-            </a:endParaRPr>
-          </a:p>
-        </p:txBody>
-      </p:sp>
-      <p:sp>
-        <p:nvSpPr>
-          <p:cNvPr id="72" name="PlaceHolder 3"/>
+            <a:pPr indent="0">
+              <a:spcBef>
+                <a:spcPts val="1417"/>
+              </a:spcBef>
+              <a:buNone/>
+            </a:pPr>
+            <a:endParaRPr b="0" lang="en-AU" sz="3200" spc="-1" strike="noStrike">
+              <a:solidFill>
+                <a:srgbClr val="000000"/>
+              </a:solidFill>
+              <a:latin typeface="Arial"/>
+            </a:endParaRPr>
+          </a:p>
+        </p:txBody>
+      </p:sp>
+      <p:sp>
+        <p:nvSpPr>
+          <p:cNvPr id="66" name="PlaceHolder 3"/>
           <p:cNvSpPr>
             <a:spLocks noGrp="1"/>
           </p:cNvSpPr>
@@ -1973,8 +2187,8 @@
         </p:nvSpPr>
         <p:spPr>
           <a:xfrm>
-            <a:off x="6226200" y="1825560"/>
-            <a:ext cx="5131080" cy="2075040"/>
+            <a:off x="6231960" y="1604520"/>
+            <a:ext cx="5354280" cy="1896840"/>
           </a:xfrm>
           <a:prstGeom prst="rect">
             <a:avLst/>
@@ -1989,18 +2203,24 @@
             <a:normAutofit/>
           </a:bodyPr>
           <a:p>
-            <a:endParaRPr b="0" lang="en-US" sz="2800" spc="-1" strike="noStrike">
-              <a:solidFill>
-                <a:srgbClr val="000000"/>
-              </a:solidFill>
-              <a:latin typeface="Roboto Light"/>
-            </a:endParaRPr>
-          </a:p>
-        </p:txBody>
-      </p:sp>
-      <p:sp>
-        <p:nvSpPr>
-          <p:cNvPr id="73" name="PlaceHolder 4"/>
+            <a:pPr indent="0">
+              <a:spcBef>
+                <a:spcPts val="1417"/>
+              </a:spcBef>
+              <a:buNone/>
+            </a:pPr>
+            <a:endParaRPr b="0" lang="en-AU" sz="3200" spc="-1" strike="noStrike">
+              <a:solidFill>
+                <a:srgbClr val="000000"/>
+              </a:solidFill>
+              <a:latin typeface="Arial"/>
+            </a:endParaRPr>
+          </a:p>
+        </p:txBody>
+      </p:sp>
+      <p:sp>
+        <p:nvSpPr>
+          <p:cNvPr id="67" name="PlaceHolder 4"/>
           <p:cNvSpPr>
             <a:spLocks noGrp="1"/>
           </p:cNvSpPr>
@@ -2010,8 +2230,8 @@
         </p:nvSpPr>
         <p:spPr>
           <a:xfrm>
-            <a:off x="838080" y="4098240"/>
-            <a:ext cx="5131080" cy="2075040"/>
+            <a:off x="609480" y="3682080"/>
+            <a:ext cx="5354280" cy="1896840"/>
           </a:xfrm>
           <a:prstGeom prst="rect">
             <a:avLst/>
@@ -2026,18 +2246,24 @@
             <a:normAutofit/>
           </a:bodyPr>
           <a:p>
-            <a:endParaRPr b="0" lang="en-US" sz="2800" spc="-1" strike="noStrike">
-              <a:solidFill>
-                <a:srgbClr val="000000"/>
-              </a:solidFill>
-              <a:latin typeface="Roboto Light"/>
-            </a:endParaRPr>
-          </a:p>
-        </p:txBody>
-      </p:sp>
-      <p:sp>
-        <p:nvSpPr>
-          <p:cNvPr id="74" name="PlaceHolder 5"/>
+            <a:pPr indent="0">
+              <a:spcBef>
+                <a:spcPts val="1417"/>
+              </a:spcBef>
+              <a:buNone/>
+            </a:pPr>
+            <a:endParaRPr b="0" lang="en-AU" sz="3200" spc="-1" strike="noStrike">
+              <a:solidFill>
+                <a:srgbClr val="000000"/>
+              </a:solidFill>
+              <a:latin typeface="Arial"/>
+            </a:endParaRPr>
+          </a:p>
+        </p:txBody>
+      </p:sp>
+      <p:sp>
+        <p:nvSpPr>
+          <p:cNvPr id="68" name="PlaceHolder 5"/>
           <p:cNvSpPr>
             <a:spLocks noGrp="1"/>
           </p:cNvSpPr>
@@ -2047,8 +2273,8 @@
         </p:nvSpPr>
         <p:spPr>
           <a:xfrm>
-            <a:off x="6226200" y="4098240"/>
-            <a:ext cx="5131080" cy="2075040"/>
+            <a:off x="6231960" y="3682080"/>
+            <a:ext cx="5354280" cy="1896840"/>
           </a:xfrm>
           <a:prstGeom prst="rect">
             <a:avLst/>
@@ -2063,11 +2289,17 @@
             <a:normAutofit/>
           </a:bodyPr>
           <a:p>
-            <a:endParaRPr b="0" lang="en-US" sz="2800" spc="-1" strike="noStrike">
-              <a:solidFill>
-                <a:srgbClr val="000000"/>
-              </a:solidFill>
-              <a:latin typeface="Roboto Light"/>
+            <a:pPr indent="0">
+              <a:spcBef>
+                <a:spcPts val="1417"/>
+              </a:spcBef>
+              <a:buNone/>
+            </a:pPr>
+            <a:endParaRPr b="0" lang="en-AU" sz="3200" spc="-1" strike="noStrike">
+              <a:solidFill>
+                <a:srgbClr val="000000"/>
+              </a:solidFill>
+              <a:latin typeface="Arial"/>
             </a:endParaRPr>
           </a:p>
         </p:txBody>
@@ -2096,7 +2328,7 @@
       </p:grpSpPr>
       <p:sp>
         <p:nvSpPr>
-          <p:cNvPr id="75" name="PlaceHolder 1"/>
+          <p:cNvPr id="69" name="PlaceHolder 1"/>
           <p:cNvSpPr>
             <a:spLocks noGrp="1"/>
           </p:cNvSpPr>
@@ -2106,8 +2338,8 @@
         </p:nvSpPr>
         <p:spPr>
           <a:xfrm>
-            <a:off x="838080" y="365040"/>
-            <a:ext cx="10515240" cy="1325160"/>
+            <a:off x="609480" y="273600"/>
+            <a:ext cx="10972440" cy="1144800"/>
           </a:xfrm>
           <a:prstGeom prst="rect">
             <a:avLst/>
@@ -2122,18 +2354,21 @@
             <a:noAutofit/>
           </a:bodyPr>
           <a:p>
-            <a:endParaRPr b="0" lang="en-US" sz="1800" spc="-1" strike="noStrike">
-              <a:solidFill>
-                <a:srgbClr val="000000"/>
-              </a:solidFill>
-              <a:latin typeface="Roboto Light"/>
-            </a:endParaRPr>
-          </a:p>
-        </p:txBody>
-      </p:sp>
-      <p:sp>
-        <p:nvSpPr>
-          <p:cNvPr id="76" name="PlaceHolder 2"/>
+            <a:pPr indent="0" algn="ctr">
+              <a:buNone/>
+            </a:pPr>
+            <a:endParaRPr b="0" lang="en-AU" sz="4400" spc="-1" strike="noStrike">
+              <a:solidFill>
+                <a:srgbClr val="000000"/>
+              </a:solidFill>
+              <a:latin typeface="Arial"/>
+            </a:endParaRPr>
+          </a:p>
+        </p:txBody>
+      </p:sp>
+      <p:sp>
+        <p:nvSpPr>
+          <p:cNvPr id="70" name="PlaceHolder 2"/>
           <p:cNvSpPr>
             <a:spLocks noGrp="1"/>
           </p:cNvSpPr>
@@ -2143,8 +2378,8 @@
         </p:nvSpPr>
         <p:spPr>
           <a:xfrm>
-            <a:off x="838080" y="1825560"/>
-            <a:ext cx="3385800" cy="2075040"/>
+            <a:off x="609480" y="1604520"/>
+            <a:ext cx="3533040" cy="1896840"/>
           </a:xfrm>
           <a:prstGeom prst="rect">
             <a:avLst/>
@@ -2159,18 +2394,24 @@
             <a:normAutofit/>
           </a:bodyPr>
           <a:p>
-            <a:endParaRPr b="0" lang="en-US" sz="2800" spc="-1" strike="noStrike">
-              <a:solidFill>
-                <a:srgbClr val="000000"/>
-              </a:solidFill>
-              <a:latin typeface="Roboto Light"/>
-            </a:endParaRPr>
-          </a:p>
-        </p:txBody>
-      </p:sp>
-      <p:sp>
-        <p:nvSpPr>
-          <p:cNvPr id="77" name="PlaceHolder 3"/>
+            <a:pPr indent="0">
+              <a:spcBef>
+                <a:spcPts val="1417"/>
+              </a:spcBef>
+              <a:buNone/>
+            </a:pPr>
+            <a:endParaRPr b="0" lang="en-AU" sz="3200" spc="-1" strike="noStrike">
+              <a:solidFill>
+                <a:srgbClr val="000000"/>
+              </a:solidFill>
+              <a:latin typeface="Arial"/>
+            </a:endParaRPr>
+          </a:p>
+        </p:txBody>
+      </p:sp>
+      <p:sp>
+        <p:nvSpPr>
+          <p:cNvPr id="71" name="PlaceHolder 3"/>
           <p:cNvSpPr>
             <a:spLocks noGrp="1"/>
           </p:cNvSpPr>
@@ -2180,8 +2421,8 @@
         </p:nvSpPr>
         <p:spPr>
           <a:xfrm>
-            <a:off x="4393440" y="1825560"/>
-            <a:ext cx="3385800" cy="2075040"/>
+            <a:off x="4319640" y="1604520"/>
+            <a:ext cx="3533040" cy="1896840"/>
           </a:xfrm>
           <a:prstGeom prst="rect">
             <a:avLst/>
@@ -2196,18 +2437,24 @@
             <a:normAutofit/>
           </a:bodyPr>
           <a:p>
-            <a:endParaRPr b="0" lang="en-US" sz="2800" spc="-1" strike="noStrike">
-              <a:solidFill>
-                <a:srgbClr val="000000"/>
-              </a:solidFill>
-              <a:latin typeface="Roboto Light"/>
-            </a:endParaRPr>
-          </a:p>
-        </p:txBody>
-      </p:sp>
-      <p:sp>
-        <p:nvSpPr>
-          <p:cNvPr id="78" name="PlaceHolder 4"/>
+            <a:pPr indent="0">
+              <a:spcBef>
+                <a:spcPts val="1417"/>
+              </a:spcBef>
+              <a:buNone/>
+            </a:pPr>
+            <a:endParaRPr b="0" lang="en-AU" sz="3200" spc="-1" strike="noStrike">
+              <a:solidFill>
+                <a:srgbClr val="000000"/>
+              </a:solidFill>
+              <a:latin typeface="Arial"/>
+            </a:endParaRPr>
+          </a:p>
+        </p:txBody>
+      </p:sp>
+      <p:sp>
+        <p:nvSpPr>
+          <p:cNvPr id="72" name="PlaceHolder 4"/>
           <p:cNvSpPr>
             <a:spLocks noGrp="1"/>
           </p:cNvSpPr>
@@ -2217,8 +2464,8 @@
         </p:nvSpPr>
         <p:spPr>
           <a:xfrm>
-            <a:off x="7949160" y="1825560"/>
-            <a:ext cx="3385800" cy="2075040"/>
+            <a:off x="8029800" y="1604520"/>
+            <a:ext cx="3533040" cy="1896840"/>
           </a:xfrm>
           <a:prstGeom prst="rect">
             <a:avLst/>
@@ -2233,18 +2480,24 @@
             <a:normAutofit/>
           </a:bodyPr>
           <a:p>
-            <a:endParaRPr b="0" lang="en-US" sz="2800" spc="-1" strike="noStrike">
-              <a:solidFill>
-                <a:srgbClr val="000000"/>
-              </a:solidFill>
-              <a:latin typeface="Roboto Light"/>
-            </a:endParaRPr>
-          </a:p>
-        </p:txBody>
-      </p:sp>
-      <p:sp>
-        <p:nvSpPr>
-          <p:cNvPr id="79" name="PlaceHolder 5"/>
+            <a:pPr indent="0">
+              <a:spcBef>
+                <a:spcPts val="1417"/>
+              </a:spcBef>
+              <a:buNone/>
+            </a:pPr>
+            <a:endParaRPr b="0" lang="en-AU" sz="3200" spc="-1" strike="noStrike">
+              <a:solidFill>
+                <a:srgbClr val="000000"/>
+              </a:solidFill>
+              <a:latin typeface="Arial"/>
+            </a:endParaRPr>
+          </a:p>
+        </p:txBody>
+      </p:sp>
+      <p:sp>
+        <p:nvSpPr>
+          <p:cNvPr id="73" name="PlaceHolder 5"/>
           <p:cNvSpPr>
             <a:spLocks noGrp="1"/>
           </p:cNvSpPr>
@@ -2254,8 +2507,8 @@
         </p:nvSpPr>
         <p:spPr>
           <a:xfrm>
-            <a:off x="838080" y="4098240"/>
-            <a:ext cx="3385800" cy="2075040"/>
+            <a:off x="609480" y="3682080"/>
+            <a:ext cx="3533040" cy="1896840"/>
           </a:xfrm>
           <a:prstGeom prst="rect">
             <a:avLst/>
@@ -2270,18 +2523,24 @@
             <a:normAutofit/>
           </a:bodyPr>
           <a:p>
-            <a:endParaRPr b="0" lang="en-US" sz="2800" spc="-1" strike="noStrike">
-              <a:solidFill>
-                <a:srgbClr val="000000"/>
-              </a:solidFill>
-              <a:latin typeface="Roboto Light"/>
-            </a:endParaRPr>
-          </a:p>
-        </p:txBody>
-      </p:sp>
-      <p:sp>
-        <p:nvSpPr>
-          <p:cNvPr id="80" name="PlaceHolder 6"/>
+            <a:pPr indent="0">
+              <a:spcBef>
+                <a:spcPts val="1417"/>
+              </a:spcBef>
+              <a:buNone/>
+            </a:pPr>
+            <a:endParaRPr b="0" lang="en-AU" sz="3200" spc="-1" strike="noStrike">
+              <a:solidFill>
+                <a:srgbClr val="000000"/>
+              </a:solidFill>
+              <a:latin typeface="Arial"/>
+            </a:endParaRPr>
+          </a:p>
+        </p:txBody>
+      </p:sp>
+      <p:sp>
+        <p:nvSpPr>
+          <p:cNvPr id="74" name="PlaceHolder 6"/>
           <p:cNvSpPr>
             <a:spLocks noGrp="1"/>
           </p:cNvSpPr>
@@ -2291,8 +2550,8 @@
         </p:nvSpPr>
         <p:spPr>
           <a:xfrm>
-            <a:off x="4393440" y="4098240"/>
-            <a:ext cx="3385800" cy="2075040"/>
+            <a:off x="4319640" y="3682080"/>
+            <a:ext cx="3533040" cy="1896840"/>
           </a:xfrm>
           <a:prstGeom prst="rect">
             <a:avLst/>
@@ -2307,18 +2566,24 @@
             <a:normAutofit/>
           </a:bodyPr>
           <a:p>
-            <a:endParaRPr b="0" lang="en-US" sz="2800" spc="-1" strike="noStrike">
-              <a:solidFill>
-                <a:srgbClr val="000000"/>
-              </a:solidFill>
-              <a:latin typeface="Roboto Light"/>
-            </a:endParaRPr>
-          </a:p>
-        </p:txBody>
-      </p:sp>
-      <p:sp>
-        <p:nvSpPr>
-          <p:cNvPr id="81" name="PlaceHolder 7"/>
+            <a:pPr indent="0">
+              <a:spcBef>
+                <a:spcPts val="1417"/>
+              </a:spcBef>
+              <a:buNone/>
+            </a:pPr>
+            <a:endParaRPr b="0" lang="en-AU" sz="3200" spc="-1" strike="noStrike">
+              <a:solidFill>
+                <a:srgbClr val="000000"/>
+              </a:solidFill>
+              <a:latin typeface="Arial"/>
+            </a:endParaRPr>
+          </a:p>
+        </p:txBody>
+      </p:sp>
+      <p:sp>
+        <p:nvSpPr>
+          <p:cNvPr id="75" name="PlaceHolder 7"/>
           <p:cNvSpPr>
             <a:spLocks noGrp="1"/>
           </p:cNvSpPr>
@@ -2328,8 +2593,8 @@
         </p:nvSpPr>
         <p:spPr>
           <a:xfrm>
-            <a:off x="7949160" y="4098240"/>
-            <a:ext cx="3385800" cy="2075040"/>
+            <a:off x="8029800" y="3682080"/>
+            <a:ext cx="3533040" cy="1896840"/>
           </a:xfrm>
           <a:prstGeom prst="rect">
             <a:avLst/>
@@ -2344,11 +2609,17 @@
             <a:normAutofit/>
           </a:bodyPr>
           <a:p>
-            <a:endParaRPr b="0" lang="en-US" sz="2800" spc="-1" strike="noStrike">
-              <a:solidFill>
-                <a:srgbClr val="000000"/>
-              </a:solidFill>
-              <a:latin typeface="Roboto Light"/>
+            <a:pPr indent="0">
+              <a:spcBef>
+                <a:spcPts val="1417"/>
+              </a:spcBef>
+              <a:buNone/>
+            </a:pPr>
+            <a:endParaRPr b="0" lang="en-AU" sz="3200" spc="-1" strike="noStrike">
+              <a:solidFill>
+                <a:srgbClr val="000000"/>
+              </a:solidFill>
+              <a:latin typeface="Arial"/>
             </a:endParaRPr>
           </a:p>
         </p:txBody>
@@ -2377,7 +2648,7 @@
       </p:grpSpPr>
       <p:sp>
         <p:nvSpPr>
-          <p:cNvPr id="7" name="PlaceHolder 1"/>
+          <p:cNvPr id="4" name="PlaceHolder 1"/>
           <p:cNvSpPr>
             <a:spLocks noGrp="1"/>
           </p:cNvSpPr>
@@ -2387,8 +2658,8 @@
         </p:nvSpPr>
         <p:spPr>
           <a:xfrm>
-            <a:off x="838080" y="365040"/>
-            <a:ext cx="10515240" cy="1325160"/>
+            <a:off x="609480" y="273600"/>
+            <a:ext cx="10972440" cy="1144800"/>
           </a:xfrm>
           <a:prstGeom prst="rect">
             <a:avLst/>
@@ -2403,18 +2674,21 @@
             <a:noAutofit/>
           </a:bodyPr>
           <a:p>
-            <a:endParaRPr b="0" lang="en-US" sz="1800" spc="-1" strike="noStrike">
-              <a:solidFill>
-                <a:srgbClr val="000000"/>
-              </a:solidFill>
-              <a:latin typeface="Roboto Light"/>
-            </a:endParaRPr>
-          </a:p>
-        </p:txBody>
-      </p:sp>
-      <p:sp>
-        <p:nvSpPr>
-          <p:cNvPr id="8" name="PlaceHolder 2"/>
+            <a:pPr indent="0" algn="ctr">
+              <a:buNone/>
+            </a:pPr>
+            <a:endParaRPr b="0" lang="en-AU" sz="4400" spc="-1" strike="noStrike">
+              <a:solidFill>
+                <a:srgbClr val="000000"/>
+              </a:solidFill>
+              <a:latin typeface="Arial"/>
+            </a:endParaRPr>
+          </a:p>
+        </p:txBody>
+      </p:sp>
+      <p:sp>
+        <p:nvSpPr>
+          <p:cNvPr id="5" name="PlaceHolder 2"/>
           <p:cNvSpPr>
             <a:spLocks noGrp="1"/>
           </p:cNvSpPr>
@@ -2424,8 +2698,8 @@
         </p:nvSpPr>
         <p:spPr>
           <a:xfrm>
-            <a:off x="838080" y="1825560"/>
-            <a:ext cx="10515240" cy="4350960"/>
+            <a:off x="609480" y="1604520"/>
+            <a:ext cx="10972440" cy="3977280"/>
           </a:xfrm>
           <a:prstGeom prst="rect">
             <a:avLst/>
@@ -2440,11 +2714,17 @@
             <a:normAutofit/>
           </a:bodyPr>
           <a:p>
-            <a:endParaRPr b="0" lang="en-US" sz="2800" spc="-1" strike="noStrike">
-              <a:solidFill>
-                <a:srgbClr val="000000"/>
-              </a:solidFill>
-              <a:latin typeface="Roboto Light"/>
+            <a:pPr indent="0">
+              <a:spcBef>
+                <a:spcPts val="1417"/>
+              </a:spcBef>
+              <a:buNone/>
+            </a:pPr>
+            <a:endParaRPr b="0" lang="en-AU" sz="3200" spc="-1" strike="noStrike">
+              <a:solidFill>
+                <a:srgbClr val="000000"/>
+              </a:solidFill>
+              <a:latin typeface="Arial"/>
             </a:endParaRPr>
           </a:p>
         </p:txBody>
@@ -2473,7 +2753,7 @@
       </p:grpSpPr>
       <p:sp>
         <p:nvSpPr>
-          <p:cNvPr id="9" name="PlaceHolder 1"/>
+          <p:cNvPr id="6" name="PlaceHolder 1"/>
           <p:cNvSpPr>
             <a:spLocks noGrp="1"/>
           </p:cNvSpPr>
@@ -2483,8 +2763,8 @@
         </p:nvSpPr>
         <p:spPr>
           <a:xfrm>
-            <a:off x="838080" y="365040"/>
-            <a:ext cx="10515240" cy="1325160"/>
+            <a:off x="609480" y="273600"/>
+            <a:ext cx="10972440" cy="1144800"/>
           </a:xfrm>
           <a:prstGeom prst="rect">
             <a:avLst/>
@@ -2499,18 +2779,21 @@
             <a:noAutofit/>
           </a:bodyPr>
           <a:p>
-            <a:endParaRPr b="0" lang="en-US" sz="1800" spc="-1" strike="noStrike">
-              <a:solidFill>
-                <a:srgbClr val="000000"/>
-              </a:solidFill>
-              <a:latin typeface="Roboto Light"/>
-            </a:endParaRPr>
-          </a:p>
-        </p:txBody>
-      </p:sp>
-      <p:sp>
-        <p:nvSpPr>
-          <p:cNvPr id="10" name="PlaceHolder 2"/>
+            <a:pPr indent="0" algn="ctr">
+              <a:buNone/>
+            </a:pPr>
+            <a:endParaRPr b="0" lang="en-AU" sz="4400" spc="-1" strike="noStrike">
+              <a:solidFill>
+                <a:srgbClr val="000000"/>
+              </a:solidFill>
+              <a:latin typeface="Arial"/>
+            </a:endParaRPr>
+          </a:p>
+        </p:txBody>
+      </p:sp>
+      <p:sp>
+        <p:nvSpPr>
+          <p:cNvPr id="7" name="PlaceHolder 2"/>
           <p:cNvSpPr>
             <a:spLocks noGrp="1"/>
           </p:cNvSpPr>
@@ -2520,8 +2803,8 @@
         </p:nvSpPr>
         <p:spPr>
           <a:xfrm>
-            <a:off x="838080" y="1825560"/>
-            <a:ext cx="5131080" cy="4350960"/>
+            <a:off x="609480" y="1604520"/>
+            <a:ext cx="5354280" cy="3977280"/>
           </a:xfrm>
           <a:prstGeom prst="rect">
             <a:avLst/>
@@ -2536,18 +2819,24 @@
             <a:normAutofit/>
           </a:bodyPr>
           <a:p>
-            <a:endParaRPr b="0" lang="en-US" sz="2800" spc="-1" strike="noStrike">
-              <a:solidFill>
-                <a:srgbClr val="000000"/>
-              </a:solidFill>
-              <a:latin typeface="Roboto Light"/>
-            </a:endParaRPr>
-          </a:p>
-        </p:txBody>
-      </p:sp>
-      <p:sp>
-        <p:nvSpPr>
-          <p:cNvPr id="11" name="PlaceHolder 3"/>
+            <a:pPr indent="0">
+              <a:spcBef>
+                <a:spcPts val="1417"/>
+              </a:spcBef>
+              <a:buNone/>
+            </a:pPr>
+            <a:endParaRPr b="0" lang="en-AU" sz="3200" spc="-1" strike="noStrike">
+              <a:solidFill>
+                <a:srgbClr val="000000"/>
+              </a:solidFill>
+              <a:latin typeface="Arial"/>
+            </a:endParaRPr>
+          </a:p>
+        </p:txBody>
+      </p:sp>
+      <p:sp>
+        <p:nvSpPr>
+          <p:cNvPr id="8" name="PlaceHolder 3"/>
           <p:cNvSpPr>
             <a:spLocks noGrp="1"/>
           </p:cNvSpPr>
@@ -2557,8 +2846,8 @@
         </p:nvSpPr>
         <p:spPr>
           <a:xfrm>
-            <a:off x="6226200" y="1825560"/>
-            <a:ext cx="5131080" cy="4350960"/>
+            <a:off x="6231960" y="1604520"/>
+            <a:ext cx="5354280" cy="3977280"/>
           </a:xfrm>
           <a:prstGeom prst="rect">
             <a:avLst/>
@@ -2573,11 +2862,17 @@
             <a:normAutofit/>
           </a:bodyPr>
           <a:p>
-            <a:endParaRPr b="0" lang="en-US" sz="2800" spc="-1" strike="noStrike">
-              <a:solidFill>
-                <a:srgbClr val="000000"/>
-              </a:solidFill>
-              <a:latin typeface="Roboto Light"/>
+            <a:pPr indent="0">
+              <a:spcBef>
+                <a:spcPts val="1417"/>
+              </a:spcBef>
+              <a:buNone/>
+            </a:pPr>
+            <a:endParaRPr b="0" lang="en-AU" sz="3200" spc="-1" strike="noStrike">
+              <a:solidFill>
+                <a:srgbClr val="000000"/>
+              </a:solidFill>
+              <a:latin typeface="Arial"/>
             </a:endParaRPr>
           </a:p>
         </p:txBody>
@@ -2606,7 +2901,7 @@
       </p:grpSpPr>
       <p:sp>
         <p:nvSpPr>
-          <p:cNvPr id="12" name="PlaceHolder 1"/>
+          <p:cNvPr id="9" name="PlaceHolder 1"/>
           <p:cNvSpPr>
             <a:spLocks noGrp="1"/>
           </p:cNvSpPr>
@@ -2616,8 +2911,8 @@
         </p:nvSpPr>
         <p:spPr>
           <a:xfrm>
-            <a:off x="838080" y="365040"/>
-            <a:ext cx="10515240" cy="1325160"/>
+            <a:off x="609480" y="273600"/>
+            <a:ext cx="10972440" cy="1144800"/>
           </a:xfrm>
           <a:prstGeom prst="rect">
             <a:avLst/>
@@ -2632,11 +2927,14 @@
             <a:noAutofit/>
           </a:bodyPr>
           <a:p>
-            <a:endParaRPr b="0" lang="en-US" sz="1800" spc="-1" strike="noStrike">
-              <a:solidFill>
-                <a:srgbClr val="000000"/>
-              </a:solidFill>
-              <a:latin typeface="Roboto Light"/>
+            <a:pPr indent="0" algn="ctr">
+              <a:buNone/>
+            </a:pPr>
+            <a:endParaRPr b="0" lang="en-AU" sz="4400" spc="-1" strike="noStrike">
+              <a:solidFill>
+                <a:srgbClr val="000000"/>
+              </a:solidFill>
+              <a:latin typeface="Arial"/>
             </a:endParaRPr>
           </a:p>
         </p:txBody>
@@ -2665,7 +2963,7 @@
       </p:grpSpPr>
       <p:sp>
         <p:nvSpPr>
-          <p:cNvPr id="13" name="PlaceHolder 1"/>
+          <p:cNvPr id="10" name="PlaceHolder 1"/>
           <p:cNvSpPr>
             <a:spLocks noGrp="1"/>
           </p:cNvSpPr>
@@ -2675,8 +2973,8 @@
         </p:nvSpPr>
         <p:spPr>
           <a:xfrm>
-            <a:off x="838080" y="365040"/>
-            <a:ext cx="10515240" cy="6144120"/>
+            <a:off x="609480" y="273600"/>
+            <a:ext cx="10972440" cy="5307840"/>
           </a:xfrm>
           <a:prstGeom prst="rect">
             <a:avLst/>
@@ -2692,7 +2990,10 @@
           </a:bodyPr>
           <a:p>
             <a:pPr algn="ctr"/>
-            <a:endParaRPr b="0" lang="ru-RU" sz="3200" spc="-1" strike="noStrike">
+            <a:endParaRPr b="0" lang="en-AU" sz="3200" spc="-1" strike="noStrike">
+              <a:solidFill>
+                <a:srgbClr val="000000"/>
+              </a:solidFill>
               <a:latin typeface="Arial"/>
             </a:endParaRPr>
           </a:p>
@@ -2722,7 +3023,7 @@
       </p:grpSpPr>
       <p:sp>
         <p:nvSpPr>
-          <p:cNvPr id="14" name="PlaceHolder 1"/>
+          <p:cNvPr id="11" name="PlaceHolder 1"/>
           <p:cNvSpPr>
             <a:spLocks noGrp="1"/>
           </p:cNvSpPr>
@@ -2732,8 +3033,8 @@
         </p:nvSpPr>
         <p:spPr>
           <a:xfrm>
-            <a:off x="838080" y="365040"/>
-            <a:ext cx="10515240" cy="1325160"/>
+            <a:off x="609480" y="273600"/>
+            <a:ext cx="10972440" cy="1144800"/>
           </a:xfrm>
           <a:prstGeom prst="rect">
             <a:avLst/>
@@ -2748,18 +3049,21 @@
             <a:noAutofit/>
           </a:bodyPr>
           <a:p>
-            <a:endParaRPr b="0" lang="en-US" sz="1800" spc="-1" strike="noStrike">
-              <a:solidFill>
-                <a:srgbClr val="000000"/>
-              </a:solidFill>
-              <a:latin typeface="Roboto Light"/>
-            </a:endParaRPr>
-          </a:p>
-        </p:txBody>
-      </p:sp>
-      <p:sp>
-        <p:nvSpPr>
-          <p:cNvPr id="15" name="PlaceHolder 2"/>
+            <a:pPr indent="0" algn="ctr">
+              <a:buNone/>
+            </a:pPr>
+            <a:endParaRPr b="0" lang="en-AU" sz="4400" spc="-1" strike="noStrike">
+              <a:solidFill>
+                <a:srgbClr val="000000"/>
+              </a:solidFill>
+              <a:latin typeface="Arial"/>
+            </a:endParaRPr>
+          </a:p>
+        </p:txBody>
+      </p:sp>
+      <p:sp>
+        <p:nvSpPr>
+          <p:cNvPr id="12" name="PlaceHolder 2"/>
           <p:cNvSpPr>
             <a:spLocks noGrp="1"/>
           </p:cNvSpPr>
@@ -2769,8 +3073,8 @@
         </p:nvSpPr>
         <p:spPr>
           <a:xfrm>
-            <a:off x="838080" y="1825560"/>
-            <a:ext cx="5131080" cy="2075040"/>
+            <a:off x="609480" y="1604520"/>
+            <a:ext cx="5354280" cy="1896840"/>
           </a:xfrm>
           <a:prstGeom prst="rect">
             <a:avLst/>
@@ -2785,18 +3089,24 @@
             <a:normAutofit/>
           </a:bodyPr>
           <a:p>
-            <a:endParaRPr b="0" lang="en-US" sz="2800" spc="-1" strike="noStrike">
-              <a:solidFill>
-                <a:srgbClr val="000000"/>
-              </a:solidFill>
-              <a:latin typeface="Roboto Light"/>
-            </a:endParaRPr>
-          </a:p>
-        </p:txBody>
-      </p:sp>
-      <p:sp>
-        <p:nvSpPr>
-          <p:cNvPr id="16" name="PlaceHolder 3"/>
+            <a:pPr indent="0">
+              <a:spcBef>
+                <a:spcPts val="1417"/>
+              </a:spcBef>
+              <a:buNone/>
+            </a:pPr>
+            <a:endParaRPr b="0" lang="en-AU" sz="3200" spc="-1" strike="noStrike">
+              <a:solidFill>
+                <a:srgbClr val="000000"/>
+              </a:solidFill>
+              <a:latin typeface="Arial"/>
+            </a:endParaRPr>
+          </a:p>
+        </p:txBody>
+      </p:sp>
+      <p:sp>
+        <p:nvSpPr>
+          <p:cNvPr id="13" name="PlaceHolder 3"/>
           <p:cNvSpPr>
             <a:spLocks noGrp="1"/>
           </p:cNvSpPr>
@@ -2806,8 +3116,8 @@
         </p:nvSpPr>
         <p:spPr>
           <a:xfrm>
-            <a:off x="6226200" y="1825560"/>
-            <a:ext cx="5131080" cy="4350960"/>
+            <a:off x="6231960" y="1604520"/>
+            <a:ext cx="5354280" cy="3977280"/>
           </a:xfrm>
           <a:prstGeom prst="rect">
             <a:avLst/>
@@ -2822,18 +3132,24 @@
             <a:normAutofit/>
           </a:bodyPr>
           <a:p>
-            <a:endParaRPr b="0" lang="en-US" sz="2800" spc="-1" strike="noStrike">
-              <a:solidFill>
-                <a:srgbClr val="000000"/>
-              </a:solidFill>
-              <a:latin typeface="Roboto Light"/>
-            </a:endParaRPr>
-          </a:p>
-        </p:txBody>
-      </p:sp>
-      <p:sp>
-        <p:nvSpPr>
-          <p:cNvPr id="17" name="PlaceHolder 4"/>
+            <a:pPr indent="0">
+              <a:spcBef>
+                <a:spcPts val="1417"/>
+              </a:spcBef>
+              <a:buNone/>
+            </a:pPr>
+            <a:endParaRPr b="0" lang="en-AU" sz="3200" spc="-1" strike="noStrike">
+              <a:solidFill>
+                <a:srgbClr val="000000"/>
+              </a:solidFill>
+              <a:latin typeface="Arial"/>
+            </a:endParaRPr>
+          </a:p>
+        </p:txBody>
+      </p:sp>
+      <p:sp>
+        <p:nvSpPr>
+          <p:cNvPr id="14" name="PlaceHolder 4"/>
           <p:cNvSpPr>
             <a:spLocks noGrp="1"/>
           </p:cNvSpPr>
@@ -2843,8 +3159,8 @@
         </p:nvSpPr>
         <p:spPr>
           <a:xfrm>
-            <a:off x="838080" y="4098240"/>
-            <a:ext cx="5131080" cy="2075040"/>
+            <a:off x="609480" y="3682080"/>
+            <a:ext cx="5354280" cy="1896840"/>
           </a:xfrm>
           <a:prstGeom prst="rect">
             <a:avLst/>
@@ -2859,11 +3175,17 @@
             <a:normAutofit/>
           </a:bodyPr>
           <a:p>
-            <a:endParaRPr b="0" lang="en-US" sz="2800" spc="-1" strike="noStrike">
-              <a:solidFill>
-                <a:srgbClr val="000000"/>
-              </a:solidFill>
-              <a:latin typeface="Roboto Light"/>
+            <a:pPr indent="0">
+              <a:spcBef>
+                <a:spcPts val="1417"/>
+              </a:spcBef>
+              <a:buNone/>
+            </a:pPr>
+            <a:endParaRPr b="0" lang="en-AU" sz="3200" spc="-1" strike="noStrike">
+              <a:solidFill>
+                <a:srgbClr val="000000"/>
+              </a:solidFill>
+              <a:latin typeface="Arial"/>
             </a:endParaRPr>
           </a:p>
         </p:txBody>
@@ -2892,7 +3214,7 @@
       </p:grpSpPr>
       <p:sp>
         <p:nvSpPr>
-          <p:cNvPr id="18" name="PlaceHolder 1"/>
+          <p:cNvPr id="15" name="PlaceHolder 1"/>
           <p:cNvSpPr>
             <a:spLocks noGrp="1"/>
           </p:cNvSpPr>
@@ -2902,8 +3224,8 @@
         </p:nvSpPr>
         <p:spPr>
           <a:xfrm>
-            <a:off x="838080" y="365040"/>
-            <a:ext cx="10515240" cy="1325160"/>
+            <a:off x="609480" y="273600"/>
+            <a:ext cx="10972440" cy="1144800"/>
           </a:xfrm>
           <a:prstGeom prst="rect">
             <a:avLst/>
@@ -2918,18 +3240,21 @@
             <a:noAutofit/>
           </a:bodyPr>
           <a:p>
-            <a:endParaRPr b="0" lang="en-US" sz="1800" spc="-1" strike="noStrike">
-              <a:solidFill>
-                <a:srgbClr val="000000"/>
-              </a:solidFill>
-              <a:latin typeface="Roboto Light"/>
-            </a:endParaRPr>
-          </a:p>
-        </p:txBody>
-      </p:sp>
-      <p:sp>
-        <p:nvSpPr>
-          <p:cNvPr id="19" name="PlaceHolder 2"/>
+            <a:pPr indent="0" algn="ctr">
+              <a:buNone/>
+            </a:pPr>
+            <a:endParaRPr b="0" lang="en-AU" sz="4400" spc="-1" strike="noStrike">
+              <a:solidFill>
+                <a:srgbClr val="000000"/>
+              </a:solidFill>
+              <a:latin typeface="Arial"/>
+            </a:endParaRPr>
+          </a:p>
+        </p:txBody>
+      </p:sp>
+      <p:sp>
+        <p:nvSpPr>
+          <p:cNvPr id="16" name="PlaceHolder 2"/>
           <p:cNvSpPr>
             <a:spLocks noGrp="1"/>
           </p:cNvSpPr>
@@ -2939,8 +3264,8 @@
         </p:nvSpPr>
         <p:spPr>
           <a:xfrm>
-            <a:off x="838080" y="1825560"/>
-            <a:ext cx="5131080" cy="4350960"/>
+            <a:off x="609480" y="1604520"/>
+            <a:ext cx="5354280" cy="3977280"/>
           </a:xfrm>
           <a:prstGeom prst="rect">
             <a:avLst/>
@@ -2955,18 +3280,24 @@
             <a:normAutofit/>
           </a:bodyPr>
           <a:p>
-            <a:endParaRPr b="0" lang="en-US" sz="2800" spc="-1" strike="noStrike">
-              <a:solidFill>
-                <a:srgbClr val="000000"/>
-              </a:solidFill>
-              <a:latin typeface="Roboto Light"/>
-            </a:endParaRPr>
-          </a:p>
-        </p:txBody>
-      </p:sp>
-      <p:sp>
-        <p:nvSpPr>
-          <p:cNvPr id="20" name="PlaceHolder 3"/>
+            <a:pPr indent="0">
+              <a:spcBef>
+                <a:spcPts val="1417"/>
+              </a:spcBef>
+              <a:buNone/>
+            </a:pPr>
+            <a:endParaRPr b="0" lang="en-AU" sz="3200" spc="-1" strike="noStrike">
+              <a:solidFill>
+                <a:srgbClr val="000000"/>
+              </a:solidFill>
+              <a:latin typeface="Arial"/>
+            </a:endParaRPr>
+          </a:p>
+        </p:txBody>
+      </p:sp>
+      <p:sp>
+        <p:nvSpPr>
+          <p:cNvPr id="17" name="PlaceHolder 3"/>
           <p:cNvSpPr>
             <a:spLocks noGrp="1"/>
           </p:cNvSpPr>
@@ -2976,8 +3307,8 @@
         </p:nvSpPr>
         <p:spPr>
           <a:xfrm>
-            <a:off x="6226200" y="1825560"/>
-            <a:ext cx="5131080" cy="2075040"/>
+            <a:off x="6231960" y="1604520"/>
+            <a:ext cx="5354280" cy="1896840"/>
           </a:xfrm>
           <a:prstGeom prst="rect">
             <a:avLst/>
@@ -2992,18 +3323,24 @@
             <a:normAutofit/>
           </a:bodyPr>
           <a:p>
-            <a:endParaRPr b="0" lang="en-US" sz="2800" spc="-1" strike="noStrike">
-              <a:solidFill>
-                <a:srgbClr val="000000"/>
-              </a:solidFill>
-              <a:latin typeface="Roboto Light"/>
-            </a:endParaRPr>
-          </a:p>
-        </p:txBody>
-      </p:sp>
-      <p:sp>
-        <p:nvSpPr>
-          <p:cNvPr id="21" name="PlaceHolder 4"/>
+            <a:pPr indent="0">
+              <a:spcBef>
+                <a:spcPts val="1417"/>
+              </a:spcBef>
+              <a:buNone/>
+            </a:pPr>
+            <a:endParaRPr b="0" lang="en-AU" sz="3200" spc="-1" strike="noStrike">
+              <a:solidFill>
+                <a:srgbClr val="000000"/>
+              </a:solidFill>
+              <a:latin typeface="Arial"/>
+            </a:endParaRPr>
+          </a:p>
+        </p:txBody>
+      </p:sp>
+      <p:sp>
+        <p:nvSpPr>
+          <p:cNvPr id="18" name="PlaceHolder 4"/>
           <p:cNvSpPr>
             <a:spLocks noGrp="1"/>
           </p:cNvSpPr>
@@ -3013,8 +3350,8 @@
         </p:nvSpPr>
         <p:spPr>
           <a:xfrm>
-            <a:off x="6226200" y="4098240"/>
-            <a:ext cx="5131080" cy="2075040"/>
+            <a:off x="6231960" y="3682080"/>
+            <a:ext cx="5354280" cy="1896840"/>
           </a:xfrm>
           <a:prstGeom prst="rect">
             <a:avLst/>
@@ -3029,11 +3366,17 @@
             <a:normAutofit/>
           </a:bodyPr>
           <a:p>
-            <a:endParaRPr b="0" lang="en-US" sz="2800" spc="-1" strike="noStrike">
-              <a:solidFill>
-                <a:srgbClr val="000000"/>
-              </a:solidFill>
-              <a:latin typeface="Roboto Light"/>
+            <a:pPr indent="0">
+              <a:spcBef>
+                <a:spcPts val="1417"/>
+              </a:spcBef>
+              <a:buNone/>
+            </a:pPr>
+            <a:endParaRPr b="0" lang="en-AU" sz="3200" spc="-1" strike="noStrike">
+              <a:solidFill>
+                <a:srgbClr val="000000"/>
+              </a:solidFill>
+              <a:latin typeface="Arial"/>
             </a:endParaRPr>
           </a:p>
         </p:txBody>
@@ -3062,7 +3405,7 @@
       </p:grpSpPr>
       <p:sp>
         <p:nvSpPr>
-          <p:cNvPr id="22" name="PlaceHolder 1"/>
+          <p:cNvPr id="19" name="PlaceHolder 1"/>
           <p:cNvSpPr>
             <a:spLocks noGrp="1"/>
           </p:cNvSpPr>
@@ -3072,8 +3415,8 @@
         </p:nvSpPr>
         <p:spPr>
           <a:xfrm>
-            <a:off x="838080" y="365040"/>
-            <a:ext cx="10515240" cy="1325160"/>
+            <a:off x="609480" y="273600"/>
+            <a:ext cx="10972440" cy="1144800"/>
           </a:xfrm>
           <a:prstGeom prst="rect">
             <a:avLst/>
@@ -3088,18 +3431,21 @@
             <a:noAutofit/>
           </a:bodyPr>
           <a:p>
-            <a:endParaRPr b="0" lang="en-US" sz="1800" spc="-1" strike="noStrike">
-              <a:solidFill>
-                <a:srgbClr val="000000"/>
-              </a:solidFill>
-              <a:latin typeface="Roboto Light"/>
-            </a:endParaRPr>
-          </a:p>
-        </p:txBody>
-      </p:sp>
-      <p:sp>
-        <p:nvSpPr>
-          <p:cNvPr id="23" name="PlaceHolder 2"/>
+            <a:pPr indent="0" algn="ctr">
+              <a:buNone/>
+            </a:pPr>
+            <a:endParaRPr b="0" lang="en-AU" sz="4400" spc="-1" strike="noStrike">
+              <a:solidFill>
+                <a:srgbClr val="000000"/>
+              </a:solidFill>
+              <a:latin typeface="Arial"/>
+            </a:endParaRPr>
+          </a:p>
+        </p:txBody>
+      </p:sp>
+      <p:sp>
+        <p:nvSpPr>
+          <p:cNvPr id="20" name="PlaceHolder 2"/>
           <p:cNvSpPr>
             <a:spLocks noGrp="1"/>
           </p:cNvSpPr>
@@ -3109,8 +3455,8 @@
         </p:nvSpPr>
         <p:spPr>
           <a:xfrm>
-            <a:off x="838080" y="1825560"/>
-            <a:ext cx="5131080" cy="2075040"/>
+            <a:off x="609480" y="1604520"/>
+            <a:ext cx="5354280" cy="1896840"/>
           </a:xfrm>
           <a:prstGeom prst="rect">
             <a:avLst/>
@@ -3125,18 +3471,24 @@
             <a:normAutofit/>
           </a:bodyPr>
           <a:p>
-            <a:endParaRPr b="0" lang="en-US" sz="2800" spc="-1" strike="noStrike">
-              <a:solidFill>
-                <a:srgbClr val="000000"/>
-              </a:solidFill>
-              <a:latin typeface="Roboto Light"/>
-            </a:endParaRPr>
-          </a:p>
-        </p:txBody>
-      </p:sp>
-      <p:sp>
-        <p:nvSpPr>
-          <p:cNvPr id="24" name="PlaceHolder 3"/>
+            <a:pPr indent="0">
+              <a:spcBef>
+                <a:spcPts val="1417"/>
+              </a:spcBef>
+              <a:buNone/>
+            </a:pPr>
+            <a:endParaRPr b="0" lang="en-AU" sz="3200" spc="-1" strike="noStrike">
+              <a:solidFill>
+                <a:srgbClr val="000000"/>
+              </a:solidFill>
+              <a:latin typeface="Arial"/>
+            </a:endParaRPr>
+          </a:p>
+        </p:txBody>
+      </p:sp>
+      <p:sp>
+        <p:nvSpPr>
+          <p:cNvPr id="21" name="PlaceHolder 3"/>
           <p:cNvSpPr>
             <a:spLocks noGrp="1"/>
           </p:cNvSpPr>
@@ -3146,8 +3498,8 @@
         </p:nvSpPr>
         <p:spPr>
           <a:xfrm>
-            <a:off x="6226200" y="1825560"/>
-            <a:ext cx="5131080" cy="2075040"/>
+            <a:off x="6231960" y="1604520"/>
+            <a:ext cx="5354280" cy="1896840"/>
           </a:xfrm>
           <a:prstGeom prst="rect">
             <a:avLst/>
@@ -3162,18 +3514,24 @@
             <a:normAutofit/>
           </a:bodyPr>
           <a:p>
-            <a:endParaRPr b="0" lang="en-US" sz="2800" spc="-1" strike="noStrike">
-              <a:solidFill>
-                <a:srgbClr val="000000"/>
-              </a:solidFill>
-              <a:latin typeface="Roboto Light"/>
-            </a:endParaRPr>
-          </a:p>
-        </p:txBody>
-      </p:sp>
-      <p:sp>
-        <p:nvSpPr>
-          <p:cNvPr id="25" name="PlaceHolder 4"/>
+            <a:pPr indent="0">
+              <a:spcBef>
+                <a:spcPts val="1417"/>
+              </a:spcBef>
+              <a:buNone/>
+            </a:pPr>
+            <a:endParaRPr b="0" lang="en-AU" sz="3200" spc="-1" strike="noStrike">
+              <a:solidFill>
+                <a:srgbClr val="000000"/>
+              </a:solidFill>
+              <a:latin typeface="Arial"/>
+            </a:endParaRPr>
+          </a:p>
+        </p:txBody>
+      </p:sp>
+      <p:sp>
+        <p:nvSpPr>
+          <p:cNvPr id="22" name="PlaceHolder 4"/>
           <p:cNvSpPr>
             <a:spLocks noGrp="1"/>
           </p:cNvSpPr>
@@ -3183,8 +3541,8 @@
         </p:nvSpPr>
         <p:spPr>
           <a:xfrm>
-            <a:off x="838080" y="4098240"/>
-            <a:ext cx="10515240" cy="2075040"/>
+            <a:off x="609480" y="3682080"/>
+            <a:ext cx="10972440" cy="1896840"/>
           </a:xfrm>
           <a:prstGeom prst="rect">
             <a:avLst/>
@@ -3199,11 +3557,17 @@
             <a:normAutofit/>
           </a:bodyPr>
           <a:p>
-            <a:endParaRPr b="0" lang="en-US" sz="2800" spc="-1" strike="noStrike">
-              <a:solidFill>
-                <a:srgbClr val="000000"/>
-              </a:solidFill>
-              <a:latin typeface="Roboto Light"/>
+            <a:pPr indent="0">
+              <a:spcBef>
+                <a:spcPts val="1417"/>
+              </a:spcBef>
+              <a:buNone/>
+            </a:pPr>
+            <a:endParaRPr b="0" lang="en-AU" sz="3200" spc="-1" strike="noStrike">
+              <a:solidFill>
+                <a:srgbClr val="000000"/>
+              </a:solidFill>
+              <a:latin typeface="Arial"/>
             </a:endParaRPr>
           </a:p>
         </p:txBody>
@@ -3249,8 +3613,8 @@
         </p:nvSpPr>
         <p:spPr>
           <a:xfrm>
-            <a:off x="1523880" y="1122480"/>
-            <a:ext cx="9143640" cy="2387160"/>
+            <a:off x="838080" y="365040"/>
+            <a:ext cx="10514880" cy="1324800"/>
           </a:xfrm>
           <a:prstGeom prst="rect">
             <a:avLst/>
@@ -3261,29 +3625,27 @@
           </a:ln>
         </p:spPr>
         <p:txBody>
-          <a:bodyPr anchor="b">
+          <a:bodyPr lIns="0" rIns="0" tIns="0" bIns="0" anchor="ctr">
             <a:noAutofit/>
           </a:bodyPr>
           <a:p>
-            <a:pPr algn="ctr">
-              <a:lnSpc>
-                <a:spcPct val="90000"/>
-              </a:lnSpc>
-            </a:pPr>
-            <a:r>
-              <a:rPr b="0" lang="ru-RU" sz="6000" spc="-1" strike="noStrike">
-                <a:solidFill>
-                  <a:srgbClr val="000000"/>
-                </a:solidFill>
-                <a:latin typeface="Roboto Black"/>
-              </a:rPr>
-              <a:t>Образец заголовка</a:t>
-            </a:r>
-            <a:endParaRPr b="0" lang="en-US" sz="6000" spc="-1" strike="noStrike">
-              <a:solidFill>
-                <a:srgbClr val="000000"/>
-              </a:solidFill>
-              <a:latin typeface="Roboto Light"/>
+            <a:pPr indent="0">
+              <a:buNone/>
+            </a:pPr>
+            <a:r>
+              <a:rPr b="0" lang="en-AU" sz="1800" spc="-1" strike="noStrike">
+                <a:solidFill>
+                  <a:srgbClr val="000000"/>
+                </a:solidFill>
+                <a:latin typeface="Arial"/>
+              </a:rPr>
+              <a:t>Click to edit the title text format</a:t>
+            </a:r>
+            <a:endParaRPr b="0" lang="en-AU" sz="1800" spc="-1" strike="noStrike">
+              <a:solidFill>
+                <a:srgbClr val="000000"/>
+              </a:solidFill>
+              <a:latin typeface="Arial"/>
             </a:endParaRPr>
           </a:p>
         </p:txBody>
@@ -3291,136 +3653,6 @@
       <p:sp>
         <p:nvSpPr>
           <p:cNvPr id="1" name="PlaceHolder 2"/>
-          <p:cNvSpPr>
-            <a:spLocks noGrp="1"/>
-          </p:cNvSpPr>
-          <p:nvPr>
-            <p:ph type="dt"/>
-          </p:nvPr>
-        </p:nvSpPr>
-        <p:spPr>
-          <a:xfrm>
-            <a:off x="838080" y="6356520"/>
-            <a:ext cx="2742840" cy="364680"/>
-          </a:xfrm>
-          <a:prstGeom prst="rect">
-            <a:avLst/>
-          </a:prstGeom>
-          <a:noFill/>
-          <a:ln w="0">
-            <a:noFill/>
-          </a:ln>
-        </p:spPr>
-        <p:txBody>
-          <a:bodyPr anchor="ctr">
-            <a:noAutofit/>
-          </a:bodyPr>
-          <a:p>
-            <a:pPr>
-              <a:lnSpc>
-                <a:spcPct val="100000"/>
-              </a:lnSpc>
-            </a:pPr>
-            <a:fld id="{D4E5EAD7-E8E5-4F94-AE7C-39F83E111C8F}" type="datetime">
-              <a:rPr b="0" lang="en-US" sz="1200" spc="-1" strike="noStrike">
-                <a:solidFill>
-                  <a:srgbClr val="8b8b8b"/>
-                </a:solidFill>
-                <a:latin typeface="Roboto Light"/>
-              </a:rPr>
-              <a:t>6/14/22</a:t>
-            </a:fld>
-            <a:endParaRPr b="0" lang="ru-RU" sz="1200" spc="-1" strike="noStrike">
-              <a:latin typeface="Times New Roman"/>
-            </a:endParaRPr>
-          </a:p>
-        </p:txBody>
-      </p:sp>
-      <p:sp>
-        <p:nvSpPr>
-          <p:cNvPr id="2" name="PlaceHolder 3"/>
-          <p:cNvSpPr>
-            <a:spLocks noGrp="1"/>
-          </p:cNvSpPr>
-          <p:nvPr>
-            <p:ph type="ftr"/>
-          </p:nvPr>
-        </p:nvSpPr>
-        <p:spPr>
-          <a:xfrm>
-            <a:off x="4038480" y="6356520"/>
-            <a:ext cx="4114440" cy="364680"/>
-          </a:xfrm>
-          <a:prstGeom prst="rect">
-            <a:avLst/>
-          </a:prstGeom>
-          <a:noFill/>
-          <a:ln w="0">
-            <a:noFill/>
-          </a:ln>
-        </p:spPr>
-        <p:txBody>
-          <a:bodyPr anchor="ctr">
-            <a:noAutofit/>
-          </a:bodyPr>
-          <a:p>
-            <a:endParaRPr b="0" lang="ru-RU" sz="2400" spc="-1" strike="noStrike">
-              <a:latin typeface="Times New Roman"/>
-            </a:endParaRPr>
-          </a:p>
-        </p:txBody>
-      </p:sp>
-      <p:sp>
-        <p:nvSpPr>
-          <p:cNvPr id="3" name="PlaceHolder 4"/>
-          <p:cNvSpPr>
-            <a:spLocks noGrp="1"/>
-          </p:cNvSpPr>
-          <p:nvPr>
-            <p:ph type="sldNum"/>
-          </p:nvPr>
-        </p:nvSpPr>
-        <p:spPr>
-          <a:xfrm>
-            <a:off x="8610480" y="6356520"/>
-            <a:ext cx="2742840" cy="364680"/>
-          </a:xfrm>
-          <a:prstGeom prst="rect">
-            <a:avLst/>
-          </a:prstGeom>
-          <a:noFill/>
-          <a:ln w="0">
-            <a:noFill/>
-          </a:ln>
-        </p:spPr>
-        <p:txBody>
-          <a:bodyPr anchor="ctr">
-            <a:noAutofit/>
-          </a:bodyPr>
-          <a:p>
-            <a:pPr algn="r">
-              <a:lnSpc>
-                <a:spcPct val="100000"/>
-              </a:lnSpc>
-            </a:pPr>
-            <a:fld id="{F8EB5710-62C2-4113-81F4-D7BFAFA9C108}" type="slidenum">
-              <a:rPr b="0" lang="en-US" sz="1200" spc="-1" strike="noStrike">
-                <a:solidFill>
-                  <a:srgbClr val="8b8b8b"/>
-                </a:solidFill>
-                <a:latin typeface="Roboto Light"/>
-              </a:rPr>
-              <a:t>&lt;номер&gt;</a:t>
-            </a:fld>
-            <a:endParaRPr b="0" lang="ru-RU" sz="1200" spc="-1" strike="noStrike">
-              <a:latin typeface="Times New Roman"/>
-            </a:endParaRPr>
-          </a:p>
-        </p:txBody>
-      </p:sp>
-      <p:sp>
-        <p:nvSpPr>
-          <p:cNvPr id="4" name="PlaceHolder 5"/>
           <p:cNvSpPr>
             <a:spLocks noGrp="1"/>
           </p:cNvSpPr>
@@ -3458,19 +3690,19 @@
               <a:buChar char=""/>
             </a:pPr>
             <a:r>
-              <a:rPr b="0" lang="en-US" sz="2800" spc="-1" strike="noStrike">
-                <a:solidFill>
-                  <a:srgbClr val="000000"/>
-                </a:solidFill>
-                <a:latin typeface="Roboto Light"/>
-              </a:rPr>
-              <a:t>Для правки структуры щёлкните мышью</a:t>
-            </a:r>
-            <a:endParaRPr b="0" lang="en-US" sz="2800" spc="-1" strike="noStrike">
-              <a:solidFill>
-                <a:srgbClr val="000000"/>
-              </a:solidFill>
-              <a:latin typeface="Roboto Light"/>
+              <a:rPr b="0" lang="en-AU" sz="3200" spc="-1" strike="noStrike">
+                <a:solidFill>
+                  <a:srgbClr val="000000"/>
+                </a:solidFill>
+                <a:latin typeface="Arial"/>
+              </a:rPr>
+              <a:t>Click to edit the outline text format</a:t>
+            </a:r>
+            <a:endParaRPr b="0" lang="en-AU" sz="3200" spc="-1" strike="noStrike">
+              <a:solidFill>
+                <a:srgbClr val="000000"/>
+              </a:solidFill>
+              <a:latin typeface="Arial"/>
             </a:endParaRPr>
           </a:p>
           <a:p>
@@ -3486,19 +3718,19 @@
               <a:buChar char=""/>
             </a:pPr>
             <a:r>
-              <a:rPr b="0" lang="en-US" sz="2000" spc="-1" strike="noStrike">
-                <a:solidFill>
-                  <a:srgbClr val="000000"/>
-                </a:solidFill>
-                <a:latin typeface="Roboto Light"/>
-              </a:rPr>
-              <a:t>Второй уровень структуры</a:t>
-            </a:r>
-            <a:endParaRPr b="0" lang="en-US" sz="2000" spc="-1" strike="noStrike">
-              <a:solidFill>
-                <a:srgbClr val="000000"/>
-              </a:solidFill>
-              <a:latin typeface="Roboto Light"/>
+              <a:rPr b="0" lang="en-AU" sz="2800" spc="-1" strike="noStrike">
+                <a:solidFill>
+                  <a:srgbClr val="000000"/>
+                </a:solidFill>
+                <a:latin typeface="Arial"/>
+              </a:rPr>
+              <a:t>Second Outline Level</a:t>
+            </a:r>
+            <a:endParaRPr b="0" lang="en-AU" sz="2800" spc="-1" strike="noStrike">
+              <a:solidFill>
+                <a:srgbClr val="000000"/>
+              </a:solidFill>
+              <a:latin typeface="Arial"/>
             </a:endParaRPr>
           </a:p>
           <a:p>
@@ -3514,19 +3746,19 @@
               <a:buChar char=""/>
             </a:pPr>
             <a:r>
-              <a:rPr b="0" lang="en-US" sz="1800" spc="-1" strike="noStrike">
-                <a:solidFill>
-                  <a:srgbClr val="000000"/>
-                </a:solidFill>
-                <a:latin typeface="Roboto Light"/>
-              </a:rPr>
-              <a:t>Третий уровень структуры</a:t>
-            </a:r>
-            <a:endParaRPr b="0" lang="en-US" sz="1800" spc="-1" strike="noStrike">
-              <a:solidFill>
-                <a:srgbClr val="000000"/>
-              </a:solidFill>
-              <a:latin typeface="Roboto Light"/>
+              <a:rPr b="0" lang="en-AU" sz="2400" spc="-1" strike="noStrike">
+                <a:solidFill>
+                  <a:srgbClr val="000000"/>
+                </a:solidFill>
+                <a:latin typeface="Arial"/>
+              </a:rPr>
+              <a:t>Third Outline Level</a:t>
+            </a:r>
+            <a:endParaRPr b="0" lang="en-AU" sz="2400" spc="-1" strike="noStrike">
+              <a:solidFill>
+                <a:srgbClr val="000000"/>
+              </a:solidFill>
+              <a:latin typeface="Arial"/>
             </a:endParaRPr>
           </a:p>
           <a:p>
@@ -3542,19 +3774,19 @@
               <a:buChar char=""/>
             </a:pPr>
             <a:r>
-              <a:rPr b="0" lang="en-US" sz="1800" spc="-1" strike="noStrike">
-                <a:solidFill>
-                  <a:srgbClr val="000000"/>
-                </a:solidFill>
-                <a:latin typeface="Roboto Light"/>
-              </a:rPr>
-              <a:t>Четвёртый уровень структуры</a:t>
-            </a:r>
-            <a:endParaRPr b="0" lang="en-US" sz="1800" spc="-1" strike="noStrike">
-              <a:solidFill>
-                <a:srgbClr val="000000"/>
-              </a:solidFill>
-              <a:latin typeface="Roboto Light"/>
+              <a:rPr b="0" lang="en-AU" sz="2000" spc="-1" strike="noStrike">
+                <a:solidFill>
+                  <a:srgbClr val="000000"/>
+                </a:solidFill>
+                <a:latin typeface="Arial"/>
+              </a:rPr>
+              <a:t>Fourth Outline Level</a:t>
+            </a:r>
+            <a:endParaRPr b="0" lang="en-AU" sz="2000" spc="-1" strike="noStrike">
+              <a:solidFill>
+                <a:srgbClr val="000000"/>
+              </a:solidFill>
+              <a:latin typeface="Arial"/>
             </a:endParaRPr>
           </a:p>
           <a:p>
@@ -3570,19 +3802,19 @@
               <a:buChar char=""/>
             </a:pPr>
             <a:r>
-              <a:rPr b="0" lang="en-US" sz="2000" spc="-1" strike="noStrike">
-                <a:solidFill>
-                  <a:srgbClr val="000000"/>
-                </a:solidFill>
-                <a:latin typeface="Roboto Light"/>
-              </a:rPr>
-              <a:t>Пятый уровень структуры</a:t>
-            </a:r>
-            <a:endParaRPr b="0" lang="en-US" sz="2000" spc="-1" strike="noStrike">
-              <a:solidFill>
-                <a:srgbClr val="000000"/>
-              </a:solidFill>
-              <a:latin typeface="Roboto Light"/>
+              <a:rPr b="0" lang="en-AU" sz="2000" spc="-1" strike="noStrike">
+                <a:solidFill>
+                  <a:srgbClr val="000000"/>
+                </a:solidFill>
+                <a:latin typeface="Arial"/>
+              </a:rPr>
+              <a:t>Fifth Outline Level</a:t>
+            </a:r>
+            <a:endParaRPr b="0" lang="en-AU" sz="2000" spc="-1" strike="noStrike">
+              <a:solidFill>
+                <a:srgbClr val="000000"/>
+              </a:solidFill>
+              <a:latin typeface="Arial"/>
             </a:endParaRPr>
           </a:p>
           <a:p>
@@ -3598,19 +3830,19 @@
               <a:buChar char=""/>
             </a:pPr>
             <a:r>
-              <a:rPr b="0" lang="en-US" sz="2000" spc="-1" strike="noStrike">
-                <a:solidFill>
-                  <a:srgbClr val="000000"/>
-                </a:solidFill>
-                <a:latin typeface="Roboto Light"/>
-              </a:rPr>
-              <a:t>Шестой уровень структуры</a:t>
-            </a:r>
-            <a:endParaRPr b="0" lang="en-US" sz="2000" spc="-1" strike="noStrike">
-              <a:solidFill>
-                <a:srgbClr val="000000"/>
-              </a:solidFill>
-              <a:latin typeface="Roboto Light"/>
+              <a:rPr b="0" lang="en-AU" sz="2000" spc="-1" strike="noStrike">
+                <a:solidFill>
+                  <a:srgbClr val="000000"/>
+                </a:solidFill>
+                <a:latin typeface="Arial"/>
+              </a:rPr>
+              <a:t>Sixth Outline Level</a:t>
+            </a:r>
+            <a:endParaRPr b="0" lang="en-AU" sz="2000" spc="-1" strike="noStrike">
+              <a:solidFill>
+                <a:srgbClr val="000000"/>
+              </a:solidFill>
+              <a:latin typeface="Arial"/>
             </a:endParaRPr>
           </a:p>
           <a:p>
@@ -3626,19 +3858,19 @@
               <a:buChar char=""/>
             </a:pPr>
             <a:r>
-              <a:rPr b="0" lang="en-US" sz="2000" spc="-1" strike="noStrike">
-                <a:solidFill>
-                  <a:srgbClr val="000000"/>
-                </a:solidFill>
-                <a:latin typeface="Roboto Light"/>
-              </a:rPr>
-              <a:t>Седьмой уровень структуры</a:t>
-            </a:r>
-            <a:endParaRPr b="0" lang="en-US" sz="2000" spc="-1" strike="noStrike">
-              <a:solidFill>
-                <a:srgbClr val="000000"/>
-              </a:solidFill>
-              <a:latin typeface="Roboto Light"/>
+              <a:rPr b="0" lang="en-AU" sz="2000" spc="-1" strike="noStrike">
+                <a:solidFill>
+                  <a:srgbClr val="000000"/>
+                </a:solidFill>
+                <a:latin typeface="Arial"/>
+              </a:rPr>
+              <a:t>Seventh Outline Level</a:t>
+            </a:r>
+            <a:endParaRPr b="0" lang="en-AU" sz="2000" spc="-1" strike="noStrike">
+              <a:solidFill>
+                <a:srgbClr val="000000"/>
+              </a:solidFill>
+              <a:latin typeface="Arial"/>
             </a:endParaRPr>
           </a:p>
         </p:txBody>
@@ -3689,7 +3921,7 @@
       </p:grpSpPr>
       <p:sp>
         <p:nvSpPr>
-          <p:cNvPr id="41" name="PlaceHolder 1"/>
+          <p:cNvPr id="38" name="PlaceHolder 1"/>
           <p:cNvSpPr>
             <a:spLocks noGrp="1"/>
           </p:cNvSpPr>
@@ -3699,8 +3931,8 @@
         </p:nvSpPr>
         <p:spPr>
           <a:xfrm>
-            <a:off x="838080" y="365040"/>
-            <a:ext cx="10515240" cy="1325160"/>
+            <a:off x="609480" y="273600"/>
+            <a:ext cx="10972440" cy="1144800"/>
           </a:xfrm>
           <a:prstGeom prst="rect">
             <a:avLst/>
@@ -3711,36 +3943,34 @@
           </a:ln>
         </p:spPr>
         <p:txBody>
-          <a:bodyPr anchor="ctr">
+          <a:bodyPr lIns="0" rIns="0" tIns="0" bIns="0" anchor="ctr">
             <a:noAutofit/>
           </a:bodyPr>
           <a:p>
-            <a:pPr>
-              <a:lnSpc>
-                <a:spcPct val="90000"/>
-              </a:lnSpc>
-            </a:pPr>
-            <a:r>
-              <a:rPr b="0" lang="ru-RU" sz="4400" spc="-1" strike="noStrike">
-                <a:solidFill>
-                  <a:srgbClr val="000000"/>
-                </a:solidFill>
-                <a:latin typeface="Roboto Black"/>
-              </a:rPr>
-              <a:t>Образец заголовка</a:t>
-            </a:r>
-            <a:endParaRPr b="0" lang="en-US" sz="4400" spc="-1" strike="noStrike">
-              <a:solidFill>
-                <a:srgbClr val="000000"/>
-              </a:solidFill>
-              <a:latin typeface="Roboto Light"/>
-            </a:endParaRPr>
-          </a:p>
-        </p:txBody>
-      </p:sp>
-      <p:sp>
-        <p:nvSpPr>
-          <p:cNvPr id="42" name="PlaceHolder 2"/>
+            <a:pPr indent="0" algn="ctr">
+              <a:buNone/>
+            </a:pPr>
+            <a:r>
+              <a:rPr b="0" lang="en-AU" sz="4400" spc="-1" strike="noStrike">
+                <a:solidFill>
+                  <a:srgbClr val="000000"/>
+                </a:solidFill>
+                <a:latin typeface="Arial"/>
+              </a:rPr>
+              <a:t>Click to edit the title text format</a:t>
+            </a:r>
+            <a:endParaRPr b="0" lang="en-AU" sz="4400" spc="-1" strike="noStrike">
+              <a:solidFill>
+                <a:srgbClr val="000000"/>
+              </a:solidFill>
+              <a:latin typeface="Arial"/>
+            </a:endParaRPr>
+          </a:p>
+        </p:txBody>
+      </p:sp>
+      <p:sp>
+        <p:nvSpPr>
+          <p:cNvPr id="39" name="PlaceHolder 2"/>
           <p:cNvSpPr>
             <a:spLocks noGrp="1"/>
           </p:cNvSpPr>
@@ -3750,8 +3980,8 @@
         </p:nvSpPr>
         <p:spPr>
           <a:xfrm>
-            <a:off x="838080" y="1825560"/>
-            <a:ext cx="10515240" cy="4350960"/>
+            <a:off x="609480" y="1604520"/>
+            <a:ext cx="10972440" cy="3977280"/>
           </a:xfrm>
           <a:prstGeom prst="rect">
             <a:avLst/>
@@ -3762,287 +3992,203 @@
           </a:ln>
         </p:spPr>
         <p:txBody>
-          <a:bodyPr anchor="t">
-            <a:noAutofit/>
-          </a:bodyPr>
-          <a:p>
-            <a:pPr marL="228600" indent="-228600">
-              <a:lnSpc>
-                <a:spcPct val="90000"/>
-              </a:lnSpc>
-              <a:spcBef>
-                <a:spcPts val="1001"/>
+          <a:bodyPr lIns="0" rIns="0" tIns="0" bIns="0" anchor="t">
+            <a:normAutofit/>
+          </a:bodyPr>
+          <a:p>
+            <a:pPr marL="432000" indent="-324000">
+              <a:spcBef>
+                <a:spcPts val="1417"/>
               </a:spcBef>
               <a:buClr>
                 <a:srgbClr val="000000"/>
               </a:buClr>
-              <a:buFont typeface="Arial"/>
-              <a:buChar char="•"/>
-            </a:pPr>
-            <a:r>
-              <a:rPr b="0" lang="ru-RU" sz="2800" spc="-1" strike="noStrike">
-                <a:solidFill>
-                  <a:srgbClr val="000000"/>
-                </a:solidFill>
-                <a:latin typeface="Roboto Light"/>
-              </a:rPr>
-              <a:t>Образец текста</a:t>
-            </a:r>
-            <a:endParaRPr b="0" lang="en-US" sz="2800" spc="-1" strike="noStrike">
-              <a:solidFill>
-                <a:srgbClr val="000000"/>
-              </a:solidFill>
-              <a:latin typeface="Roboto Light"/>
-            </a:endParaRPr>
-          </a:p>
-          <a:p>
-            <a:pPr lvl="1" marL="685800" indent="-228600">
-              <a:lnSpc>
-                <a:spcPct val="90000"/>
-              </a:lnSpc>
-              <a:spcBef>
-                <a:spcPts val="499"/>
+              <a:buSzPct val="45000"/>
+              <a:buFont typeface="Wingdings" charset="2"/>
+              <a:buChar char=""/>
+            </a:pPr>
+            <a:r>
+              <a:rPr b="0" lang="en-AU" sz="3200" spc="-1" strike="noStrike">
+                <a:solidFill>
+                  <a:srgbClr val="000000"/>
+                </a:solidFill>
+                <a:latin typeface="Arial"/>
+              </a:rPr>
+              <a:t>Click to edit the outline text format</a:t>
+            </a:r>
+            <a:endParaRPr b="0" lang="en-AU" sz="3200" spc="-1" strike="noStrike">
+              <a:solidFill>
+                <a:srgbClr val="000000"/>
+              </a:solidFill>
+              <a:latin typeface="Arial"/>
+            </a:endParaRPr>
+          </a:p>
+          <a:p>
+            <a:pPr lvl="1" marL="864000" indent="-324000">
+              <a:spcBef>
+                <a:spcPts val="1134"/>
               </a:spcBef>
               <a:buClr>
                 <a:srgbClr val="000000"/>
               </a:buClr>
-              <a:buFont typeface="Arial"/>
-              <a:buChar char="•"/>
-            </a:pPr>
-            <a:r>
-              <a:rPr b="0" lang="ru-RU" sz="2400" spc="-1" strike="noStrike">
-                <a:solidFill>
-                  <a:srgbClr val="000000"/>
-                </a:solidFill>
-                <a:latin typeface="Roboto Light"/>
-              </a:rPr>
-              <a:t>Второй уровень</a:t>
-            </a:r>
-            <a:endParaRPr b="0" lang="en-US" sz="2400" spc="-1" strike="noStrike">
-              <a:solidFill>
-                <a:srgbClr val="000000"/>
-              </a:solidFill>
-              <a:latin typeface="Roboto Light"/>
-            </a:endParaRPr>
-          </a:p>
-          <a:p>
-            <a:pPr lvl="2" marL="1143000" indent="-228600">
-              <a:lnSpc>
-                <a:spcPct val="90000"/>
-              </a:lnSpc>
-              <a:spcBef>
-                <a:spcPts val="499"/>
+              <a:buSzPct val="75000"/>
+              <a:buFont typeface="Symbol" charset="2"/>
+              <a:buChar char=""/>
+            </a:pPr>
+            <a:r>
+              <a:rPr b="0" lang="en-AU" sz="2800" spc="-1" strike="noStrike">
+                <a:solidFill>
+                  <a:srgbClr val="000000"/>
+                </a:solidFill>
+                <a:latin typeface="Arial"/>
+              </a:rPr>
+              <a:t>Second Outline Level</a:t>
+            </a:r>
+            <a:endParaRPr b="0" lang="en-AU" sz="2800" spc="-1" strike="noStrike">
+              <a:solidFill>
+                <a:srgbClr val="000000"/>
+              </a:solidFill>
+              <a:latin typeface="Arial"/>
+            </a:endParaRPr>
+          </a:p>
+          <a:p>
+            <a:pPr lvl="2" marL="1296000" indent="-288000">
+              <a:spcBef>
+                <a:spcPts val="850"/>
               </a:spcBef>
               <a:buClr>
                 <a:srgbClr val="000000"/>
               </a:buClr>
-              <a:buFont typeface="Arial"/>
-              <a:buChar char="•"/>
-            </a:pPr>
-            <a:r>
-              <a:rPr b="0" lang="ru-RU" sz="2000" spc="-1" strike="noStrike">
-                <a:solidFill>
-                  <a:srgbClr val="000000"/>
-                </a:solidFill>
-                <a:latin typeface="Roboto Light"/>
-              </a:rPr>
-              <a:t>Третий уровень</a:t>
-            </a:r>
-            <a:endParaRPr b="0" lang="en-US" sz="2000" spc="-1" strike="noStrike">
-              <a:solidFill>
-                <a:srgbClr val="000000"/>
-              </a:solidFill>
-              <a:latin typeface="Roboto Light"/>
-            </a:endParaRPr>
-          </a:p>
-          <a:p>
-            <a:pPr lvl="3" marL="1600200" indent="-228600">
-              <a:lnSpc>
-                <a:spcPct val="90000"/>
-              </a:lnSpc>
-              <a:spcBef>
-                <a:spcPts val="499"/>
+              <a:buSzPct val="45000"/>
+              <a:buFont typeface="Wingdings" charset="2"/>
+              <a:buChar char=""/>
+            </a:pPr>
+            <a:r>
+              <a:rPr b="0" lang="en-AU" sz="2400" spc="-1" strike="noStrike">
+                <a:solidFill>
+                  <a:srgbClr val="000000"/>
+                </a:solidFill>
+                <a:latin typeface="Arial"/>
+              </a:rPr>
+              <a:t>Third Outline Level</a:t>
+            </a:r>
+            <a:endParaRPr b="0" lang="en-AU" sz="2400" spc="-1" strike="noStrike">
+              <a:solidFill>
+                <a:srgbClr val="000000"/>
+              </a:solidFill>
+              <a:latin typeface="Arial"/>
+            </a:endParaRPr>
+          </a:p>
+          <a:p>
+            <a:pPr lvl="3" marL="1728000" indent="-216000">
+              <a:spcBef>
+                <a:spcPts val="567"/>
               </a:spcBef>
               <a:buClr>
                 <a:srgbClr val="000000"/>
               </a:buClr>
-              <a:buFont typeface="Arial"/>
-              <a:buChar char="•"/>
-            </a:pPr>
-            <a:r>
-              <a:rPr b="0" lang="ru-RU" sz="1800" spc="-1" strike="noStrike">
-                <a:solidFill>
-                  <a:srgbClr val="000000"/>
-                </a:solidFill>
-                <a:latin typeface="Roboto Light"/>
-              </a:rPr>
-              <a:t>Четвертый уровень</a:t>
-            </a:r>
-            <a:endParaRPr b="0" lang="en-US" sz="1800" spc="-1" strike="noStrike">
-              <a:solidFill>
-                <a:srgbClr val="000000"/>
-              </a:solidFill>
-              <a:latin typeface="Roboto Light"/>
-            </a:endParaRPr>
-          </a:p>
-          <a:p>
-            <a:pPr lvl="4" marL="2057400" indent="-228600">
-              <a:lnSpc>
-                <a:spcPct val="90000"/>
-              </a:lnSpc>
-              <a:spcBef>
-                <a:spcPts val="499"/>
+              <a:buSzPct val="75000"/>
+              <a:buFont typeface="Symbol" charset="2"/>
+              <a:buChar char=""/>
+            </a:pPr>
+            <a:r>
+              <a:rPr b="0" lang="en-AU" sz="2000" spc="-1" strike="noStrike">
+                <a:solidFill>
+                  <a:srgbClr val="000000"/>
+                </a:solidFill>
+                <a:latin typeface="Arial"/>
+              </a:rPr>
+              <a:t>Fourth Outline Level</a:t>
+            </a:r>
+            <a:endParaRPr b="0" lang="en-AU" sz="2000" spc="-1" strike="noStrike">
+              <a:solidFill>
+                <a:srgbClr val="000000"/>
+              </a:solidFill>
+              <a:latin typeface="Arial"/>
+            </a:endParaRPr>
+          </a:p>
+          <a:p>
+            <a:pPr lvl="4" marL="2160000" indent="-216000">
+              <a:spcBef>
+                <a:spcPts val="283"/>
               </a:spcBef>
               <a:buClr>
                 <a:srgbClr val="000000"/>
               </a:buClr>
-              <a:buFont typeface="Arial"/>
-              <a:buChar char="•"/>
-            </a:pPr>
-            <a:r>
-              <a:rPr b="0" lang="ru-RU" sz="1800" spc="-1" strike="noStrike">
-                <a:solidFill>
-                  <a:srgbClr val="000000"/>
-                </a:solidFill>
-                <a:latin typeface="Roboto Light"/>
-              </a:rPr>
-              <a:t>Пятый уровень</a:t>
-            </a:r>
-            <a:endParaRPr b="0" lang="en-US" sz="1800" spc="-1" strike="noStrike">
-              <a:solidFill>
-                <a:srgbClr val="000000"/>
-              </a:solidFill>
-              <a:latin typeface="Roboto Light"/>
-            </a:endParaRPr>
-          </a:p>
-        </p:txBody>
-      </p:sp>
-      <p:sp>
-        <p:nvSpPr>
-          <p:cNvPr id="43" name="PlaceHolder 3"/>
-          <p:cNvSpPr>
-            <a:spLocks noGrp="1"/>
-          </p:cNvSpPr>
-          <p:nvPr>
-            <p:ph type="dt"/>
-          </p:nvPr>
-        </p:nvSpPr>
-        <p:spPr>
-          <a:xfrm>
-            <a:off x="838080" y="6356520"/>
-            <a:ext cx="2742840" cy="364680"/>
-          </a:xfrm>
-          <a:prstGeom prst="rect">
-            <a:avLst/>
-          </a:prstGeom>
-          <a:noFill/>
-          <a:ln w="0">
-            <a:noFill/>
-          </a:ln>
-        </p:spPr>
-        <p:txBody>
-          <a:bodyPr anchor="ctr">
-            <a:noAutofit/>
-          </a:bodyPr>
-          <a:p>
-            <a:pPr>
-              <a:lnSpc>
-                <a:spcPct val="100000"/>
-              </a:lnSpc>
-            </a:pPr>
-            <a:fld id="{69217FFA-22FA-47CA-9F39-6E37E6DCAF57}" type="datetime">
-              <a:rPr b="0" lang="en-US" sz="1200" spc="-1" strike="noStrike">
-                <a:solidFill>
-                  <a:srgbClr val="8b8b8b"/>
-                </a:solidFill>
-                <a:latin typeface="Roboto Light"/>
-              </a:rPr>
-              <a:t>6/14/22</a:t>
-            </a:fld>
-            <a:endParaRPr b="0" lang="ru-RU" sz="1200" spc="-1" strike="noStrike">
-              <a:latin typeface="Times New Roman"/>
-            </a:endParaRPr>
-          </a:p>
-        </p:txBody>
-      </p:sp>
-      <p:sp>
-        <p:nvSpPr>
-          <p:cNvPr id="44" name="PlaceHolder 4"/>
-          <p:cNvSpPr>
-            <a:spLocks noGrp="1"/>
-          </p:cNvSpPr>
-          <p:nvPr>
-            <p:ph type="ftr"/>
-          </p:nvPr>
-        </p:nvSpPr>
-        <p:spPr>
-          <a:xfrm>
-            <a:off x="4038480" y="6356520"/>
-            <a:ext cx="4114440" cy="364680"/>
-          </a:xfrm>
-          <a:prstGeom prst="rect">
-            <a:avLst/>
-          </a:prstGeom>
-          <a:noFill/>
-          <a:ln w="0">
-            <a:noFill/>
-          </a:ln>
-        </p:spPr>
-        <p:txBody>
-          <a:bodyPr anchor="ctr">
-            <a:noAutofit/>
-          </a:bodyPr>
-          <a:p>
-            <a:endParaRPr b="0" lang="ru-RU" sz="2400" spc="-1" strike="noStrike">
-              <a:latin typeface="Times New Roman"/>
-            </a:endParaRPr>
-          </a:p>
-        </p:txBody>
-      </p:sp>
-      <p:sp>
-        <p:nvSpPr>
-          <p:cNvPr id="45" name="PlaceHolder 5"/>
-          <p:cNvSpPr>
-            <a:spLocks noGrp="1"/>
-          </p:cNvSpPr>
-          <p:nvPr>
-            <p:ph type="sldNum"/>
-          </p:nvPr>
-        </p:nvSpPr>
-        <p:spPr>
-          <a:xfrm>
-            <a:off x="8610480" y="6356520"/>
-            <a:ext cx="2742840" cy="364680"/>
-          </a:xfrm>
-          <a:prstGeom prst="rect">
-            <a:avLst/>
-          </a:prstGeom>
-          <a:noFill/>
-          <a:ln w="0">
-            <a:noFill/>
-          </a:ln>
-        </p:spPr>
-        <p:txBody>
-          <a:bodyPr anchor="ctr">
-            <a:noAutofit/>
-          </a:bodyPr>
-          <a:p>
-            <a:pPr algn="r">
-              <a:lnSpc>
-                <a:spcPct val="100000"/>
-              </a:lnSpc>
-            </a:pPr>
-            <a:fld id="{761A904E-61CA-465B-9BE8-D13D8EC38F46}" type="slidenum">
-              <a:rPr b="0" lang="en-US" sz="1200" spc="-1" strike="noStrike">
-                <a:solidFill>
-                  <a:srgbClr val="8b8b8b"/>
-                </a:solidFill>
-                <a:latin typeface="Roboto Light"/>
-              </a:rPr>
-              <a:t>&lt;номер&gt;</a:t>
-            </a:fld>
-            <a:endParaRPr b="0" lang="ru-RU" sz="1200" spc="-1" strike="noStrike">
-              <a:latin typeface="Times New Roman"/>
+              <a:buSzPct val="45000"/>
+              <a:buFont typeface="Wingdings" charset="2"/>
+              <a:buChar char=""/>
+            </a:pPr>
+            <a:r>
+              <a:rPr b="0" lang="en-AU" sz="2000" spc="-1" strike="noStrike">
+                <a:solidFill>
+                  <a:srgbClr val="000000"/>
+                </a:solidFill>
+                <a:latin typeface="Arial"/>
+              </a:rPr>
+              <a:t>Fifth Outline Level</a:t>
+            </a:r>
+            <a:endParaRPr b="0" lang="en-AU" sz="2000" spc="-1" strike="noStrike">
+              <a:solidFill>
+                <a:srgbClr val="000000"/>
+              </a:solidFill>
+              <a:latin typeface="Arial"/>
+            </a:endParaRPr>
+          </a:p>
+          <a:p>
+            <a:pPr lvl="5" marL="2592000" indent="-216000">
+              <a:spcBef>
+                <a:spcPts val="283"/>
+              </a:spcBef>
+              <a:buClr>
+                <a:srgbClr val="000000"/>
+              </a:buClr>
+              <a:buSzPct val="45000"/>
+              <a:buFont typeface="Wingdings" charset="2"/>
+              <a:buChar char=""/>
+            </a:pPr>
+            <a:r>
+              <a:rPr b="0" lang="en-AU" sz="2000" spc="-1" strike="noStrike">
+                <a:solidFill>
+                  <a:srgbClr val="000000"/>
+                </a:solidFill>
+                <a:latin typeface="Arial"/>
+              </a:rPr>
+              <a:t>Sixth Outline Level</a:t>
+            </a:r>
+            <a:endParaRPr b="0" lang="en-AU" sz="2000" spc="-1" strike="noStrike">
+              <a:solidFill>
+                <a:srgbClr val="000000"/>
+              </a:solidFill>
+              <a:latin typeface="Arial"/>
+            </a:endParaRPr>
+          </a:p>
+          <a:p>
+            <a:pPr lvl="6" marL="3024000" indent="-216000">
+              <a:spcBef>
+                <a:spcPts val="283"/>
+              </a:spcBef>
+              <a:buClr>
+                <a:srgbClr val="000000"/>
+              </a:buClr>
+              <a:buSzPct val="45000"/>
+              <a:buFont typeface="Wingdings" charset="2"/>
+              <a:buChar char=""/>
+            </a:pPr>
+            <a:r>
+              <a:rPr b="0" lang="en-AU" sz="2000" spc="-1" strike="noStrike">
+                <a:solidFill>
+                  <a:srgbClr val="000000"/>
+                </a:solidFill>
+                <a:latin typeface="Arial"/>
+              </a:rPr>
+              <a:t>Seventh Outline Level</a:t>
+            </a:r>
+            <a:endParaRPr b="0" lang="en-AU" sz="2000" spc="-1" strike="noStrike">
+              <a:solidFill>
+                <a:srgbClr val="000000"/>
+              </a:solidFill>
+              <a:latin typeface="Arial"/>
             </a:endParaRPr>
           </a:p>
         </p:txBody>
@@ -4101,7 +4247,7 @@
       </p:grpSpPr>
       <p:sp>
         <p:nvSpPr>
-          <p:cNvPr id="82" name="PlaceHolder 1"/>
+          <p:cNvPr id="76" name="PlaceHolder 1"/>
           <p:cNvSpPr>
             <a:spLocks noGrp="1"/>
           </p:cNvSpPr>
@@ -4112,7 +4258,7 @@
         <p:spPr>
           <a:xfrm>
             <a:off x="0" y="0"/>
-            <a:ext cx="11743920" cy="2879640"/>
+            <a:ext cx="11743560" cy="2879280"/>
           </a:xfrm>
           <a:prstGeom prst="rect">
             <a:avLst/>
@@ -4123,14 +4269,15 @@
           </a:ln>
         </p:spPr>
         <p:txBody>
-          <a:bodyPr anchor="ctr">
+          <a:bodyPr lIns="0" rIns="0" tIns="0" bIns="0" anchor="ctr">
             <a:noAutofit/>
           </a:bodyPr>
           <a:p>
-            <a:pPr algn="ctr">
+            <a:pPr indent="0" algn="ctr">
               <a:lnSpc>
                 <a:spcPct val="90000"/>
               </a:lnSpc>
+              <a:buNone/>
             </a:pPr>
             <a:r>
               <a:rPr b="1" lang="ru-RU" sz="4400" spc="-1" strike="noStrike">
@@ -4142,7 +4289,9 @@
               </a:rPr>
               <a:t>ТЕМА 2. </a:t>
             </a:r>
-            <a:br/>
+            <a:br>
+              <a:rPr sz="4400"/>
+            </a:br>
             <a:r>
               <a:rPr b="0" lang="ru-RU" sz="4400" spc="-1" strike="noStrike">
                 <a:solidFill>
@@ -4163,18 +4312,18 @@
               </a:rPr>
               <a:t>.</a:t>
             </a:r>
-            <a:endParaRPr b="0" lang="en-US" sz="4400" spc="-1" strike="noStrike">
-              <a:solidFill>
-                <a:srgbClr val="000000"/>
-              </a:solidFill>
-              <a:latin typeface="Roboto Light"/>
-            </a:endParaRPr>
-          </a:p>
-        </p:txBody>
-      </p:sp>
-      <p:sp>
-        <p:nvSpPr>
-          <p:cNvPr id="83" name="PlaceHolder 2"/>
+            <a:endParaRPr b="0" lang="en-AU" sz="4400" spc="-1" strike="noStrike">
+              <a:solidFill>
+                <a:srgbClr val="000000"/>
+              </a:solidFill>
+              <a:latin typeface="Arial"/>
+            </a:endParaRPr>
+          </a:p>
+        </p:txBody>
+      </p:sp>
+      <p:sp>
+        <p:nvSpPr>
+          <p:cNvPr id="77" name="PlaceHolder 2"/>
           <p:cNvSpPr>
             <a:spLocks noGrp="1"/>
           </p:cNvSpPr>
@@ -4185,7 +4334,7 @@
         <p:spPr>
           <a:xfrm>
             <a:off x="0" y="2880000"/>
-            <a:ext cx="12191760" cy="1079640"/>
+            <a:ext cx="12191400" cy="1079280"/>
           </a:xfrm>
           <a:prstGeom prst="rect">
             <a:avLst/>
@@ -4196,17 +4345,18 @@
           </a:ln>
         </p:spPr>
         <p:txBody>
-          <a:bodyPr anchor="ctr">
+          <a:bodyPr lIns="0" rIns="0" tIns="0" bIns="0" anchor="ctr">
             <a:noAutofit/>
           </a:bodyPr>
           <a:p>
-            <a:pPr algn="ctr">
+            <a:pPr indent="0" algn="ctr">
               <a:lnSpc>
                 <a:spcPct val="90000"/>
               </a:lnSpc>
               <a:spcBef>
                 <a:spcPts val="1001"/>
               </a:spcBef>
+              <a:buNone/>
               <a:tabLst>
                 <a:tab algn="l" pos="0"/>
               </a:tabLst>
@@ -4231,18 +4381,22 @@
               </a:rPr>
               <a:t> Взаимодействие элементов управления посредством </a:t>
             </a:r>
-            <a:endParaRPr b="0" lang="ru-RU" sz="2400" spc="-1" strike="noStrike">
-              <a:latin typeface="Arial"/>
-            </a:endParaRPr>
-          </a:p>
-          <a:p>
-            <a:pPr algn="ctr">
+            <a:endParaRPr b="0" lang="en-AU" sz="2400" spc="-1" strike="noStrike">
+              <a:solidFill>
+                <a:srgbClr val="000000"/>
+              </a:solidFill>
+              <a:latin typeface="Arial"/>
+            </a:endParaRPr>
+          </a:p>
+          <a:p>
+            <a:pPr indent="0" algn="ctr">
               <a:lnSpc>
                 <a:spcPct val="90000"/>
               </a:lnSpc>
               <a:spcBef>
                 <a:spcPts val="1001"/>
               </a:spcBef>
+              <a:buNone/>
               <a:tabLst>
                 <a:tab algn="l" pos="0"/>
               </a:tabLst>
@@ -4257,7 +4411,10 @@
               </a:rPr>
               <a:t>сигналов/слотов</a:t>
             </a:r>
-            <a:endParaRPr b="0" lang="ru-RU" sz="2400" spc="-1" strike="noStrike">
+            <a:endParaRPr b="0" lang="en-AU" sz="2400" spc="-1" strike="noStrike">
+              <a:solidFill>
+                <a:srgbClr val="000000"/>
+              </a:solidFill>
               <a:latin typeface="Arial"/>
             </a:endParaRPr>
           </a:p>
@@ -4265,7 +4422,7 @@
       </p:sp>
       <p:pic>
         <p:nvPicPr>
-          <p:cNvPr id="84" name="Рисунок 4" descr=""/>
+          <p:cNvPr id="78" name="Рисунок 4" descr=""/>
           <p:cNvPicPr/>
           <p:nvPr/>
         </p:nvPicPr>
@@ -4276,7 +4433,7 @@
         <p:spPr>
           <a:xfrm>
             <a:off x="8856720" y="3525480"/>
-            <a:ext cx="2887200" cy="3009960"/>
+            <a:ext cx="2886840" cy="3009600"/>
           </a:xfrm>
           <a:prstGeom prst="rect">
             <a:avLst/>
@@ -4325,7 +4482,7 @@
       </p:grpSpPr>
       <p:sp>
         <p:nvSpPr>
-          <p:cNvPr id="119" name="PlaceHolder 1"/>
+          <p:cNvPr id="113" name="PlaceHolder 1"/>
           <p:cNvSpPr>
             <a:spLocks noGrp="1"/>
           </p:cNvSpPr>
@@ -4336,7 +4493,7 @@
         <p:spPr>
           <a:xfrm>
             <a:off x="0" y="0"/>
-            <a:ext cx="12191760" cy="719640"/>
+            <a:ext cx="12191400" cy="719280"/>
           </a:xfrm>
           <a:prstGeom prst="rect">
             <a:avLst/>
@@ -4349,14 +4506,15 @@
           </a:ln>
         </p:spPr>
         <p:txBody>
-          <a:bodyPr anchor="ctr">
+          <a:bodyPr lIns="90000" rIns="90000" tIns="45000" bIns="45000" anchor="ctr">
             <a:normAutofit/>
           </a:bodyPr>
           <a:p>
-            <a:pPr algn="ctr">
+            <a:pPr indent="0" algn="ctr">
               <a:lnSpc>
                 <a:spcPct val="90000"/>
               </a:lnSpc>
+              <a:buNone/>
             </a:pPr>
             <a:r>
               <a:rPr b="1" lang="ru-RU" sz="2800" spc="-1" strike="noStrike">
@@ -4368,18 +4526,18 @@
               </a:rPr>
               <a:t>Понятие многопоточного программирования</a:t>
             </a:r>
-            <a:endParaRPr b="0" lang="en-US" sz="2800" spc="-1" strike="noStrike">
-              <a:solidFill>
-                <a:srgbClr val="000000"/>
-              </a:solidFill>
-              <a:latin typeface="Roboto Light"/>
-            </a:endParaRPr>
-          </a:p>
-        </p:txBody>
-      </p:sp>
-      <p:sp>
-        <p:nvSpPr>
-          <p:cNvPr id="120" name="PlaceHolder 2"/>
+            <a:endParaRPr b="0" lang="en-AU" sz="2800" spc="-1" strike="noStrike">
+              <a:solidFill>
+                <a:srgbClr val="000000"/>
+              </a:solidFill>
+              <a:latin typeface="Arial"/>
+            </a:endParaRPr>
+          </a:p>
+        </p:txBody>
+      </p:sp>
+      <p:sp>
+        <p:nvSpPr>
+          <p:cNvPr id="114" name="PlaceHolder 2"/>
           <p:cNvSpPr>
             <a:spLocks noGrp="1"/>
           </p:cNvSpPr>
@@ -4390,7 +4548,7 @@
         <p:spPr>
           <a:xfrm>
             <a:off x="334080" y="1080000"/>
-            <a:ext cx="11529000" cy="5439600"/>
+            <a:ext cx="11528640" cy="5439240"/>
           </a:xfrm>
           <a:prstGeom prst="rect">
             <a:avLst/>
@@ -4401,7 +4559,7 @@
           </a:ln>
         </p:spPr>
         <p:txBody>
-          <a:bodyPr anchor="t">
+          <a:bodyPr lIns="90000" rIns="90000" tIns="45000" bIns="45000" anchor="t">
             <a:noAutofit/>
           </a:bodyPr>
           <a:p>
@@ -4445,27 +4603,28 @@
               </a:rPr>
               <a:t>однако, если операция подразумевает работу с данными или подсчёты, которые занимают время, приложение будет «зависшим» всё время выполнения расчётов.</a:t>
             </a:r>
-            <a:endParaRPr b="0" lang="en-US" sz="2800" spc="-1" strike="noStrike">
-              <a:solidFill>
-                <a:srgbClr val="000000"/>
-              </a:solidFill>
-              <a:latin typeface="Roboto Light"/>
-            </a:endParaRPr>
-          </a:p>
-          <a:p>
-            <a:pPr>
+            <a:endParaRPr b="0" lang="en-AU" sz="2800" spc="-1" strike="noStrike">
+              <a:solidFill>
+                <a:srgbClr val="000000"/>
+              </a:solidFill>
+              <a:latin typeface="Arial"/>
+            </a:endParaRPr>
+          </a:p>
+          <a:p>
+            <a:pPr indent="0">
               <a:lnSpc>
                 <a:spcPct val="90000"/>
               </a:lnSpc>
               <a:spcBef>
                 <a:spcPts val="1001"/>
               </a:spcBef>
-            </a:pPr>
-            <a:endParaRPr b="0" lang="en-US" sz="2800" spc="-1" strike="noStrike">
-              <a:solidFill>
-                <a:srgbClr val="000000"/>
-              </a:solidFill>
-              <a:latin typeface="Roboto Light"/>
+              <a:buNone/>
+            </a:pPr>
+            <a:endParaRPr b="0" lang="en-AU" sz="2800" spc="-1" strike="noStrike">
+              <a:solidFill>
+                <a:srgbClr val="000000"/>
+              </a:solidFill>
+              <a:latin typeface="Arial"/>
             </a:endParaRPr>
           </a:p>
           <a:p>
@@ -4491,11 +4650,11 @@
               </a:rPr>
               <a:t>Решение:</a:t>
             </a:r>
-            <a:endParaRPr b="0" lang="en-US" sz="3200" spc="-1" strike="noStrike">
-              <a:solidFill>
-                <a:srgbClr val="000000"/>
-              </a:solidFill>
-              <a:latin typeface="Roboto Light"/>
+            <a:endParaRPr b="0" lang="en-AU" sz="3200" spc="-1" strike="noStrike">
+              <a:solidFill>
+                <a:srgbClr val="000000"/>
+              </a:solidFill>
+              <a:latin typeface="Arial"/>
             </a:endParaRPr>
           </a:p>
           <a:p>
@@ -4530,11 +4689,11 @@
               </a:rPr>
               <a:t>processEvent()</a:t>
             </a:r>
-            <a:endParaRPr b="0" lang="en-US" sz="3200" spc="-1" strike="noStrike">
-              <a:solidFill>
-                <a:srgbClr val="000000"/>
-              </a:solidFill>
-              <a:latin typeface="Roboto Light"/>
+            <a:endParaRPr b="0" lang="en-AU" sz="3200" spc="-1" strike="noStrike">
+              <a:solidFill>
+                <a:srgbClr val="000000"/>
+              </a:solidFill>
+              <a:latin typeface="Arial"/>
             </a:endParaRPr>
           </a:p>
           <a:p>
@@ -4569,27 +4728,28 @@
               </a:rPr>
               <a:t>QThread()</a:t>
             </a:r>
-            <a:endParaRPr b="0" lang="en-US" sz="3200" spc="-1" strike="noStrike">
-              <a:solidFill>
-                <a:srgbClr val="000000"/>
-              </a:solidFill>
-              <a:latin typeface="Roboto Light"/>
-            </a:endParaRPr>
-          </a:p>
-          <a:p>
-            <a:pPr>
+            <a:endParaRPr b="0" lang="en-AU" sz="3200" spc="-1" strike="noStrike">
+              <a:solidFill>
+                <a:srgbClr val="000000"/>
+              </a:solidFill>
+              <a:latin typeface="Arial"/>
+            </a:endParaRPr>
+          </a:p>
+          <a:p>
+            <a:pPr indent="0">
               <a:lnSpc>
                 <a:spcPct val="90000"/>
               </a:lnSpc>
               <a:spcBef>
                 <a:spcPts val="1001"/>
               </a:spcBef>
-            </a:pPr>
-            <a:endParaRPr b="0" lang="en-US" sz="3200" spc="-1" strike="noStrike">
-              <a:solidFill>
-                <a:srgbClr val="000000"/>
-              </a:solidFill>
-              <a:latin typeface="Roboto Light"/>
+              <a:buNone/>
+            </a:pPr>
+            <a:endParaRPr b="0" lang="en-AU" sz="3200" spc="-1" strike="noStrike">
+              <a:solidFill>
+                <a:srgbClr val="000000"/>
+              </a:solidFill>
+              <a:latin typeface="Arial"/>
             </a:endParaRPr>
           </a:p>
         </p:txBody>
@@ -4626,7 +4786,7 @@
       </p:grpSpPr>
       <p:sp>
         <p:nvSpPr>
-          <p:cNvPr id="121" name="PlaceHolder 1"/>
+          <p:cNvPr id="115" name="PlaceHolder 1"/>
           <p:cNvSpPr>
             <a:spLocks noGrp="1"/>
           </p:cNvSpPr>
@@ -4637,7 +4797,7 @@
         <p:spPr>
           <a:xfrm>
             <a:off x="0" y="0"/>
-            <a:ext cx="12191760" cy="719640"/>
+            <a:ext cx="12191400" cy="719280"/>
           </a:xfrm>
           <a:prstGeom prst="rect">
             <a:avLst/>
@@ -4650,14 +4810,15 @@
           </a:ln>
         </p:spPr>
         <p:txBody>
-          <a:bodyPr anchor="ctr">
+          <a:bodyPr lIns="90000" rIns="90000" tIns="45000" bIns="45000" anchor="ctr">
             <a:normAutofit/>
           </a:bodyPr>
           <a:p>
-            <a:pPr algn="ctr">
+            <a:pPr indent="0" algn="ctr">
               <a:lnSpc>
                 <a:spcPct val="90000"/>
               </a:lnSpc>
+              <a:buNone/>
             </a:pPr>
             <a:r>
               <a:rPr b="1" lang="ru-RU" sz="2800" spc="-1" strike="noStrike">
@@ -4679,18 +4840,18 @@
               </a:rPr>
               <a:t>processEvent()</a:t>
             </a:r>
-            <a:endParaRPr b="0" lang="en-US" sz="2800" spc="-1" strike="noStrike">
-              <a:solidFill>
-                <a:srgbClr val="000000"/>
-              </a:solidFill>
-              <a:latin typeface="Roboto Light"/>
-            </a:endParaRPr>
-          </a:p>
-        </p:txBody>
-      </p:sp>
-      <p:sp>
-        <p:nvSpPr>
-          <p:cNvPr id="122" name="PlaceHolder 2"/>
+            <a:endParaRPr b="0" lang="en-AU" sz="2800" spc="-1" strike="noStrike">
+              <a:solidFill>
+                <a:srgbClr val="000000"/>
+              </a:solidFill>
+              <a:latin typeface="Arial"/>
+            </a:endParaRPr>
+          </a:p>
+        </p:txBody>
+      </p:sp>
+      <p:sp>
+        <p:nvSpPr>
+          <p:cNvPr id="116" name="PlaceHolder 2"/>
           <p:cNvSpPr>
             <a:spLocks noGrp="1"/>
           </p:cNvSpPr>
@@ -4701,7 +4862,7 @@
         <p:spPr>
           <a:xfrm>
             <a:off x="334080" y="1080000"/>
-            <a:ext cx="11529000" cy="5439600"/>
+            <a:ext cx="11528640" cy="5439240"/>
           </a:xfrm>
           <a:prstGeom prst="rect">
             <a:avLst/>
@@ -4712,7 +4873,7 @@
           </a:ln>
         </p:spPr>
         <p:txBody>
-          <a:bodyPr anchor="t">
+          <a:bodyPr lIns="90000" rIns="90000" tIns="45000" bIns="45000" anchor="t">
             <a:noAutofit/>
           </a:bodyPr>
           <a:p>
@@ -4768,18 +4929,18 @@
               </a:rPr>
               <a:t>GUI</a:t>
             </a:r>
-            <a:endParaRPr b="0" lang="en-US" sz="2800" spc="-1" strike="noStrike">
-              <a:solidFill>
-                <a:srgbClr val="000000"/>
-              </a:solidFill>
-              <a:latin typeface="Roboto Light"/>
+            <a:endParaRPr b="0" lang="en-AU" sz="2800" spc="-1" strike="noStrike">
+              <a:solidFill>
+                <a:srgbClr val="000000"/>
+              </a:solidFill>
+              <a:latin typeface="Arial"/>
             </a:endParaRPr>
           </a:p>
         </p:txBody>
       </p:sp>
       <p:pic>
         <p:nvPicPr>
-          <p:cNvPr id="123" name="Рисунок 6" descr=""/>
+          <p:cNvPr id="117" name="Рисунок 6" descr=""/>
           <p:cNvPicPr/>
           <p:nvPr/>
         </p:nvPicPr>
@@ -4790,7 +4951,7 @@
         <p:spPr>
           <a:xfrm>
             <a:off x="624240" y="3429000"/>
-            <a:ext cx="6591240" cy="2229840"/>
+            <a:ext cx="6590880" cy="2229480"/>
           </a:xfrm>
           <a:prstGeom prst="rect">
             <a:avLst/>
@@ -4802,14 +4963,14 @@
       </p:pic>
       <p:sp>
         <p:nvSpPr>
-          <p:cNvPr id="124" name="Прямоугольник 7"/>
+          <p:cNvPr id="118" name="Прямоугольник 7"/>
           <p:cNvSpPr/>
           <p:nvPr/>
         </p:nvSpPr>
         <p:spPr>
           <a:xfrm>
             <a:off x="2081880" y="5190840"/>
-            <a:ext cx="5036040" cy="351360"/>
+            <a:ext cx="5035680" cy="351000"/>
           </a:xfrm>
           <a:prstGeom prst="rect">
             <a:avLst/>
@@ -4835,23 +4996,41 @@
           </a:effectRef>
           <a:fontRef idx="minor"/>
         </p:style>
-      </p:sp>
-      <p:sp>
-        <p:nvSpPr>
-          <p:cNvPr id="125" name="Прямая со стрелкой 11"/>
+        <p:txBody>
+          <a:bodyPr lIns="90000" rIns="90000" tIns="45000" bIns="45000" anchor="t">
+            <a:noAutofit/>
+          </a:bodyPr>
+          <a:p>
+            <a:endParaRPr b="0" lang="en-AU" sz="1800" spc="-1" strike="noStrike">
+              <a:solidFill>
+                <a:srgbClr val="000000"/>
+              </a:solidFill>
+              <a:latin typeface="Arial"/>
+            </a:endParaRPr>
+          </a:p>
+        </p:txBody>
+      </p:sp>
+      <p:sp>
+        <p:nvSpPr>
+          <p:cNvPr id="119" name="Прямая со стрелкой 11"/>
           <p:cNvSpPr/>
           <p:nvPr/>
         </p:nvSpPr>
         <p:spPr>
           <a:xfrm flipH="1">
             <a:off x="7117560" y="4192200"/>
-            <a:ext cx="1153080" cy="1174320"/>
+            <a:ext cx="1152720" cy="1173960"/>
           </a:xfrm>
           <a:custGeom>
             <a:avLst/>
-            <a:gdLst/>
+            <a:gdLst>
+              <a:gd name="textAreaLeft" fmla="*/ 360 w 1152720"/>
+              <a:gd name="textAreaRight" fmla="*/ 1153440 w 1152720"/>
+              <a:gd name="textAreaTop" fmla="*/ 0 h 1173960"/>
+              <a:gd name="textAreaBottom" fmla="*/ 1174320 h 1173960"/>
+            </a:gdLst>
             <a:ahLst/>
-            <a:rect l="l" t="t" r="r" b="b"/>
+            <a:rect l="textAreaLeft" t="textAreaTop" r="textAreaRight" b="textAreaBottom"/>
             <a:pathLst>
               <a:path w="21600" h="21600">
                 <a:moveTo>
@@ -4883,17 +5062,30 @@
           </a:effectRef>
           <a:fontRef idx="minor"/>
         </p:style>
-      </p:sp>
-      <p:sp>
-        <p:nvSpPr>
-          <p:cNvPr id="126" name="TextBox 12"/>
+        <p:txBody>
+          <a:bodyPr lIns="90000" rIns="90000" tIns="45000" bIns="45000" anchor="t">
+            <a:noAutofit/>
+          </a:bodyPr>
+          <a:p>
+            <a:endParaRPr b="0" lang="en-AU" sz="1800" spc="-1" strike="noStrike">
+              <a:solidFill>
+                <a:srgbClr val="000000"/>
+              </a:solidFill>
+              <a:latin typeface="Arial"/>
+            </a:endParaRPr>
+          </a:p>
+        </p:txBody>
+      </p:sp>
+      <p:sp>
+        <p:nvSpPr>
+          <p:cNvPr id="120" name="TextBox 12"/>
           <p:cNvSpPr/>
           <p:nvPr/>
         </p:nvSpPr>
         <p:spPr>
           <a:xfrm>
             <a:off x="8271720" y="3429000"/>
-            <a:ext cx="2236320" cy="1187640"/>
+            <a:ext cx="2235960" cy="1186920"/>
           </a:xfrm>
           <a:prstGeom prst="rect">
             <a:avLst/>
@@ -4925,25 +5117,29 @@
                   <a:srgbClr val="000000"/>
                 </a:solidFill>
                 <a:latin typeface="Roboto Light"/>
+                <a:ea typeface="DejaVu Sans"/>
               </a:rPr>
               <a:t>Как отработает данный слот, если закомментировать указанную строку?</a:t>
             </a:r>
-            <a:endParaRPr b="0" lang="ru-RU" sz="1800" spc="-1" strike="noStrike">
-              <a:latin typeface="Arial"/>
-            </a:endParaRPr>
-          </a:p>
-        </p:txBody>
-      </p:sp>
-      <p:sp>
-        <p:nvSpPr>
-          <p:cNvPr id="127" name="TextBox 13"/>
+            <a:endParaRPr b="0" lang="en-AU" sz="1800" spc="-1" strike="noStrike">
+              <a:solidFill>
+                <a:srgbClr val="000000"/>
+              </a:solidFill>
+              <a:latin typeface="Arial"/>
+            </a:endParaRPr>
+          </a:p>
+        </p:txBody>
+      </p:sp>
+      <p:sp>
+        <p:nvSpPr>
+          <p:cNvPr id="121" name="TextBox 13"/>
           <p:cNvSpPr/>
           <p:nvPr/>
         </p:nvSpPr>
         <p:spPr>
           <a:xfrm>
             <a:off x="8271720" y="4919040"/>
-            <a:ext cx="2517840" cy="1187640"/>
+            <a:ext cx="2517480" cy="1186920"/>
           </a:xfrm>
           <a:prstGeom prst="rect">
             <a:avLst/>
@@ -4975,20 +5171,27 @@
                   <a:srgbClr val="000000"/>
                 </a:solidFill>
                 <a:latin typeface="Roboto Light"/>
+                <a:ea typeface="DejaVu Sans"/>
               </a:rPr>
               <a:t>И какое поведение будет если запустить приложение </a:t>
             </a:r>
-            <a:br/>
+            <a:br>
+              <a:rPr sz="1800"/>
+            </a:br>
             <a:r>
               <a:rPr b="0" lang="ru-RU" sz="1800" spc="-1" strike="noStrike">
                 <a:solidFill>
                   <a:srgbClr val="000000"/>
                 </a:solidFill>
                 <a:latin typeface="Roboto Light"/>
+                <a:ea typeface="DejaVu Sans"/>
               </a:rPr>
               <a:t>с указанной строкой?</a:t>
             </a:r>
-            <a:endParaRPr b="0" lang="ru-RU" sz="1800" spc="-1" strike="noStrike">
+            <a:endParaRPr b="0" lang="en-AU" sz="1800" spc="-1" strike="noStrike">
+              <a:solidFill>
+                <a:srgbClr val="000000"/>
+              </a:solidFill>
               <a:latin typeface="Arial"/>
             </a:endParaRPr>
           </a:p>
@@ -5026,7 +5229,7 @@
       </p:grpSpPr>
       <p:sp>
         <p:nvSpPr>
-          <p:cNvPr id="128" name="PlaceHolder 1"/>
+          <p:cNvPr id="122" name="PlaceHolder 1"/>
           <p:cNvSpPr>
             <a:spLocks noGrp="1"/>
           </p:cNvSpPr>
@@ -5037,7 +5240,7 @@
         <p:spPr>
           <a:xfrm>
             <a:off x="0" y="0"/>
-            <a:ext cx="12191760" cy="719640"/>
+            <a:ext cx="12191400" cy="719280"/>
           </a:xfrm>
           <a:prstGeom prst="rect">
             <a:avLst/>
@@ -5050,14 +5253,15 @@
           </a:ln>
         </p:spPr>
         <p:txBody>
-          <a:bodyPr anchor="ctr">
+          <a:bodyPr lIns="90000" rIns="90000" tIns="45000" bIns="45000" anchor="ctr">
             <a:normAutofit/>
           </a:bodyPr>
           <a:p>
-            <a:pPr algn="ctr">
+            <a:pPr indent="0" algn="ctr">
               <a:lnSpc>
                 <a:spcPct val="90000"/>
               </a:lnSpc>
+              <a:buNone/>
             </a:pPr>
             <a:r>
               <a:rPr b="1" lang="ru-RU" sz="2800" spc="-1" strike="noStrike">
@@ -5099,18 +5303,18 @@
               </a:rPr>
               <a:t>QThread</a:t>
             </a:r>
-            <a:endParaRPr b="0" lang="en-US" sz="2800" spc="-1" strike="noStrike">
-              <a:solidFill>
-                <a:srgbClr val="000000"/>
-              </a:solidFill>
-              <a:latin typeface="Roboto Light"/>
-            </a:endParaRPr>
-          </a:p>
-        </p:txBody>
-      </p:sp>
-      <p:sp>
-        <p:nvSpPr>
-          <p:cNvPr id="129" name="PlaceHolder 2"/>
+            <a:endParaRPr b="0" lang="en-AU" sz="2800" spc="-1" strike="noStrike">
+              <a:solidFill>
+                <a:srgbClr val="000000"/>
+              </a:solidFill>
+              <a:latin typeface="Arial"/>
+            </a:endParaRPr>
+          </a:p>
+        </p:txBody>
+      </p:sp>
+      <p:sp>
+        <p:nvSpPr>
+          <p:cNvPr id="123" name="PlaceHolder 2"/>
           <p:cNvSpPr>
             <a:spLocks noGrp="1"/>
           </p:cNvSpPr>
@@ -5121,7 +5325,7 @@
         <p:spPr>
           <a:xfrm>
             <a:off x="334080" y="1080000"/>
-            <a:ext cx="11529000" cy="5439600"/>
+            <a:ext cx="11528640" cy="5439240"/>
           </a:xfrm>
           <a:prstGeom prst="rect">
             <a:avLst/>
@@ -5132,7 +5336,7 @@
           </a:ln>
         </p:spPr>
         <p:txBody>
-          <a:bodyPr anchor="t">
+          <a:bodyPr lIns="90000" rIns="90000" tIns="45000" bIns="45000" anchor="t">
             <a:noAutofit/>
           </a:bodyPr>
           <a:p>
@@ -5167,41 +5371,42 @@
               </a:rPr>
               <a:t>QThread.</a:t>
             </a:r>
-            <a:endParaRPr b="0" lang="en-US" sz="2800" spc="-1" strike="noStrike">
-              <a:solidFill>
-                <a:srgbClr val="000000"/>
-              </a:solidFill>
-              <a:latin typeface="Roboto Light"/>
-            </a:endParaRPr>
-          </a:p>
-          <a:p>
-            <a:pPr algn="just">
+            <a:endParaRPr b="0" lang="en-AU" sz="2800" spc="-1" strike="noStrike">
+              <a:solidFill>
+                <a:srgbClr val="000000"/>
+              </a:solidFill>
+              <a:latin typeface="Arial"/>
+            </a:endParaRPr>
+          </a:p>
+          <a:p>
+            <a:pPr indent="0" algn="just">
               <a:lnSpc>
                 <a:spcPct val="90000"/>
               </a:lnSpc>
               <a:spcBef>
                 <a:spcPts val="1001"/>
               </a:spcBef>
-            </a:pPr>
-            <a:endParaRPr b="0" lang="en-US" sz="2800" spc="-1" strike="noStrike">
-              <a:solidFill>
-                <a:srgbClr val="000000"/>
-              </a:solidFill>
-              <a:latin typeface="Roboto Light"/>
-            </a:endParaRPr>
-          </a:p>
-        </p:txBody>
-      </p:sp>
-      <p:sp>
-        <p:nvSpPr>
-          <p:cNvPr id="130" name="TextBox 5"/>
+              <a:buNone/>
+            </a:pPr>
+            <a:endParaRPr b="0" lang="en-AU" sz="2800" spc="-1" strike="noStrike">
+              <a:solidFill>
+                <a:srgbClr val="000000"/>
+              </a:solidFill>
+              <a:latin typeface="Arial"/>
+            </a:endParaRPr>
+          </a:p>
+        </p:txBody>
+      </p:sp>
+      <p:sp>
+        <p:nvSpPr>
+          <p:cNvPr id="124" name="TextBox 5"/>
           <p:cNvSpPr/>
           <p:nvPr/>
         </p:nvSpPr>
         <p:spPr>
           <a:xfrm>
             <a:off x="7639920" y="2892240"/>
-            <a:ext cx="3037320" cy="1796760"/>
+            <a:ext cx="3036960" cy="1796040"/>
           </a:xfrm>
           <a:prstGeom prst="rect">
             <a:avLst/>
@@ -5233,6 +5438,7 @@
                   <a:srgbClr val="000000"/>
                 </a:solidFill>
                 <a:latin typeface="Roboto Light"/>
+                <a:ea typeface="DejaVu Sans"/>
               </a:rPr>
               <a:t>Блокирует ли </a:t>
             </a:r>
@@ -5242,6 +5448,7 @@
                   <a:srgbClr val="000000"/>
                 </a:solidFill>
                 <a:latin typeface="Roboto Light"/>
+                <a:ea typeface="DejaVu Sans"/>
               </a:rPr>
               <a:t>GIL </a:t>
             </a:r>
@@ -5251,6 +5458,7 @@
                   <a:srgbClr val="000000"/>
                 </a:solidFill>
                 <a:latin typeface="Roboto Light"/>
+                <a:ea typeface="DejaVu Sans"/>
               </a:rPr>
               <a:t>потоки </a:t>
             </a:r>
@@ -5260,6 +5468,7 @@
                   <a:srgbClr val="000000"/>
                 </a:solidFill>
                 <a:latin typeface="Roboto Light"/>
+                <a:ea typeface="DejaVu Sans"/>
               </a:rPr>
               <a:t>QThread </a:t>
             </a:r>
@@ -5269,6 +5478,7 @@
                   <a:srgbClr val="000000"/>
                 </a:solidFill>
                 <a:latin typeface="Roboto Light"/>
+                <a:ea typeface="DejaVu Sans"/>
               </a:rPr>
               <a:t>написанные на </a:t>
             </a:r>
@@ -5278,10 +5488,14 @@
                   <a:srgbClr val="000000"/>
                 </a:solidFill>
                 <a:latin typeface="Roboto Light"/>
+                <a:ea typeface="DejaVu Sans"/>
               </a:rPr>
               <a:t>C++?</a:t>
             </a:r>
-            <a:endParaRPr b="0" lang="ru-RU" sz="2800" spc="-1" strike="noStrike">
+            <a:endParaRPr b="0" lang="en-AU" sz="2800" spc="-1" strike="noStrike">
+              <a:solidFill>
+                <a:srgbClr val="000000"/>
+              </a:solidFill>
               <a:latin typeface="Arial"/>
             </a:endParaRPr>
           </a:p>
@@ -5289,7 +5503,7 @@
       </p:sp>
       <p:pic>
         <p:nvPicPr>
-          <p:cNvPr id="131" name="Рисунок 7" descr=""/>
+          <p:cNvPr id="125" name="Рисунок 7" descr=""/>
           <p:cNvPicPr/>
           <p:nvPr/>
         </p:nvPicPr>
@@ -5300,7 +5514,7 @@
         <p:spPr>
           <a:xfrm>
             <a:off x="453240" y="1738440"/>
-            <a:ext cx="5642280" cy="2637000"/>
+            <a:ext cx="5641920" cy="2636640"/>
           </a:xfrm>
           <a:prstGeom prst="rect">
             <a:avLst/>
@@ -5312,7 +5526,7 @@
       </p:pic>
       <p:pic>
         <p:nvPicPr>
-          <p:cNvPr id="132" name="Рисунок 9" descr=""/>
+          <p:cNvPr id="126" name="Рисунок 9" descr=""/>
           <p:cNvPicPr/>
           <p:nvPr/>
         </p:nvPicPr>
@@ -5323,7 +5537,7 @@
         <p:spPr>
           <a:xfrm>
             <a:off x="453240" y="4829760"/>
-            <a:ext cx="5664600" cy="726840"/>
+            <a:ext cx="5664240" cy="726480"/>
           </a:xfrm>
           <a:prstGeom prst="rect">
             <a:avLst/>
@@ -5335,14 +5549,14 @@
       </p:pic>
       <p:sp>
         <p:nvSpPr>
-          <p:cNvPr id="133" name="TextBox 10"/>
+          <p:cNvPr id="127" name="TextBox 10"/>
           <p:cNvSpPr/>
           <p:nvPr/>
         </p:nvSpPr>
         <p:spPr>
           <a:xfrm>
             <a:off x="453240" y="5699880"/>
-            <a:ext cx="5664600" cy="821880"/>
+            <a:ext cx="5664240" cy="821160"/>
           </a:xfrm>
           <a:prstGeom prst="rect">
             <a:avLst/>
@@ -5374,6 +5588,7 @@
                   <a:srgbClr val="000000"/>
                 </a:solidFill>
                 <a:latin typeface="Roboto Light"/>
+                <a:ea typeface="DejaVu Sans"/>
               </a:rPr>
               <a:t>В данном случае блокировки </a:t>
             </a:r>
@@ -5383,10 +5598,14 @@
                   <a:srgbClr val="000000"/>
                 </a:solidFill>
                 <a:latin typeface="Roboto Light"/>
+                <a:ea typeface="DejaVu Sans"/>
               </a:rPr>
               <a:t>GUI</a:t>
             </a:r>
-            <a:endParaRPr b="0" lang="ru-RU" sz="2400" spc="-1" strike="noStrike">
+            <a:endParaRPr b="0" lang="en-AU" sz="2400" spc="-1" strike="noStrike">
+              <a:solidFill>
+                <a:srgbClr val="000000"/>
+              </a:solidFill>
               <a:latin typeface="Arial"/>
             </a:endParaRPr>
           </a:p>
@@ -5402,10 +5621,14 @@
                   <a:srgbClr val="000000"/>
                 </a:solidFill>
                 <a:latin typeface="Roboto Light"/>
+                <a:ea typeface="DejaVu Sans"/>
               </a:rPr>
               <a:t>происходить не будет</a:t>
             </a:r>
-            <a:endParaRPr b="0" lang="ru-RU" sz="2400" spc="-1" strike="noStrike">
+            <a:endParaRPr b="0" lang="en-AU" sz="2400" spc="-1" strike="noStrike">
+              <a:solidFill>
+                <a:srgbClr val="000000"/>
+              </a:solidFill>
               <a:latin typeface="Arial"/>
             </a:endParaRPr>
           </a:p>
@@ -5443,7 +5666,7 @@
       </p:grpSpPr>
       <p:sp>
         <p:nvSpPr>
-          <p:cNvPr id="134" name="PlaceHolder 1"/>
+          <p:cNvPr id="128" name="PlaceHolder 1"/>
           <p:cNvSpPr>
             <a:spLocks noGrp="1"/>
           </p:cNvSpPr>
@@ -5454,7 +5677,7 @@
         <p:spPr>
           <a:xfrm>
             <a:off x="0" y="0"/>
-            <a:ext cx="12191760" cy="719640"/>
+            <a:ext cx="12191400" cy="719280"/>
           </a:xfrm>
           <a:prstGeom prst="rect">
             <a:avLst/>
@@ -5467,14 +5690,15 @@
           </a:ln>
         </p:spPr>
         <p:txBody>
-          <a:bodyPr anchor="ctr">
+          <a:bodyPr lIns="90000" rIns="90000" tIns="45000" bIns="45000" anchor="ctr">
             <a:normAutofit/>
           </a:bodyPr>
           <a:p>
-            <a:pPr algn="ctr">
+            <a:pPr indent="0" algn="ctr">
               <a:lnSpc>
                 <a:spcPct val="90000"/>
               </a:lnSpc>
+              <a:buNone/>
             </a:pPr>
             <a:r>
               <a:rPr b="1" lang="ru-RU" sz="2800" spc="-1" strike="noStrike">
@@ -5496,18 +5720,18 @@
               </a:rPr>
               <a:t>QThread</a:t>
             </a:r>
-            <a:endParaRPr b="0" lang="en-US" sz="2800" spc="-1" strike="noStrike">
-              <a:solidFill>
-                <a:srgbClr val="000000"/>
-              </a:solidFill>
-              <a:latin typeface="Roboto Light"/>
-            </a:endParaRPr>
-          </a:p>
-        </p:txBody>
-      </p:sp>
-      <p:sp>
-        <p:nvSpPr>
-          <p:cNvPr id="135" name="PlaceHolder 2"/>
+            <a:endParaRPr b="0" lang="en-AU" sz="2800" spc="-1" strike="noStrike">
+              <a:solidFill>
+                <a:srgbClr val="000000"/>
+              </a:solidFill>
+              <a:latin typeface="Arial"/>
+            </a:endParaRPr>
+          </a:p>
+        </p:txBody>
+      </p:sp>
+      <p:sp>
+        <p:nvSpPr>
+          <p:cNvPr id="129" name="PlaceHolder 2"/>
           <p:cNvSpPr>
             <a:spLocks noGrp="1"/>
           </p:cNvSpPr>
@@ -5518,7 +5742,7 @@
         <p:spPr>
           <a:xfrm>
             <a:off x="334080" y="1080000"/>
-            <a:ext cx="11529000" cy="5439600"/>
+            <a:ext cx="11528640" cy="5439240"/>
           </a:xfrm>
           <a:prstGeom prst="rect">
             <a:avLst/>
@@ -5529,7 +5753,7 @@
           </a:ln>
         </p:spPr>
         <p:txBody>
-          <a:bodyPr anchor="t">
+          <a:bodyPr lIns="90000" rIns="90000" tIns="45000" bIns="45000" anchor="t">
             <a:noAutofit/>
           </a:bodyPr>
           <a:p>
@@ -5582,75 +5806,79 @@
               </a:rPr>
               <a:t>QThread</a:t>
             </a:r>
-            <a:endParaRPr b="0" lang="en-US" sz="2800" spc="-1" strike="noStrike">
-              <a:solidFill>
-                <a:srgbClr val="000000"/>
-              </a:solidFill>
-              <a:latin typeface="Roboto Light"/>
-            </a:endParaRPr>
-          </a:p>
-          <a:p>
-            <a:pPr algn="just">
+            <a:endParaRPr b="0" lang="en-AU" sz="2800" spc="-1" strike="noStrike">
+              <a:solidFill>
+                <a:srgbClr val="000000"/>
+              </a:solidFill>
+              <a:latin typeface="Arial"/>
+            </a:endParaRPr>
+          </a:p>
+          <a:p>
+            <a:pPr indent="0" algn="just">
               <a:lnSpc>
                 <a:spcPct val="90000"/>
               </a:lnSpc>
               <a:spcBef>
                 <a:spcPts val="1001"/>
               </a:spcBef>
-            </a:pPr>
-            <a:endParaRPr b="0" lang="en-US" sz="2800" spc="-1" strike="noStrike">
-              <a:solidFill>
-                <a:srgbClr val="000000"/>
-              </a:solidFill>
-              <a:latin typeface="Roboto Light"/>
-            </a:endParaRPr>
-          </a:p>
-          <a:p>
-            <a:pPr algn="just">
+              <a:buNone/>
+            </a:pPr>
+            <a:endParaRPr b="0" lang="en-AU" sz="2800" spc="-1" strike="noStrike">
+              <a:solidFill>
+                <a:srgbClr val="000000"/>
+              </a:solidFill>
+              <a:latin typeface="Arial"/>
+            </a:endParaRPr>
+          </a:p>
+          <a:p>
+            <a:pPr indent="0" algn="just">
               <a:lnSpc>
                 <a:spcPct val="90000"/>
               </a:lnSpc>
               <a:spcBef>
                 <a:spcPts val="1001"/>
               </a:spcBef>
-            </a:pPr>
-            <a:endParaRPr b="0" lang="en-US" sz="2800" spc="-1" strike="noStrike">
-              <a:solidFill>
-                <a:srgbClr val="000000"/>
-              </a:solidFill>
-              <a:latin typeface="Roboto Light"/>
-            </a:endParaRPr>
-          </a:p>
-          <a:p>
-            <a:pPr algn="just">
+              <a:buNone/>
+            </a:pPr>
+            <a:endParaRPr b="0" lang="en-AU" sz="2800" spc="-1" strike="noStrike">
+              <a:solidFill>
+                <a:srgbClr val="000000"/>
+              </a:solidFill>
+              <a:latin typeface="Arial"/>
+            </a:endParaRPr>
+          </a:p>
+          <a:p>
+            <a:pPr indent="0" algn="just">
               <a:lnSpc>
                 <a:spcPct val="90000"/>
               </a:lnSpc>
               <a:spcBef>
                 <a:spcPts val="1001"/>
               </a:spcBef>
-            </a:pPr>
-            <a:endParaRPr b="0" lang="en-US" sz="2800" spc="-1" strike="noStrike">
-              <a:solidFill>
-                <a:srgbClr val="000000"/>
-              </a:solidFill>
-              <a:latin typeface="Roboto Light"/>
-            </a:endParaRPr>
-          </a:p>
-          <a:p>
-            <a:pPr algn="just">
+              <a:buNone/>
+            </a:pPr>
+            <a:endParaRPr b="0" lang="en-AU" sz="2800" spc="-1" strike="noStrike">
+              <a:solidFill>
+                <a:srgbClr val="000000"/>
+              </a:solidFill>
+              <a:latin typeface="Arial"/>
+            </a:endParaRPr>
+          </a:p>
+          <a:p>
+            <a:pPr indent="0" algn="just">
               <a:lnSpc>
                 <a:spcPct val="90000"/>
               </a:lnSpc>
               <a:spcBef>
                 <a:spcPts val="1001"/>
               </a:spcBef>
-            </a:pPr>
-            <a:endParaRPr b="0" lang="en-US" sz="2800" spc="-1" strike="noStrike">
-              <a:solidFill>
-                <a:srgbClr val="000000"/>
-              </a:solidFill>
-              <a:latin typeface="Roboto Light"/>
+              <a:buNone/>
+            </a:pPr>
+            <a:endParaRPr b="0" lang="en-AU" sz="2800" spc="-1" strike="noStrike">
+              <a:solidFill>
+                <a:srgbClr val="000000"/>
+              </a:solidFill>
+              <a:latin typeface="Arial"/>
             </a:endParaRPr>
           </a:p>
           <a:p>
@@ -5685,18 +5913,18 @@
               </a:rPr>
               <a:t>QThread</a:t>
             </a:r>
-            <a:endParaRPr b="0" lang="en-US" sz="2800" spc="-1" strike="noStrike">
-              <a:solidFill>
-                <a:srgbClr val="000000"/>
-              </a:solidFill>
-              <a:latin typeface="Roboto Light"/>
+            <a:endParaRPr b="0" lang="en-AU" sz="2800" spc="-1" strike="noStrike">
+              <a:solidFill>
+                <a:srgbClr val="000000"/>
+              </a:solidFill>
+              <a:latin typeface="Arial"/>
             </a:endParaRPr>
           </a:p>
         </p:txBody>
       </p:sp>
       <p:pic>
         <p:nvPicPr>
-          <p:cNvPr id="136" name="Рисунок 8" descr=""/>
+          <p:cNvPr id="130" name="Рисунок 8" descr=""/>
           <p:cNvPicPr/>
           <p:nvPr/>
         </p:nvPicPr>
@@ -5707,7 +5935,7 @@
         <p:spPr>
           <a:xfrm>
             <a:off x="639360" y="2047320"/>
-            <a:ext cx="5128920" cy="1511640"/>
+            <a:ext cx="5128560" cy="1511280"/>
           </a:xfrm>
           <a:prstGeom prst="rect">
             <a:avLst/>
@@ -5719,7 +5947,7 @@
       </p:pic>
       <p:pic>
         <p:nvPicPr>
-          <p:cNvPr id="137" name="Рисунок 10" descr=""/>
+          <p:cNvPr id="131" name="Рисунок 10" descr=""/>
           <p:cNvPicPr/>
           <p:nvPr/>
         </p:nvPicPr>
@@ -5730,7 +5958,7 @@
         <p:spPr>
           <a:xfrm>
             <a:off x="6322680" y="2047320"/>
-            <a:ext cx="4765320" cy="339120"/>
+            <a:ext cx="4764960" cy="338760"/>
           </a:xfrm>
           <a:prstGeom prst="rect">
             <a:avLst/>
@@ -5742,7 +5970,7 @@
       </p:pic>
       <p:pic>
         <p:nvPicPr>
-          <p:cNvPr id="138" name="Рисунок 12" descr=""/>
+          <p:cNvPr id="132" name="Рисунок 12" descr=""/>
           <p:cNvPicPr/>
           <p:nvPr/>
         </p:nvPicPr>
@@ -5753,7 +5981,7 @@
         <p:spPr>
           <a:xfrm>
             <a:off x="579960" y="4948560"/>
-            <a:ext cx="6363360" cy="1511640"/>
+            <a:ext cx="6363000" cy="1511280"/>
           </a:xfrm>
           <a:prstGeom prst="rect">
             <a:avLst/>
@@ -5765,7 +5993,7 @@
       </p:pic>
       <p:pic>
         <p:nvPicPr>
-          <p:cNvPr id="139" name="Рисунок 16" descr=""/>
+          <p:cNvPr id="133" name="Рисунок 16" descr=""/>
           <p:cNvPicPr/>
           <p:nvPr/>
         </p:nvPicPr>
@@ -5776,7 +6004,7 @@
         <p:spPr>
           <a:xfrm>
             <a:off x="7152840" y="4948560"/>
-            <a:ext cx="4704840" cy="931320"/>
+            <a:ext cx="4704480" cy="930960"/>
           </a:xfrm>
           <a:prstGeom prst="rect">
             <a:avLst/>
@@ -5818,7 +6046,7 @@
       </p:grpSpPr>
       <p:sp>
         <p:nvSpPr>
-          <p:cNvPr id="140" name="PlaceHolder 1"/>
+          <p:cNvPr id="134" name="PlaceHolder 1"/>
           <p:cNvSpPr>
             <a:spLocks noGrp="1"/>
           </p:cNvSpPr>
@@ -5829,7 +6057,7 @@
         <p:spPr>
           <a:xfrm>
             <a:off x="379800" y="1378800"/>
-            <a:ext cx="11436840" cy="5106240"/>
+            <a:ext cx="11436480" cy="5105880"/>
           </a:xfrm>
           <a:prstGeom prst="rect">
             <a:avLst/>
@@ -5840,7 +6068,7 @@
           </a:ln>
         </p:spPr>
         <p:txBody>
-          <a:bodyPr anchor="t">
+          <a:bodyPr lIns="90000" rIns="90000" tIns="45000" bIns="45000" anchor="t">
             <a:noAutofit/>
           </a:bodyPr>
           <a:p>
@@ -5866,43 +6094,45 @@
               </a:rPr>
               <a:t>Сигналы потока:</a:t>
             </a:r>
-            <a:endParaRPr b="0" lang="en-US" sz="2800" spc="-1" strike="noStrike">
-              <a:solidFill>
-                <a:srgbClr val="000000"/>
-              </a:solidFill>
-              <a:latin typeface="Roboto Light"/>
-            </a:endParaRPr>
-          </a:p>
-          <a:p>
-            <a:pPr>
+            <a:endParaRPr b="0" lang="en-AU" sz="2800" spc="-1" strike="noStrike">
+              <a:solidFill>
+                <a:srgbClr val="000000"/>
+              </a:solidFill>
+              <a:latin typeface="Arial"/>
+            </a:endParaRPr>
+          </a:p>
+          <a:p>
+            <a:pPr indent="0">
               <a:lnSpc>
                 <a:spcPct val="90000"/>
               </a:lnSpc>
               <a:spcBef>
                 <a:spcPts val="1001"/>
               </a:spcBef>
-            </a:pPr>
-            <a:endParaRPr b="0" lang="en-US" sz="2800" spc="-1" strike="noStrike">
-              <a:solidFill>
-                <a:srgbClr val="000000"/>
-              </a:solidFill>
-              <a:latin typeface="Roboto Light"/>
-            </a:endParaRPr>
-          </a:p>
-          <a:p>
-            <a:pPr>
+              <a:buNone/>
+            </a:pPr>
+            <a:endParaRPr b="0" lang="en-AU" sz="2800" spc="-1" strike="noStrike">
+              <a:solidFill>
+                <a:srgbClr val="000000"/>
+              </a:solidFill>
+              <a:latin typeface="Arial"/>
+            </a:endParaRPr>
+          </a:p>
+          <a:p>
+            <a:pPr indent="0">
               <a:lnSpc>
                 <a:spcPct val="90000"/>
               </a:lnSpc>
               <a:spcBef>
                 <a:spcPts val="1001"/>
               </a:spcBef>
-            </a:pPr>
-            <a:endParaRPr b="0" lang="en-US" sz="2800" spc="-1" strike="noStrike">
-              <a:solidFill>
-                <a:srgbClr val="000000"/>
-              </a:solidFill>
-              <a:latin typeface="Roboto Light"/>
+              <a:buNone/>
+            </a:pPr>
+            <a:endParaRPr b="0" lang="en-AU" sz="2800" spc="-1" strike="noStrike">
+              <a:solidFill>
+                <a:srgbClr val="000000"/>
+              </a:solidFill>
+              <a:latin typeface="Arial"/>
             </a:endParaRPr>
           </a:p>
           <a:p>
@@ -5937,50 +6167,52 @@
               </a:rPr>
               <a:t>:</a:t>
             </a:r>
-            <a:endParaRPr b="0" lang="en-US" sz="2800" spc="-1" strike="noStrike">
-              <a:solidFill>
-                <a:srgbClr val="000000"/>
-              </a:solidFill>
-              <a:latin typeface="Roboto Light"/>
-            </a:endParaRPr>
-          </a:p>
-          <a:p>
-            <a:pPr>
+            <a:endParaRPr b="0" lang="en-AU" sz="2800" spc="-1" strike="noStrike">
+              <a:solidFill>
+                <a:srgbClr val="000000"/>
+              </a:solidFill>
+              <a:latin typeface="Arial"/>
+            </a:endParaRPr>
+          </a:p>
+          <a:p>
+            <a:pPr indent="0">
               <a:lnSpc>
                 <a:spcPct val="90000"/>
               </a:lnSpc>
               <a:spcBef>
                 <a:spcPts val="1001"/>
               </a:spcBef>
-            </a:pPr>
-            <a:endParaRPr b="0" lang="en-US" sz="2800" spc="-1" strike="noStrike">
-              <a:solidFill>
-                <a:srgbClr val="000000"/>
-              </a:solidFill>
-              <a:latin typeface="Roboto Light"/>
-            </a:endParaRPr>
-          </a:p>
-          <a:p>
-            <a:pPr>
+              <a:buNone/>
+            </a:pPr>
+            <a:endParaRPr b="0" lang="en-AU" sz="2800" spc="-1" strike="noStrike">
+              <a:solidFill>
+                <a:srgbClr val="000000"/>
+              </a:solidFill>
+              <a:latin typeface="Arial"/>
+            </a:endParaRPr>
+          </a:p>
+          <a:p>
+            <a:pPr indent="0">
               <a:lnSpc>
                 <a:spcPct val="90000"/>
               </a:lnSpc>
               <a:spcBef>
                 <a:spcPts val="1001"/>
               </a:spcBef>
-            </a:pPr>
-            <a:endParaRPr b="0" lang="en-US" sz="2800" spc="-1" strike="noStrike">
-              <a:solidFill>
-                <a:srgbClr val="000000"/>
-              </a:solidFill>
-              <a:latin typeface="Roboto Light"/>
-            </a:endParaRPr>
-          </a:p>
-        </p:txBody>
-      </p:sp>
-      <p:sp>
-        <p:nvSpPr>
-          <p:cNvPr id="141" name="PlaceHolder 2"/>
+              <a:buNone/>
+            </a:pPr>
+            <a:endParaRPr b="0" lang="en-AU" sz="2800" spc="-1" strike="noStrike">
+              <a:solidFill>
+                <a:srgbClr val="000000"/>
+              </a:solidFill>
+              <a:latin typeface="Arial"/>
+            </a:endParaRPr>
+          </a:p>
+        </p:txBody>
+      </p:sp>
+      <p:sp>
+        <p:nvSpPr>
+          <p:cNvPr id="135" name="PlaceHolder 2"/>
           <p:cNvSpPr>
             <a:spLocks noGrp="1"/>
           </p:cNvSpPr>
@@ -5991,7 +6223,7 @@
         <p:spPr>
           <a:xfrm>
             <a:off x="0" y="0"/>
-            <a:ext cx="12191760" cy="719640"/>
+            <a:ext cx="12191400" cy="719280"/>
           </a:xfrm>
           <a:prstGeom prst="rect">
             <a:avLst/>
@@ -6004,14 +6236,15 @@
           </a:ln>
         </p:spPr>
         <p:txBody>
-          <a:bodyPr anchor="ctr">
+          <a:bodyPr lIns="90000" rIns="90000" tIns="45000" bIns="45000" anchor="ctr">
             <a:normAutofit/>
           </a:bodyPr>
           <a:p>
-            <a:pPr algn="ctr">
+            <a:pPr indent="0" algn="ctr">
               <a:lnSpc>
                 <a:spcPct val="90000"/>
               </a:lnSpc>
+              <a:buNone/>
             </a:pPr>
             <a:r>
               <a:rPr b="1" lang="ru-RU" sz="2800" spc="-1" strike="noStrike">
@@ -6033,18 +6266,18 @@
               </a:rPr>
               <a:t>QThread</a:t>
             </a:r>
-            <a:endParaRPr b="0" lang="en-US" sz="2800" spc="-1" strike="noStrike">
-              <a:solidFill>
-                <a:srgbClr val="000000"/>
-              </a:solidFill>
-              <a:latin typeface="Roboto Light"/>
+            <a:endParaRPr b="0" lang="en-AU" sz="2800" spc="-1" strike="noStrike">
+              <a:solidFill>
+                <a:srgbClr val="000000"/>
+              </a:solidFill>
+              <a:latin typeface="Arial"/>
             </a:endParaRPr>
           </a:p>
         </p:txBody>
       </p:sp>
       <p:pic>
         <p:nvPicPr>
-          <p:cNvPr id="142" name="Рисунок 5" descr=""/>
+          <p:cNvPr id="136" name="Рисунок 5" descr=""/>
           <p:cNvPicPr/>
           <p:nvPr/>
         </p:nvPicPr>
@@ -6055,7 +6288,7 @@
         <p:spPr>
           <a:xfrm>
             <a:off x="487800" y="1981440"/>
-            <a:ext cx="8558280" cy="874080"/>
+            <a:ext cx="8557920" cy="873720"/>
           </a:xfrm>
           <a:prstGeom prst="rect">
             <a:avLst/>
@@ -6067,7 +6300,7 @@
       </p:pic>
       <p:pic>
         <p:nvPicPr>
-          <p:cNvPr id="143" name="Рисунок 7" descr=""/>
+          <p:cNvPr id="137" name="Рисунок 7" descr=""/>
           <p:cNvPicPr/>
           <p:nvPr/>
         </p:nvPicPr>
@@ -6078,7 +6311,7 @@
         <p:spPr>
           <a:xfrm>
             <a:off x="487800" y="3458520"/>
-            <a:ext cx="3310200" cy="2553840"/>
+            <a:ext cx="3309840" cy="2553480"/>
           </a:xfrm>
           <a:prstGeom prst="rect">
             <a:avLst/>
@@ -6090,7 +6323,7 @@
       </p:pic>
       <p:sp>
         <p:nvSpPr>
-          <p:cNvPr id="144" name="Прямая соединительная линия 9"/>
+          <p:cNvPr id="138" name="Прямая соединительная линия 9"/>
           <p:cNvSpPr/>
           <p:nvPr/>
         </p:nvSpPr>
@@ -6120,10 +6353,23 @@
           </a:effectRef>
           <a:fontRef idx="minor"/>
         </p:style>
+        <p:txBody>
+          <a:bodyPr lIns="90000" rIns="90000" tIns="45000" bIns="45000" anchor="t" anchorCtr="1">
+            <a:noAutofit/>
+          </a:bodyPr>
+          <a:p>
+            <a:endParaRPr b="0" lang="en-AU" sz="1800" spc="-1" strike="noStrike">
+              <a:solidFill>
+                <a:srgbClr val="000000"/>
+              </a:solidFill>
+              <a:latin typeface="Arial"/>
+            </a:endParaRPr>
+          </a:p>
+        </p:txBody>
       </p:sp>
       <p:pic>
         <p:nvPicPr>
-          <p:cNvPr id="145" name="Рисунок 11" descr=""/>
+          <p:cNvPr id="139" name="Рисунок 11" descr=""/>
           <p:cNvPicPr/>
           <p:nvPr/>
         </p:nvPicPr>
@@ -6134,7 +6380,7 @@
         <p:spPr>
           <a:xfrm>
             <a:off x="4926960" y="3930120"/>
-            <a:ext cx="6997320" cy="1480320"/>
+            <a:ext cx="6996960" cy="1479960"/>
           </a:xfrm>
           <a:prstGeom prst="rect">
             <a:avLst/>
@@ -6146,20 +6392,25 @@
       </p:pic>
       <p:sp>
         <p:nvSpPr>
-          <p:cNvPr id="146" name="Прямая со стрелкой 13"/>
+          <p:cNvPr id="140" name="Прямая со стрелкой 13"/>
           <p:cNvSpPr/>
           <p:nvPr/>
         </p:nvSpPr>
         <p:spPr>
           <a:xfrm>
             <a:off x="3587400" y="4053960"/>
-            <a:ext cx="1884600" cy="1108440"/>
+            <a:ext cx="1884240" cy="1108080"/>
           </a:xfrm>
           <a:custGeom>
             <a:avLst/>
-            <a:gdLst/>
+            <a:gdLst>
+              <a:gd name="textAreaLeft" fmla="*/ 0 w 1884240"/>
+              <a:gd name="textAreaRight" fmla="*/ 1884600 w 1884240"/>
+              <a:gd name="textAreaTop" fmla="*/ 0 h 1108080"/>
+              <a:gd name="textAreaBottom" fmla="*/ 1108440 h 1108080"/>
+            </a:gdLst>
             <a:ahLst/>
-            <a:rect l="l" t="t" r="r" b="b"/>
+            <a:rect l="textAreaLeft" t="textAreaTop" r="textAreaRight" b="textAreaBottom"/>
             <a:pathLst>
               <a:path w="21600" h="21600">
                 <a:moveTo>
@@ -6191,6 +6442,19 @@
           </a:effectRef>
           <a:fontRef idx="minor"/>
         </p:style>
+        <p:txBody>
+          <a:bodyPr lIns="90000" rIns="90000" tIns="45000" bIns="45000" anchor="t">
+            <a:noAutofit/>
+          </a:bodyPr>
+          <a:p>
+            <a:endParaRPr b="0" lang="en-AU" sz="1800" spc="-1" strike="noStrike">
+              <a:solidFill>
+                <a:srgbClr val="000000"/>
+              </a:solidFill>
+              <a:latin typeface="Arial"/>
+            </a:endParaRPr>
+          </a:p>
+        </p:txBody>
       </p:sp>
     </p:spTree>
   </p:cSld>
@@ -6239,7 +6503,7 @@
       </p:grpSpPr>
       <p:sp>
         <p:nvSpPr>
-          <p:cNvPr id="147" name="PlaceHolder 1"/>
+          <p:cNvPr id="141" name="PlaceHolder 1"/>
           <p:cNvSpPr>
             <a:spLocks noGrp="1"/>
           </p:cNvSpPr>
@@ -6250,7 +6514,7 @@
         <p:spPr>
           <a:xfrm>
             <a:off x="0" y="0"/>
-            <a:ext cx="12191760" cy="6857640"/>
+            <a:ext cx="12191400" cy="6857280"/>
           </a:xfrm>
           <a:prstGeom prst="rect">
             <a:avLst/>
@@ -6261,17 +6525,18 @@
           </a:ln>
         </p:spPr>
         <p:txBody>
-          <a:bodyPr anchor="ctr">
+          <a:bodyPr lIns="90000" rIns="90000" tIns="45000" bIns="45000" anchor="ctr">
             <a:normAutofit/>
           </a:bodyPr>
           <a:p>
-            <a:pPr algn="ctr">
+            <a:pPr indent="0" algn="ctr">
               <a:lnSpc>
                 <a:spcPct val="90000"/>
               </a:lnSpc>
               <a:spcBef>
                 <a:spcPts val="1001"/>
               </a:spcBef>
+              <a:buNone/>
               <a:tabLst>
                 <a:tab algn="l" pos="0"/>
               </a:tabLst>
@@ -6303,11 +6568,11 @@
               </a:rPr>
               <a:t>Генерация сигналов</a:t>
             </a:r>
-            <a:endParaRPr b="0" lang="en-US" sz="4400" spc="-1" strike="noStrike">
-              <a:solidFill>
-                <a:srgbClr val="000000"/>
-              </a:solidFill>
-              <a:latin typeface="Roboto Light"/>
+            <a:endParaRPr b="0" lang="en-AU" sz="4400" spc="-1" strike="noStrike">
+              <a:solidFill>
+                <a:srgbClr val="000000"/>
+              </a:solidFill>
+              <a:latin typeface="Arial"/>
             </a:endParaRPr>
           </a:p>
         </p:txBody>
@@ -6344,7 +6609,7 @@
       </p:grpSpPr>
       <p:sp>
         <p:nvSpPr>
-          <p:cNvPr id="148" name="PlaceHolder 1"/>
+          <p:cNvPr id="142" name="PlaceHolder 1"/>
           <p:cNvSpPr>
             <a:spLocks noGrp="1"/>
           </p:cNvSpPr>
@@ -6355,7 +6620,7 @@
         <p:spPr>
           <a:xfrm>
             <a:off x="334080" y="1080000"/>
-            <a:ext cx="11529000" cy="5439600"/>
+            <a:ext cx="11528640" cy="5439240"/>
           </a:xfrm>
           <a:prstGeom prst="rect">
             <a:avLst/>
@@ -6366,7 +6631,7 @@
           </a:ln>
         </p:spPr>
         <p:txBody>
-          <a:bodyPr anchor="t">
+          <a:bodyPr lIns="90000" rIns="90000" tIns="45000" bIns="45000" anchor="t">
             <a:noAutofit/>
           </a:bodyPr>
           <a:p>
@@ -6392,43 +6657,45 @@
               </a:rPr>
               <a:t>Для передачи данных между потоками, необходимо создать сигнал.</a:t>
             </a:r>
-            <a:endParaRPr b="0" lang="en-US" sz="2800" spc="-1" strike="noStrike">
-              <a:solidFill>
-                <a:srgbClr val="000000"/>
-              </a:solidFill>
-              <a:latin typeface="Roboto Light"/>
-            </a:endParaRPr>
-          </a:p>
-          <a:p>
-            <a:pPr>
+            <a:endParaRPr b="0" lang="en-AU" sz="2800" spc="-1" strike="noStrike">
+              <a:solidFill>
+                <a:srgbClr val="000000"/>
+              </a:solidFill>
+              <a:latin typeface="Arial"/>
+            </a:endParaRPr>
+          </a:p>
+          <a:p>
+            <a:pPr indent="0">
               <a:lnSpc>
                 <a:spcPct val="90000"/>
               </a:lnSpc>
               <a:spcBef>
                 <a:spcPts val="1001"/>
               </a:spcBef>
-            </a:pPr>
-            <a:endParaRPr b="0" lang="en-US" sz="2800" spc="-1" strike="noStrike">
-              <a:solidFill>
-                <a:srgbClr val="000000"/>
-              </a:solidFill>
-              <a:latin typeface="Roboto Light"/>
-            </a:endParaRPr>
-          </a:p>
-          <a:p>
-            <a:pPr>
+              <a:buNone/>
+            </a:pPr>
+            <a:endParaRPr b="0" lang="en-AU" sz="2800" spc="-1" strike="noStrike">
+              <a:solidFill>
+                <a:srgbClr val="000000"/>
+              </a:solidFill>
+              <a:latin typeface="Arial"/>
+            </a:endParaRPr>
+          </a:p>
+          <a:p>
+            <a:pPr indent="0">
               <a:lnSpc>
                 <a:spcPct val="90000"/>
               </a:lnSpc>
               <a:spcBef>
                 <a:spcPts val="1001"/>
               </a:spcBef>
-            </a:pPr>
-            <a:endParaRPr b="0" lang="en-US" sz="2800" spc="-1" strike="noStrike">
-              <a:solidFill>
-                <a:srgbClr val="000000"/>
-              </a:solidFill>
-              <a:latin typeface="Roboto Light"/>
+              <a:buNone/>
+            </a:pPr>
+            <a:endParaRPr b="0" lang="en-AU" sz="2800" spc="-1" strike="noStrike">
+              <a:solidFill>
+                <a:srgbClr val="000000"/>
+              </a:solidFill>
+              <a:latin typeface="Arial"/>
             </a:endParaRPr>
           </a:p>
           <a:p>
@@ -6472,18 +6739,18 @@
               </a:rPr>
               <a:t>и отправить нужные данные:</a:t>
             </a:r>
-            <a:endParaRPr b="0" lang="en-US" sz="2800" spc="-1" strike="noStrike">
-              <a:solidFill>
-                <a:srgbClr val="000000"/>
-              </a:solidFill>
-              <a:latin typeface="Roboto Light"/>
-            </a:endParaRPr>
-          </a:p>
-        </p:txBody>
-      </p:sp>
-      <p:sp>
-        <p:nvSpPr>
-          <p:cNvPr id="149" name="PlaceHolder 2"/>
+            <a:endParaRPr b="0" lang="en-AU" sz="2800" spc="-1" strike="noStrike">
+              <a:solidFill>
+                <a:srgbClr val="000000"/>
+              </a:solidFill>
+              <a:latin typeface="Arial"/>
+            </a:endParaRPr>
+          </a:p>
+        </p:txBody>
+      </p:sp>
+      <p:sp>
+        <p:nvSpPr>
+          <p:cNvPr id="143" name="PlaceHolder 2"/>
           <p:cNvSpPr>
             <a:spLocks noGrp="1"/>
           </p:cNvSpPr>
@@ -6494,7 +6761,7 @@
         <p:spPr>
           <a:xfrm>
             <a:off x="0" y="0"/>
-            <a:ext cx="12191760" cy="719640"/>
+            <a:ext cx="12191400" cy="719280"/>
           </a:xfrm>
           <a:prstGeom prst="rect">
             <a:avLst/>
@@ -6507,14 +6774,15 @@
           </a:ln>
         </p:spPr>
         <p:txBody>
-          <a:bodyPr anchor="ctr">
+          <a:bodyPr lIns="90000" rIns="90000" tIns="45000" bIns="45000" anchor="ctr">
             <a:normAutofit/>
           </a:bodyPr>
           <a:p>
-            <a:pPr algn="ctr">
+            <a:pPr indent="0" algn="ctr">
               <a:lnSpc>
                 <a:spcPct val="90000"/>
               </a:lnSpc>
+              <a:buNone/>
             </a:pPr>
             <a:r>
               <a:rPr b="1" lang="ru-RU" sz="2800" spc="-1" strike="noStrike">
@@ -6546,18 +6814,18 @@
               </a:rPr>
               <a:t>.</a:t>
             </a:r>
-            <a:endParaRPr b="0" lang="en-US" sz="2800" spc="-1" strike="noStrike">
-              <a:solidFill>
-                <a:srgbClr val="000000"/>
-              </a:solidFill>
-              <a:latin typeface="Roboto Light"/>
+            <a:endParaRPr b="0" lang="en-AU" sz="2800" spc="-1" strike="noStrike">
+              <a:solidFill>
+                <a:srgbClr val="000000"/>
+              </a:solidFill>
+              <a:latin typeface="Arial"/>
             </a:endParaRPr>
           </a:p>
         </p:txBody>
       </p:sp>
       <p:pic>
         <p:nvPicPr>
-          <p:cNvPr id="150" name="Рисунок 6" descr=""/>
+          <p:cNvPr id="144" name="Рисунок 6" descr=""/>
           <p:cNvPicPr/>
           <p:nvPr/>
         </p:nvPicPr>
@@ -6568,7 +6836,7 @@
         <p:spPr>
           <a:xfrm>
             <a:off x="650160" y="1967040"/>
-            <a:ext cx="5097600" cy="916560"/>
+            <a:ext cx="5097240" cy="916200"/>
           </a:xfrm>
           <a:prstGeom prst="rect">
             <a:avLst/>
@@ -6580,7 +6848,7 @@
       </p:pic>
       <p:pic>
         <p:nvPicPr>
-          <p:cNvPr id="151" name="Рисунок 8" descr=""/>
+          <p:cNvPr id="145" name="Рисунок 8" descr=""/>
           <p:cNvPicPr/>
           <p:nvPr/>
         </p:nvPicPr>
@@ -6591,7 +6859,7 @@
         <p:spPr>
           <a:xfrm>
             <a:off x="650160" y="3566880"/>
-            <a:ext cx="4723200" cy="2270160"/>
+            <a:ext cx="4722840" cy="2269800"/>
           </a:xfrm>
           <a:prstGeom prst="rect">
             <a:avLst/>
@@ -6603,7 +6871,7 @@
       </p:pic>
       <p:pic>
         <p:nvPicPr>
-          <p:cNvPr id="152" name="Рисунок 9" descr=""/>
+          <p:cNvPr id="146" name="Рисунок 9" descr=""/>
           <p:cNvPicPr/>
           <p:nvPr/>
         </p:nvPicPr>
@@ -6614,7 +6882,7 @@
         <p:spPr>
           <a:xfrm>
             <a:off x="5570640" y="4870800"/>
-            <a:ext cx="6287040" cy="965880"/>
+            <a:ext cx="6286680" cy="965520"/>
           </a:xfrm>
           <a:prstGeom prst="rect">
             <a:avLst/>
@@ -6626,14 +6894,14 @@
       </p:pic>
       <p:sp>
         <p:nvSpPr>
-          <p:cNvPr id="153" name="TextBox 10"/>
+          <p:cNvPr id="147" name="TextBox 10"/>
           <p:cNvSpPr/>
           <p:nvPr/>
         </p:nvSpPr>
         <p:spPr>
           <a:xfrm>
             <a:off x="5690160" y="3847680"/>
-            <a:ext cx="5858280" cy="943560"/>
+            <a:ext cx="5857920" cy="942840"/>
           </a:xfrm>
           <a:prstGeom prst="rect">
             <a:avLst/>
@@ -6670,10 +6938,14 @@
                   <a:srgbClr val="000000"/>
                 </a:solidFill>
                 <a:latin typeface="Roboto Light"/>
+                <a:ea typeface="DejaVu Sans"/>
               </a:rPr>
               <a:t>Обработать поступивший сигнал в основном потоке</a:t>
             </a:r>
-            <a:endParaRPr b="0" lang="ru-RU" sz="2800" spc="-1" strike="noStrike">
+            <a:endParaRPr b="0" lang="en-AU" sz="2800" spc="-1" strike="noStrike">
+              <a:solidFill>
+                <a:srgbClr val="000000"/>
+              </a:solidFill>
               <a:latin typeface="Arial"/>
             </a:endParaRPr>
           </a:p>
@@ -6726,7 +6998,7 @@
       </p:grpSpPr>
       <p:sp>
         <p:nvSpPr>
-          <p:cNvPr id="154" name="PlaceHolder 1"/>
+          <p:cNvPr id="148" name="PlaceHolder 1"/>
           <p:cNvSpPr>
             <a:spLocks noGrp="1"/>
           </p:cNvSpPr>
@@ -6737,7 +7009,7 @@
         <p:spPr>
           <a:xfrm>
             <a:off x="0" y="0"/>
-            <a:ext cx="12191760" cy="6857640"/>
+            <a:ext cx="12191400" cy="6857280"/>
           </a:xfrm>
           <a:prstGeom prst="rect">
             <a:avLst/>
@@ -6748,17 +7020,18 @@
           </a:ln>
         </p:spPr>
         <p:txBody>
-          <a:bodyPr anchor="ctr">
+          <a:bodyPr lIns="90000" rIns="90000" tIns="45000" bIns="45000" anchor="ctr">
             <a:normAutofit/>
           </a:bodyPr>
           <a:p>
-            <a:pPr algn="ctr">
+            <a:pPr indent="0" algn="ctr">
               <a:lnSpc>
                 <a:spcPct val="90000"/>
               </a:lnSpc>
               <a:spcBef>
                 <a:spcPts val="1001"/>
               </a:spcBef>
+              <a:buNone/>
               <a:tabLst>
                 <a:tab algn="l" pos="0"/>
               </a:tabLst>
@@ -6772,11 +7045,11 @@
               </a:rPr>
               <a:t>Спасибо за внимание!</a:t>
             </a:r>
-            <a:endParaRPr b="0" lang="en-US" sz="3600" spc="-1" strike="noStrike">
-              <a:solidFill>
-                <a:srgbClr val="000000"/>
-              </a:solidFill>
-              <a:latin typeface="Roboto Light"/>
+            <a:endParaRPr b="0" lang="en-AU" sz="3600" spc="-1" strike="noStrike">
+              <a:solidFill>
+                <a:srgbClr val="000000"/>
+              </a:solidFill>
+              <a:latin typeface="Arial"/>
             </a:endParaRPr>
           </a:p>
         </p:txBody>
@@ -6820,7 +7093,7 @@
       </p:grpSpPr>
       <p:sp>
         <p:nvSpPr>
-          <p:cNvPr id="85" name="PlaceHolder 1"/>
+          <p:cNvPr id="79" name="PlaceHolder 1"/>
           <p:cNvSpPr>
             <a:spLocks noGrp="1"/>
           </p:cNvSpPr>
@@ -6831,7 +7104,7 @@
         <p:spPr>
           <a:xfrm>
             <a:off x="0" y="0"/>
-            <a:ext cx="12191760" cy="1439640"/>
+            <a:ext cx="12191400" cy="1439280"/>
           </a:xfrm>
           <a:prstGeom prst="rect">
             <a:avLst/>
@@ -6844,14 +7117,15 @@
           </a:ln>
         </p:spPr>
         <p:txBody>
-          <a:bodyPr anchor="ctr">
+          <a:bodyPr lIns="90000" rIns="90000" tIns="45000" bIns="45000" anchor="ctr">
             <a:noAutofit/>
           </a:bodyPr>
           <a:p>
-            <a:pPr algn="ctr">
+            <a:pPr indent="0" algn="ctr">
               <a:lnSpc>
                 <a:spcPct val="90000"/>
               </a:lnSpc>
+              <a:buNone/>
             </a:pPr>
             <a:r>
               <a:rPr b="0" lang="ru-RU" sz="4400" spc="-1" strike="noStrike">
@@ -6863,25 +7137,25 @@
               </a:rPr>
               <a:t>Учебные вопросы</a:t>
             </a:r>
-            <a:endParaRPr b="0" lang="en-US" sz="4400" spc="-1" strike="noStrike">
-              <a:solidFill>
-                <a:srgbClr val="000000"/>
-              </a:solidFill>
-              <a:latin typeface="Roboto Light"/>
-            </a:endParaRPr>
-          </a:p>
-        </p:txBody>
-      </p:sp>
-      <p:sp>
-        <p:nvSpPr>
-          <p:cNvPr id="86" name="Объект 2"/>
+            <a:endParaRPr b="0" lang="en-AU" sz="4400" spc="-1" strike="noStrike">
+              <a:solidFill>
+                <a:srgbClr val="000000"/>
+              </a:solidFill>
+              <a:latin typeface="Arial"/>
+            </a:endParaRPr>
+          </a:p>
+        </p:txBody>
+      </p:sp>
+      <p:sp>
+        <p:nvSpPr>
+          <p:cNvPr id="80" name="Объект 2"/>
           <p:cNvSpPr/>
           <p:nvPr/>
         </p:nvSpPr>
         <p:spPr>
           <a:xfrm>
             <a:off x="1141560" y="2249640"/>
-            <a:ext cx="10950120" cy="3541320"/>
+            <a:ext cx="10949760" cy="3540960"/>
           </a:xfrm>
           <a:prstGeom prst="rect">
             <a:avLst/>
@@ -6898,7 +7172,7 @@
           <a:fontRef idx="minor"/>
         </p:style>
         <p:txBody>
-          <a:bodyPr anchor="t">
+          <a:bodyPr lIns="90000" rIns="90000" tIns="45000" bIns="45000" anchor="t">
             <a:normAutofit/>
           </a:bodyPr>
           <a:p>
@@ -6921,10 +7195,14 @@
                   <a:srgbClr val="000000"/>
                 </a:solidFill>
                 <a:latin typeface="Roboto Light"/>
+                <a:ea typeface="DejaVu Sans"/>
               </a:rPr>
               <a:t>Понятие сигналов и слотов</a:t>
             </a:r>
-            <a:endParaRPr b="0" lang="ru-RU" sz="3200" spc="-1" strike="noStrike">
+            <a:endParaRPr b="0" lang="en-AU" sz="3200" spc="-1" strike="noStrike">
+              <a:solidFill>
+                <a:srgbClr val="000000"/>
+              </a:solidFill>
               <a:latin typeface="Arial"/>
             </a:endParaRPr>
           </a:p>
@@ -6948,6 +7226,7 @@
                   <a:srgbClr val="000000"/>
                 </a:solidFill>
                 <a:latin typeface="Roboto Light"/>
+                <a:ea typeface="DejaVu Sans"/>
               </a:rPr>
               <a:t>Потоки </a:t>
             </a:r>
@@ -6957,10 +7236,14 @@
                   <a:srgbClr val="000000"/>
                 </a:solidFill>
                 <a:latin typeface="Roboto Light"/>
+                <a:ea typeface="DejaVu Sans"/>
               </a:rPr>
               <a:t>QThread</a:t>
             </a:r>
-            <a:endParaRPr b="0" lang="ru-RU" sz="3200" spc="-1" strike="noStrike">
+            <a:endParaRPr b="0" lang="en-AU" sz="3200" spc="-1" strike="noStrike">
+              <a:solidFill>
+                <a:srgbClr val="000000"/>
+              </a:solidFill>
               <a:latin typeface="Arial"/>
             </a:endParaRPr>
           </a:p>
@@ -6984,10 +7267,14 @@
                   <a:srgbClr val="000000"/>
                 </a:solidFill>
                 <a:latin typeface="Roboto Light"/>
+                <a:ea typeface="DejaVu Sans"/>
               </a:rPr>
               <a:t>Генерация сигналов</a:t>
             </a:r>
-            <a:endParaRPr b="0" lang="ru-RU" sz="3200" spc="-1" strike="noStrike">
+            <a:endParaRPr b="0" lang="en-AU" sz="3200" spc="-1" strike="noStrike">
+              <a:solidFill>
+                <a:srgbClr val="000000"/>
+              </a:solidFill>
               <a:latin typeface="Arial"/>
             </a:endParaRPr>
           </a:p>
@@ -7003,7 +7290,10 @@
                 <a:tab algn="l" pos="0"/>
               </a:tabLst>
             </a:pPr>
-            <a:endParaRPr b="0" lang="ru-RU" sz="3200" spc="-1" strike="noStrike">
+            <a:endParaRPr b="0" lang="en-AU" sz="3200" spc="-1" strike="noStrike">
+              <a:solidFill>
+                <a:srgbClr val="000000"/>
+              </a:solidFill>
               <a:latin typeface="Arial"/>
             </a:endParaRPr>
           </a:p>
@@ -7041,7 +7331,7 @@
       </p:grpSpPr>
       <p:sp>
         <p:nvSpPr>
-          <p:cNvPr id="87" name="PlaceHolder 1"/>
+          <p:cNvPr id="81" name="PlaceHolder 1"/>
           <p:cNvSpPr>
             <a:spLocks noGrp="1"/>
           </p:cNvSpPr>
@@ -7052,7 +7342,7 @@
         <p:spPr>
           <a:xfrm>
             <a:off x="0" y="0"/>
-            <a:ext cx="12191760" cy="1439640"/>
+            <a:ext cx="12191400" cy="1439280"/>
           </a:xfrm>
           <a:prstGeom prst="rect">
             <a:avLst/>
@@ -7065,14 +7355,15 @@
           </a:ln>
         </p:spPr>
         <p:txBody>
-          <a:bodyPr anchor="ctr">
+          <a:bodyPr lIns="90000" rIns="90000" tIns="45000" bIns="45000" anchor="ctr">
             <a:noAutofit/>
           </a:bodyPr>
           <a:p>
-            <a:pPr algn="ctr">
+            <a:pPr indent="0" algn="ctr">
               <a:lnSpc>
                 <a:spcPct val="90000"/>
               </a:lnSpc>
+              <a:buNone/>
             </a:pPr>
             <a:r>
               <a:rPr b="0" lang="ru-RU" sz="4400" spc="-1" strike="noStrike">
@@ -7083,18 +7374,18 @@
               </a:rPr>
               <a:t>Источники</a:t>
             </a:r>
-            <a:endParaRPr b="0" lang="en-US" sz="4400" spc="-1" strike="noStrike">
-              <a:solidFill>
-                <a:srgbClr val="000000"/>
-              </a:solidFill>
-              <a:latin typeface="Roboto Light"/>
-            </a:endParaRPr>
-          </a:p>
-        </p:txBody>
-      </p:sp>
-      <p:sp>
-        <p:nvSpPr>
-          <p:cNvPr id="88" name="PlaceHolder 2"/>
+            <a:endParaRPr b="0" lang="en-AU" sz="4400" spc="-1" strike="noStrike">
+              <a:solidFill>
+                <a:srgbClr val="000000"/>
+              </a:solidFill>
+              <a:latin typeface="Arial"/>
+            </a:endParaRPr>
+          </a:p>
+        </p:txBody>
+      </p:sp>
+      <p:sp>
+        <p:nvSpPr>
+          <p:cNvPr id="82" name="PlaceHolder 2"/>
           <p:cNvSpPr>
             <a:spLocks noGrp="1"/>
           </p:cNvSpPr>
@@ -7105,7 +7396,7 @@
         <p:spPr>
           <a:xfrm>
             <a:off x="838080" y="1825560"/>
-            <a:ext cx="10515240" cy="4350960"/>
+            <a:ext cx="10514880" cy="4350600"/>
           </a:xfrm>
           <a:prstGeom prst="rect">
             <a:avLst/>
@@ -7116,7 +7407,7 @@
           </a:ln>
         </p:spPr>
         <p:txBody>
-          <a:bodyPr anchor="t">
+          <a:bodyPr lIns="90000" rIns="90000" tIns="45000" bIns="45000" anchor="t">
             <a:noAutofit/>
           </a:bodyPr>
           <a:p>
@@ -7145,7 +7436,7 @@
             <a:r>
               <a:rPr b="0" lang="en-US" sz="2800" spc="-1" strike="noStrike" u="sng">
                 <a:solidFill>
-                  <a:srgbClr val="e2f0d9"/>
+                  <a:srgbClr val="0563c1"/>
                 </a:solidFill>
                 <a:uFillTx/>
                 <a:latin typeface="Roboto Light"/>
@@ -7153,11 +7444,11 @@
               </a:rPr>
               <a:t>https://doc.qt.io/qtforpython</a:t>
             </a:r>
-            <a:endParaRPr b="0" lang="en-US" sz="2800" spc="-1" strike="noStrike">
-              <a:solidFill>
-                <a:srgbClr val="000000"/>
-              </a:solidFill>
-              <a:latin typeface="Roboto Light"/>
+            <a:endParaRPr b="0" lang="en-AU" sz="2800" spc="-1" strike="noStrike">
+              <a:solidFill>
+                <a:srgbClr val="000000"/>
+              </a:solidFill>
+              <a:latin typeface="Arial"/>
             </a:endParaRPr>
           </a:p>
           <a:p>
@@ -7201,24 +7492,24 @@
               </a:rPr>
               <a:t>г. </a:t>
             </a:r>
-            <a:endParaRPr b="0" lang="en-US" sz="2800" spc="-1" strike="noStrike">
-              <a:solidFill>
-                <a:srgbClr val="000000"/>
-              </a:solidFill>
-              <a:latin typeface="Roboto Light"/>
+            <a:endParaRPr b="0" lang="en-AU" sz="2800" spc="-1" strike="noStrike">
+              <a:solidFill>
+                <a:srgbClr val="000000"/>
+              </a:solidFill>
+              <a:latin typeface="Arial"/>
             </a:endParaRPr>
           </a:p>
         </p:txBody>
       </p:sp>
       <p:graphicFrame>
         <p:nvGraphicFramePr>
-          <p:cNvPr id="89" name="Таблица 4"/>
+          <p:cNvPr id="83" name="Таблица 4"/>
           <p:cNvGraphicFramePr/>
           <p:nvPr/>
         </p:nvGraphicFramePr>
         <p:xfrm>
           <a:off x="1056960" y="3569400"/>
-          <a:ext cx="9991800" cy="2694960"/>
+          <a:ext cx="9991440" cy="3072600"/>
         </p:xfrm>
         <a:graphic>
           <a:graphicData uri="http://schemas.openxmlformats.org/drawingml/2006/table">
@@ -7253,7 +7544,10 @@
                         </a:rPr>
                         <a:t>Используемые в курсе инструменты для разработки</a:t>
                       </a:r>
-                      <a:endParaRPr b="0" lang="ru-RU" sz="1800" spc="-1" strike="noStrike">
+                      <a:endParaRPr b="0" lang="en-AU" sz="1800" spc="-1" strike="noStrike">
+                        <a:solidFill>
+                          <a:srgbClr val="000000"/>
+                        </a:solidFill>
                         <a:latin typeface="Arial"/>
                       </a:endParaRPr>
                     </a:p>
@@ -7285,14 +7579,64 @@
                   </a:tcPr>
                 </a:tc>
                 <a:tc hMerge="1">
+                  <a:txBody>
+                    <a:bodyPr lIns="90000" rIns="90000" tIns="45000" bIns="45000" anchor="t">
+                      <a:noAutofit/>
+                    </a:bodyPr>
+                    <a:p>
+                      <a:endParaRPr b="0" lang="en-AU" sz="1800" spc="-1" strike="noStrike">
+                        <a:solidFill>
+                          <a:srgbClr val="000000"/>
+                        </a:solidFill>
+                        <a:latin typeface="Arial"/>
+                      </a:endParaRPr>
+                    </a:p>
+                  </a:txBody>
                   <a:tcPr anchor="t" marL="90000" marR="90000">
+                    <a:lnL>
+                      <a:noFill/>
+                    </a:lnL>
+                    <a:lnR>
+                      <a:noFill/>
+                    </a:lnR>
+                    <a:lnT>
+                      <a:noFill/>
+                    </a:lnT>
+                    <a:lnB>
+                      <a:noFill/>
+                    </a:lnB>
                     <a:solidFill>
                       <a:srgbClr val="729fcf"/>
                     </a:solidFill>
                   </a:tcPr>
                 </a:tc>
                 <a:tc hMerge="1">
+                  <a:txBody>
+                    <a:bodyPr lIns="90000" rIns="90000" tIns="45000" bIns="45000" anchor="t">
+                      <a:noAutofit/>
+                    </a:bodyPr>
+                    <a:p>
+                      <a:endParaRPr b="0" lang="en-AU" sz="1800" spc="-1" strike="noStrike">
+                        <a:solidFill>
+                          <a:srgbClr val="000000"/>
+                        </a:solidFill>
+                        <a:latin typeface="Arial"/>
+                      </a:endParaRPr>
+                    </a:p>
+                  </a:txBody>
                   <a:tcPr anchor="t" marL="90000" marR="90000">
+                    <a:lnL>
+                      <a:noFill/>
+                    </a:lnL>
+                    <a:lnR>
+                      <a:noFill/>
+                    </a:lnR>
+                    <a:lnT>
+                      <a:noFill/>
+                    </a:lnT>
+                    <a:lnB>
+                      <a:noFill/>
+                    </a:lnB>
                     <a:solidFill>
                       <a:srgbClr val="729fcf"/>
                     </a:solidFill>
@@ -7320,7 +7664,10 @@
                         </a:rPr>
                         <a:t>IDE</a:t>
                       </a:r>
-                      <a:endParaRPr b="0" lang="ru-RU" sz="1800" spc="-1" strike="noStrike">
+                      <a:endParaRPr b="0" lang="en-AU" sz="1800" spc="-1" strike="noStrike">
+                        <a:solidFill>
+                          <a:srgbClr val="000000"/>
+                        </a:solidFill>
                         <a:latin typeface="Arial"/>
                       </a:endParaRPr>
                     </a:p>
@@ -7369,7 +7716,10 @@
                         </a:rPr>
                         <a:t>PyCharm CE</a:t>
                       </a:r>
-                      <a:endParaRPr b="0" lang="ru-RU" sz="1800" spc="-1" strike="noStrike">
+                      <a:endParaRPr b="0" lang="en-AU" sz="1800" spc="-1" strike="noStrike">
+                        <a:solidFill>
+                          <a:srgbClr val="000000"/>
+                        </a:solidFill>
                         <a:latin typeface="Arial"/>
                       </a:endParaRPr>
                     </a:p>
@@ -7420,7 +7770,10 @@
                         </a:rPr>
                         <a:t>https://www.jetbrains.com/pycharm/download</a:t>
                       </a:r>
-                      <a:endParaRPr b="0" lang="ru-RU" sz="1800" spc="-1" strike="noStrike">
+                      <a:endParaRPr b="0" lang="en-AU" sz="1800" spc="-1" strike="noStrike">
+                        <a:solidFill>
+                          <a:srgbClr val="000000"/>
+                        </a:solidFill>
                         <a:latin typeface="Arial"/>
                       </a:endParaRPr>
                     </a:p>
@@ -7474,7 +7827,10 @@
                         </a:rPr>
                         <a:t>Окружение</a:t>
                       </a:r>
-                      <a:endParaRPr b="0" lang="ru-RU" sz="1800" spc="-1" strike="noStrike">
+                      <a:endParaRPr b="0" lang="en-AU" sz="1800" spc="-1" strike="noStrike">
+                        <a:solidFill>
+                          <a:srgbClr val="000000"/>
+                        </a:solidFill>
                         <a:latin typeface="Arial"/>
                       </a:endParaRPr>
                     </a:p>
@@ -7526,7 +7882,10 @@
                         </a:rPr>
                         <a:t>Virtualenv</a:t>
                       </a:r>
-                      <a:endParaRPr b="0" lang="ru-RU" sz="1800" spc="-1" strike="noStrike">
+                      <a:endParaRPr b="0" lang="en-AU" sz="1800" spc="-1" strike="noStrike">
+                        <a:solidFill>
+                          <a:srgbClr val="000000"/>
+                        </a:solidFill>
                         <a:latin typeface="Arial"/>
                       </a:endParaRPr>
                     </a:p>
@@ -7580,7 +7939,10 @@
                         </a:rPr>
                         <a:t>https://docs.python.org/3/library/venv.html</a:t>
                       </a:r>
-                      <a:endParaRPr b="0" lang="ru-RU" sz="1800" spc="-1" strike="noStrike">
+                      <a:endParaRPr b="0" lang="en-AU" sz="1800" spc="-1" strike="noStrike">
+                        <a:solidFill>
+                          <a:srgbClr val="000000"/>
+                        </a:solidFill>
                         <a:latin typeface="Arial"/>
                       </a:endParaRPr>
                     </a:p>
@@ -7649,7 +8011,10 @@
                         </a:rPr>
                         <a:t>(рекомендовано)</a:t>
                       </a:r>
-                      <a:endParaRPr b="0" lang="ru-RU" sz="1400" spc="-1" strike="noStrike">
+                      <a:endParaRPr b="0" lang="en-AU" sz="1400" spc="-1" strike="noStrike">
+                        <a:solidFill>
+                          <a:srgbClr val="000000"/>
+                        </a:solidFill>
                         <a:latin typeface="Arial"/>
                       </a:endParaRPr>
                     </a:p>
@@ -7698,7 +8063,10 @@
                         </a:rPr>
                         <a:t>GIT</a:t>
                       </a:r>
-                      <a:endParaRPr b="0" lang="ru-RU" sz="1800" spc="-1" strike="noStrike">
+                      <a:endParaRPr b="0" lang="en-AU" sz="1800" spc="-1" strike="noStrike">
+                        <a:solidFill>
+                          <a:srgbClr val="000000"/>
+                        </a:solidFill>
                         <a:latin typeface="Arial"/>
                       </a:endParaRPr>
                     </a:p>
@@ -7749,7 +8117,10 @@
                         </a:rPr>
                         <a:t>https://git-scm.com</a:t>
                       </a:r>
-                      <a:endParaRPr b="0" lang="ru-RU" sz="1800" spc="-1" strike="noStrike">
+                      <a:endParaRPr b="0" lang="en-AU" sz="1800" spc="-1" strike="noStrike">
+                        <a:solidFill>
+                          <a:srgbClr val="000000"/>
+                        </a:solidFill>
                         <a:latin typeface="Arial"/>
                       </a:endParaRPr>
                     </a:p>
@@ -7800,7 +8171,10 @@
                         </a:rPr>
                         <a:t>Фреймворк</a:t>
                       </a:r>
-                      <a:endParaRPr b="0" lang="ru-RU" sz="1800" spc="-1" strike="noStrike">
+                      <a:endParaRPr b="0" lang="en-AU" sz="1800" spc="-1" strike="noStrike">
+                        <a:solidFill>
+                          <a:srgbClr val="000000"/>
+                        </a:solidFill>
                         <a:latin typeface="Arial"/>
                       </a:endParaRPr>
                     </a:p>
@@ -7849,7 +8223,10 @@
                         </a:rPr>
                         <a:t>PySide2</a:t>
                       </a:r>
-                      <a:endParaRPr b="0" lang="ru-RU" sz="1800" spc="-1" strike="noStrike">
+                      <a:endParaRPr b="0" lang="en-AU" sz="1800" spc="-1" strike="noStrike">
+                        <a:solidFill>
+                          <a:srgbClr val="000000"/>
+                        </a:solidFill>
                         <a:latin typeface="Arial"/>
                       </a:endParaRPr>
                     </a:p>
@@ -7900,7 +8277,10 @@
                         </a:rPr>
                         <a:t>https://doc.qt.io/qtforpython/</a:t>
                       </a:r>
-                      <a:endParaRPr b="0" lang="ru-RU" sz="1800" spc="-1" strike="noStrike">
+                      <a:endParaRPr b="0" lang="en-AU" sz="1800" spc="-1" strike="noStrike">
+                        <a:solidFill>
+                          <a:srgbClr val="000000"/>
+                        </a:solidFill>
                         <a:latin typeface="Arial"/>
                       </a:endParaRPr>
                     </a:p>
@@ -7981,7 +8361,7 @@
       </p:grpSpPr>
       <p:sp>
         <p:nvSpPr>
-          <p:cNvPr id="90" name="PlaceHolder 1"/>
+          <p:cNvPr id="84" name="PlaceHolder 1"/>
           <p:cNvSpPr>
             <a:spLocks noGrp="1"/>
           </p:cNvSpPr>
@@ -7992,7 +8372,7 @@
         <p:spPr>
           <a:xfrm>
             <a:off x="0" y="0"/>
-            <a:ext cx="12191760" cy="6857640"/>
+            <a:ext cx="12191400" cy="6857280"/>
           </a:xfrm>
           <a:prstGeom prst="rect">
             <a:avLst/>
@@ -8003,17 +8383,18 @@
           </a:ln>
         </p:spPr>
         <p:txBody>
-          <a:bodyPr anchor="ctr">
+          <a:bodyPr lIns="90000" rIns="90000" tIns="45000" bIns="45000" anchor="ctr">
             <a:normAutofit/>
           </a:bodyPr>
           <a:p>
-            <a:pPr algn="ctr">
+            <a:pPr indent="0" algn="ctr">
               <a:lnSpc>
                 <a:spcPct val="90000"/>
               </a:lnSpc>
               <a:spcBef>
                 <a:spcPts val="1001"/>
               </a:spcBef>
+              <a:buNone/>
               <a:tabLst>
                 <a:tab algn="l" pos="0"/>
               </a:tabLst>
@@ -8036,30 +8417,31 @@
               </a:rPr>
               <a:t>Понятие сигналов и слотов</a:t>
             </a:r>
-            <a:endParaRPr b="0" lang="en-US" sz="4400" spc="-1" strike="noStrike">
-              <a:solidFill>
-                <a:srgbClr val="000000"/>
-              </a:solidFill>
-              <a:latin typeface="Roboto Light"/>
-            </a:endParaRPr>
-          </a:p>
-          <a:p>
-            <a:pPr algn="ctr">
+            <a:endParaRPr b="0" lang="en-AU" sz="4400" spc="-1" strike="noStrike">
+              <a:solidFill>
+                <a:srgbClr val="000000"/>
+              </a:solidFill>
+              <a:latin typeface="Arial"/>
+            </a:endParaRPr>
+          </a:p>
+          <a:p>
+            <a:pPr indent="0" algn="ctr">
               <a:lnSpc>
                 <a:spcPct val="90000"/>
               </a:lnSpc>
               <a:spcBef>
                 <a:spcPts val="1001"/>
               </a:spcBef>
+              <a:buNone/>
               <a:tabLst>
                 <a:tab algn="l" pos="0"/>
               </a:tabLst>
             </a:pPr>
-            <a:endParaRPr b="0" lang="en-US" sz="4400" spc="-1" strike="noStrike">
-              <a:solidFill>
-                <a:srgbClr val="000000"/>
-              </a:solidFill>
-              <a:latin typeface="Roboto Light"/>
+            <a:endParaRPr b="0" lang="en-AU" sz="4400" spc="-1" strike="noStrike">
+              <a:solidFill>
+                <a:srgbClr val="000000"/>
+              </a:solidFill>
+              <a:latin typeface="Arial"/>
             </a:endParaRPr>
           </a:p>
         </p:txBody>
@@ -8103,7 +8485,7 @@
       </p:grpSpPr>
       <p:sp>
         <p:nvSpPr>
-          <p:cNvPr id="91" name="PlaceHolder 1"/>
+          <p:cNvPr id="85" name="PlaceHolder 1"/>
           <p:cNvSpPr>
             <a:spLocks noGrp="1"/>
           </p:cNvSpPr>
@@ -8114,7 +8496,7 @@
         <p:spPr>
           <a:xfrm>
             <a:off x="0" y="0"/>
-            <a:ext cx="12191760" cy="719640"/>
+            <a:ext cx="12191400" cy="719280"/>
           </a:xfrm>
           <a:prstGeom prst="rect">
             <a:avLst/>
@@ -8127,14 +8509,15 @@
           </a:ln>
         </p:spPr>
         <p:txBody>
-          <a:bodyPr anchor="ctr">
+          <a:bodyPr lIns="90000" rIns="90000" tIns="45000" bIns="45000" anchor="ctr">
             <a:normAutofit/>
           </a:bodyPr>
           <a:p>
-            <a:pPr algn="ctr">
+            <a:pPr indent="0" algn="ctr">
               <a:lnSpc>
                 <a:spcPct val="90000"/>
               </a:lnSpc>
+              <a:buNone/>
             </a:pPr>
             <a:r>
               <a:rPr b="1" lang="ru-RU" sz="2800" spc="-1" strike="noStrike">
@@ -8146,25 +8529,25 @@
               </a:rPr>
               <a:t>Понятие событийно-ориентированного программирование</a:t>
             </a:r>
-            <a:endParaRPr b="0" lang="en-US" sz="2800" spc="-1" strike="noStrike">
-              <a:solidFill>
-                <a:srgbClr val="000000"/>
-              </a:solidFill>
-              <a:latin typeface="Roboto Light"/>
-            </a:endParaRPr>
-          </a:p>
-        </p:txBody>
-      </p:sp>
-      <p:sp>
-        <p:nvSpPr>
-          <p:cNvPr id="92" name="Стрелка: вниз 4"/>
+            <a:endParaRPr b="0" lang="en-AU" sz="2800" spc="-1" strike="noStrike">
+              <a:solidFill>
+                <a:srgbClr val="000000"/>
+              </a:solidFill>
+              <a:latin typeface="Arial"/>
+            </a:endParaRPr>
+          </a:p>
+        </p:txBody>
+      </p:sp>
+      <p:sp>
+        <p:nvSpPr>
+          <p:cNvPr id="86" name="Стрелка: вниз 4"/>
           <p:cNvSpPr/>
           <p:nvPr/>
         </p:nvSpPr>
         <p:spPr>
           <a:xfrm rot="16200000">
-            <a:off x="1643760" y="3226320"/>
-            <a:ext cx="285840" cy="356040"/>
+            <a:off x="1643760" y="3226680"/>
+            <a:ext cx="285480" cy="355680"/>
           </a:xfrm>
           <a:prstGeom prst="downArrow">
             <a:avLst>
@@ -8195,10 +8578,23 @@
           </a:effectRef>
           <a:fontRef idx="minor"/>
         </p:style>
+        <p:txBody>
+          <a:bodyPr lIns="90000" rIns="90000" tIns="45000" bIns="45000" anchor="t">
+            <a:noAutofit/>
+          </a:bodyPr>
+          <a:p>
+            <a:endParaRPr b="0" lang="en-AU" sz="1800" spc="-1" strike="noStrike">
+              <a:solidFill>
+                <a:srgbClr val="000000"/>
+              </a:solidFill>
+              <a:latin typeface="Arial"/>
+            </a:endParaRPr>
+          </a:p>
+        </p:txBody>
       </p:sp>
       <p:pic>
         <p:nvPicPr>
-          <p:cNvPr id="93" name="Объект 11" descr="Программист"/>
+          <p:cNvPr id="87" name="Объект 11" descr="Программист"/>
           <p:cNvPicPr/>
           <p:nvPr/>
         </p:nvPicPr>
@@ -8209,7 +8605,7 @@
         <p:spPr>
           <a:xfrm>
             <a:off x="-34560" y="2504520"/>
-            <a:ext cx="1799640" cy="1799640"/>
+            <a:ext cx="1799280" cy="1799280"/>
           </a:xfrm>
           <a:prstGeom prst="rect">
             <a:avLst/>
@@ -8221,7 +8617,7 @@
       </p:pic>
       <p:pic>
         <p:nvPicPr>
-          <p:cNvPr id="94" name="Рисунок 13" descr="Веб-дизайн"/>
+          <p:cNvPr id="88" name="Рисунок 13" descr="Веб-дизайн"/>
           <p:cNvPicPr/>
           <p:nvPr/>
         </p:nvPicPr>
@@ -8232,7 +8628,7 @@
         <p:spPr>
           <a:xfrm>
             <a:off x="1926720" y="2647440"/>
-            <a:ext cx="1799640" cy="1799640"/>
+            <a:ext cx="1799280" cy="1799280"/>
           </a:xfrm>
           <a:prstGeom prst="rect">
             <a:avLst/>
@@ -8244,7 +8640,7 @@
       </p:pic>
       <p:pic>
         <p:nvPicPr>
-          <p:cNvPr id="95" name="Рисунок 18" descr="Лампочка и шестеренка"/>
+          <p:cNvPr id="89" name="Рисунок 18" descr="Лампочка и шестеренка"/>
           <p:cNvPicPr/>
           <p:nvPr/>
         </p:nvPicPr>
@@ -8255,7 +8651,7 @@
         <p:spPr>
           <a:xfrm>
             <a:off x="3966120" y="2504520"/>
-            <a:ext cx="1799640" cy="1799640"/>
+            <a:ext cx="1799280" cy="1799280"/>
           </a:xfrm>
           <a:prstGeom prst="rect">
             <a:avLst/>
@@ -8267,7 +8663,7 @@
       </p:pic>
       <p:pic>
         <p:nvPicPr>
-          <p:cNvPr id="96" name="Рисунок 21" descr="Измерительный прибор"/>
+          <p:cNvPr id="90" name="Рисунок 21" descr="Измерительный прибор"/>
           <p:cNvPicPr/>
           <p:nvPr/>
         </p:nvPicPr>
@@ -8278,7 +8674,7 @@
         <p:spPr>
           <a:xfrm>
             <a:off x="10208880" y="2504520"/>
-            <a:ext cx="1799640" cy="1799640"/>
+            <a:ext cx="1799280" cy="1799280"/>
           </a:xfrm>
           <a:prstGeom prst="rect">
             <a:avLst/>
@@ -8290,7 +8686,7 @@
       </p:pic>
       <p:pic>
         <p:nvPicPr>
-          <p:cNvPr id="97" name="Рисунок 23" descr="Wi-Fi"/>
+          <p:cNvPr id="91" name="Рисунок 23" descr="Wi-Fi"/>
           <p:cNvPicPr/>
           <p:nvPr/>
         </p:nvPicPr>
@@ -8301,7 +8697,7 @@
         <p:spPr>
           <a:xfrm>
             <a:off x="8048880" y="2522880"/>
-            <a:ext cx="1799640" cy="1799640"/>
+            <a:ext cx="1799280" cy="1799280"/>
           </a:xfrm>
           <a:prstGeom prst="rect">
             <a:avLst/>
@@ -8313,14 +8709,14 @@
       </p:pic>
       <p:sp>
         <p:nvSpPr>
-          <p:cNvPr id="98" name="Стрелка: вниз 27"/>
+          <p:cNvPr id="92" name="Стрелка: вниз 27"/>
           <p:cNvSpPr/>
           <p:nvPr/>
         </p:nvSpPr>
         <p:spPr>
           <a:xfrm rot="16200000">
-            <a:off x="3701520" y="3251160"/>
-            <a:ext cx="285840" cy="356040"/>
+            <a:off x="3701520" y="3251520"/>
+            <a:ext cx="285480" cy="355680"/>
           </a:xfrm>
           <a:prstGeom prst="downArrow">
             <a:avLst>
@@ -8351,17 +8747,30 @@
           </a:effectRef>
           <a:fontRef idx="minor"/>
         </p:style>
-      </p:sp>
-      <p:sp>
-        <p:nvSpPr>
-          <p:cNvPr id="99" name="Стрелка: вниз 28"/>
+        <p:txBody>
+          <a:bodyPr lIns="90000" rIns="90000" tIns="45000" bIns="45000" anchor="t">
+            <a:noAutofit/>
+          </a:bodyPr>
+          <a:p>
+            <a:endParaRPr b="0" lang="en-AU" sz="1800" spc="-1" strike="noStrike">
+              <a:solidFill>
+                <a:srgbClr val="000000"/>
+              </a:solidFill>
+              <a:latin typeface="Arial"/>
+            </a:endParaRPr>
+          </a:p>
+        </p:txBody>
+      </p:sp>
+      <p:sp>
+        <p:nvSpPr>
+          <p:cNvPr id="93" name="Стрелка: вниз 28"/>
           <p:cNvSpPr/>
           <p:nvPr/>
         </p:nvSpPr>
         <p:spPr>
           <a:xfrm rot="16200000">
-            <a:off x="5757120" y="3251160"/>
-            <a:ext cx="285840" cy="356040"/>
+            <a:off x="5757120" y="3251520"/>
+            <a:ext cx="285480" cy="355680"/>
           </a:xfrm>
           <a:prstGeom prst="downArrow">
             <a:avLst>
@@ -8392,17 +8801,30 @@
           </a:effectRef>
           <a:fontRef idx="minor"/>
         </p:style>
-      </p:sp>
-      <p:sp>
-        <p:nvSpPr>
-          <p:cNvPr id="100" name="Стрелка: вниз 29"/>
+        <p:txBody>
+          <a:bodyPr lIns="90000" rIns="90000" tIns="45000" bIns="45000" anchor="t">
+            <a:noAutofit/>
+          </a:bodyPr>
+          <a:p>
+            <a:endParaRPr b="0" lang="en-AU" sz="1800" spc="-1" strike="noStrike">
+              <a:solidFill>
+                <a:srgbClr val="000000"/>
+              </a:solidFill>
+              <a:latin typeface="Arial"/>
+            </a:endParaRPr>
+          </a:p>
+        </p:txBody>
+      </p:sp>
+      <p:sp>
+        <p:nvSpPr>
+          <p:cNvPr id="94" name="Стрелка: вниз 29"/>
           <p:cNvSpPr/>
           <p:nvPr/>
         </p:nvSpPr>
         <p:spPr>
           <a:xfrm rot="16200000">
-            <a:off x="9735480" y="3251520"/>
-            <a:ext cx="285840" cy="356040"/>
+            <a:off x="9735480" y="3251880"/>
+            <a:ext cx="285480" cy="355680"/>
           </a:xfrm>
           <a:prstGeom prst="downArrow">
             <a:avLst>
@@ -8433,17 +8855,30 @@
           </a:effectRef>
           <a:fontRef idx="minor"/>
         </p:style>
-      </p:sp>
-      <p:sp>
-        <p:nvSpPr>
-          <p:cNvPr id="101" name="TextBox 30"/>
+        <p:txBody>
+          <a:bodyPr lIns="90000" rIns="90000" tIns="45000" bIns="45000" anchor="t">
+            <a:noAutofit/>
+          </a:bodyPr>
+          <a:p>
+            <a:endParaRPr b="0" lang="en-AU" sz="1800" spc="-1" strike="noStrike">
+              <a:solidFill>
+                <a:srgbClr val="000000"/>
+              </a:solidFill>
+              <a:latin typeface="Arial"/>
+            </a:endParaRPr>
+          </a:p>
+        </p:txBody>
+      </p:sp>
+      <p:sp>
+        <p:nvSpPr>
+          <p:cNvPr id="95" name="TextBox 30"/>
           <p:cNvSpPr/>
           <p:nvPr/>
         </p:nvSpPr>
         <p:spPr>
           <a:xfrm>
             <a:off x="8640" y="4310640"/>
-            <a:ext cx="1799640" cy="364680"/>
+            <a:ext cx="1799280" cy="363960"/>
           </a:xfrm>
           <a:prstGeom prst="rect">
             <a:avLst/>
@@ -8475,25 +8910,29 @@
                   <a:srgbClr val="000000"/>
                 </a:solidFill>
                 <a:latin typeface="Roboto Light"/>
+                <a:ea typeface="DejaVu Sans"/>
               </a:rPr>
               <a:t>Пользователь</a:t>
             </a:r>
-            <a:endParaRPr b="0" lang="ru-RU" sz="1800" spc="-1" strike="noStrike">
-              <a:latin typeface="Arial"/>
-            </a:endParaRPr>
-          </a:p>
-        </p:txBody>
-      </p:sp>
-      <p:sp>
-        <p:nvSpPr>
-          <p:cNvPr id="102" name="TextBox 31"/>
+            <a:endParaRPr b="0" lang="en-AU" sz="1800" spc="-1" strike="noStrike">
+              <a:solidFill>
+                <a:srgbClr val="000000"/>
+              </a:solidFill>
+              <a:latin typeface="Arial"/>
+            </a:endParaRPr>
+          </a:p>
+        </p:txBody>
+      </p:sp>
+      <p:sp>
+        <p:nvSpPr>
+          <p:cNvPr id="96" name="TextBox 31"/>
           <p:cNvSpPr/>
           <p:nvPr/>
         </p:nvSpPr>
         <p:spPr>
           <a:xfrm>
             <a:off x="1936080" y="4322880"/>
-            <a:ext cx="1772640" cy="364680"/>
+            <a:ext cx="1772280" cy="363960"/>
           </a:xfrm>
           <a:prstGeom prst="rect">
             <a:avLst/>
@@ -8525,25 +8964,29 @@
                   <a:srgbClr val="000000"/>
                 </a:solidFill>
                 <a:latin typeface="Roboto Light"/>
+                <a:ea typeface="DejaVu Sans"/>
               </a:rPr>
               <a:t>Программа</a:t>
             </a:r>
-            <a:endParaRPr b="0" lang="ru-RU" sz="1800" spc="-1" strike="noStrike">
-              <a:latin typeface="Arial"/>
-            </a:endParaRPr>
-          </a:p>
-        </p:txBody>
-      </p:sp>
-      <p:sp>
-        <p:nvSpPr>
-          <p:cNvPr id="103" name="TextBox 34"/>
+            <a:endParaRPr b="0" lang="en-AU" sz="1800" spc="-1" strike="noStrike">
+              <a:solidFill>
+                <a:srgbClr val="000000"/>
+              </a:solidFill>
+              <a:latin typeface="Arial"/>
+            </a:endParaRPr>
+          </a:p>
+        </p:txBody>
+      </p:sp>
+      <p:sp>
+        <p:nvSpPr>
+          <p:cNvPr id="97" name="TextBox 34"/>
           <p:cNvSpPr/>
           <p:nvPr/>
         </p:nvSpPr>
         <p:spPr>
           <a:xfrm>
             <a:off x="3973680" y="4184280"/>
-            <a:ext cx="1772640" cy="639000"/>
+            <a:ext cx="1772280" cy="638280"/>
           </a:xfrm>
           <a:prstGeom prst="rect">
             <a:avLst/>
@@ -8575,25 +9018,29 @@
                   <a:srgbClr val="000000"/>
                 </a:solidFill>
                 <a:latin typeface="Roboto Light"/>
+                <a:ea typeface="DejaVu Sans"/>
               </a:rPr>
               <a:t>Событие (ивент)</a:t>
             </a:r>
-            <a:endParaRPr b="0" lang="ru-RU" sz="1800" spc="-1" strike="noStrike">
-              <a:latin typeface="Arial"/>
-            </a:endParaRPr>
-          </a:p>
-        </p:txBody>
-      </p:sp>
-      <p:sp>
-        <p:nvSpPr>
-          <p:cNvPr id="104" name="TextBox 35"/>
+            <a:endParaRPr b="0" lang="en-AU" sz="1800" spc="-1" strike="noStrike">
+              <a:solidFill>
+                <a:srgbClr val="000000"/>
+              </a:solidFill>
+              <a:latin typeface="Arial"/>
+            </a:endParaRPr>
+          </a:p>
+        </p:txBody>
+      </p:sp>
+      <p:sp>
+        <p:nvSpPr>
+          <p:cNvPr id="98" name="TextBox 35"/>
           <p:cNvSpPr/>
           <p:nvPr/>
         </p:nvSpPr>
         <p:spPr>
           <a:xfrm>
             <a:off x="8105760" y="4304520"/>
-            <a:ext cx="1772640" cy="364680"/>
+            <a:ext cx="1772280" cy="363960"/>
           </a:xfrm>
           <a:prstGeom prst="rect">
             <a:avLst/>
@@ -8625,25 +9072,29 @@
                   <a:srgbClr val="000000"/>
                 </a:solidFill>
                 <a:latin typeface="Roboto Light"/>
+                <a:ea typeface="DejaVu Sans"/>
               </a:rPr>
               <a:t>Сигнал</a:t>
             </a:r>
-            <a:endParaRPr b="0" lang="ru-RU" sz="1800" spc="-1" strike="noStrike">
-              <a:latin typeface="Arial"/>
-            </a:endParaRPr>
-          </a:p>
-        </p:txBody>
-      </p:sp>
-      <p:sp>
-        <p:nvSpPr>
-          <p:cNvPr id="105" name="TextBox 36"/>
+            <a:endParaRPr b="0" lang="en-AU" sz="1800" spc="-1" strike="noStrike">
+              <a:solidFill>
+                <a:srgbClr val="000000"/>
+              </a:solidFill>
+              <a:latin typeface="Arial"/>
+            </a:endParaRPr>
+          </a:p>
+        </p:txBody>
+      </p:sp>
+      <p:sp>
+        <p:nvSpPr>
+          <p:cNvPr id="99" name="TextBox 36"/>
           <p:cNvSpPr/>
           <p:nvPr/>
         </p:nvSpPr>
         <p:spPr>
           <a:xfrm>
             <a:off x="10265400" y="4304520"/>
-            <a:ext cx="1772640" cy="364680"/>
+            <a:ext cx="1772280" cy="363960"/>
           </a:xfrm>
           <a:prstGeom prst="rect">
             <a:avLst/>
@@ -8675,10 +9126,14 @@
                   <a:srgbClr val="000000"/>
                 </a:solidFill>
                 <a:latin typeface="Roboto Light"/>
+                <a:ea typeface="DejaVu Sans"/>
               </a:rPr>
               <a:t>Слот</a:t>
             </a:r>
-            <a:endParaRPr b="0" lang="ru-RU" sz="1800" spc="-1" strike="noStrike">
+            <a:endParaRPr b="0" lang="en-AU" sz="1800" spc="-1" strike="noStrike">
+              <a:solidFill>
+                <a:srgbClr val="000000"/>
+              </a:solidFill>
               <a:latin typeface="Arial"/>
             </a:endParaRPr>
           </a:p>
@@ -8686,7 +9141,7 @@
       </p:sp>
       <p:pic>
         <p:nvPicPr>
-          <p:cNvPr id="106" name="Рисунок 41" descr="Процессор"/>
+          <p:cNvPr id="100" name="Рисунок 41" descr="Процессор"/>
           <p:cNvPicPr/>
           <p:nvPr/>
         </p:nvPicPr>
@@ -8697,7 +9152,7 @@
         <p:spPr>
           <a:xfrm>
             <a:off x="6091920" y="2529360"/>
-            <a:ext cx="1799640" cy="1799640"/>
+            <a:ext cx="1799280" cy="1799280"/>
           </a:xfrm>
           <a:prstGeom prst="rect">
             <a:avLst/>
@@ -8709,14 +9164,14 @@
       </p:pic>
       <p:sp>
         <p:nvSpPr>
-          <p:cNvPr id="107" name="Стрелка: вниз 42"/>
+          <p:cNvPr id="101" name="Стрелка: вниз 42"/>
           <p:cNvSpPr/>
           <p:nvPr/>
         </p:nvSpPr>
         <p:spPr>
           <a:xfrm rot="16200000">
-            <a:off x="7974360" y="3245040"/>
-            <a:ext cx="285840" cy="356040"/>
+            <a:off x="7974360" y="3245400"/>
+            <a:ext cx="285480" cy="355680"/>
           </a:xfrm>
           <a:prstGeom prst="downArrow">
             <a:avLst>
@@ -8747,17 +9202,30 @@
           </a:effectRef>
           <a:fontRef idx="minor"/>
         </p:style>
-      </p:sp>
-      <p:sp>
-        <p:nvSpPr>
-          <p:cNvPr id="108" name="TextBox 43"/>
+        <p:txBody>
+          <a:bodyPr lIns="90000" rIns="90000" tIns="45000" bIns="45000" anchor="t">
+            <a:noAutofit/>
+          </a:bodyPr>
+          <a:p>
+            <a:endParaRPr b="0" lang="en-AU" sz="1800" spc="-1" strike="noStrike">
+              <a:solidFill>
+                <a:srgbClr val="000000"/>
+              </a:solidFill>
+              <a:latin typeface="Arial"/>
+            </a:endParaRPr>
+          </a:p>
+        </p:txBody>
+      </p:sp>
+      <p:sp>
+        <p:nvSpPr>
+          <p:cNvPr id="102" name="TextBox 43"/>
           <p:cNvSpPr/>
           <p:nvPr/>
         </p:nvSpPr>
         <p:spPr>
           <a:xfrm>
             <a:off x="6105240" y="4304520"/>
-            <a:ext cx="1772640" cy="364680"/>
+            <a:ext cx="1772280" cy="363960"/>
           </a:xfrm>
           <a:prstGeom prst="rect">
             <a:avLst/>
@@ -8789,10 +9257,14 @@
                   <a:srgbClr val="000000"/>
                 </a:solidFill>
                 <a:latin typeface="Roboto Light"/>
+                <a:ea typeface="DejaVu Sans"/>
               </a:rPr>
               <a:t>Система</a:t>
             </a:r>
-            <a:endParaRPr b="0" lang="ru-RU" sz="1800" spc="-1" strike="noStrike">
+            <a:endParaRPr b="0" lang="en-AU" sz="1800" spc="-1" strike="noStrike">
+              <a:solidFill>
+                <a:srgbClr val="000000"/>
+              </a:solidFill>
               <a:latin typeface="Arial"/>
             </a:endParaRPr>
           </a:p>
@@ -8842,7 +9314,7 @@
                                           </p:stCondLst>
                                         </p:cTn>
                                         <p:tgtEl>
-                                          <p:spTgt spid="101"/>
+                                          <p:spTgt spid="95"/>
                                         </p:tgtEl>
                                         <p:attrNameLst>
                                           <p:attrName>style.visibility</p:attrName>
@@ -8887,7 +9359,7 @@
                                           </p:stCondLst>
                                         </p:cTn>
                                         <p:tgtEl>
-                                          <p:spTgt spid="102"/>
+                                          <p:spTgt spid="96"/>
                                         </p:tgtEl>
                                         <p:attrNameLst>
                                           <p:attrName>style.visibility</p:attrName>
@@ -8932,7 +9404,7 @@
                                           </p:stCondLst>
                                         </p:cTn>
                                         <p:tgtEl>
-                                          <p:spTgt spid="103"/>
+                                          <p:spTgt spid="97"/>
                                         </p:tgtEl>
                                         <p:attrNameLst>
                                           <p:attrName>style.visibility</p:attrName>
@@ -8977,7 +9449,7 @@
                                           </p:stCondLst>
                                         </p:cTn>
                                         <p:tgtEl>
-                                          <p:spTgt spid="108"/>
+                                          <p:spTgt spid="102"/>
                                         </p:tgtEl>
                                         <p:attrNameLst>
                                           <p:attrName>style.visibility</p:attrName>
@@ -9022,7 +9494,7 @@
                                           </p:stCondLst>
                                         </p:cTn>
                                         <p:tgtEl>
-                                          <p:spTgt spid="104"/>
+                                          <p:spTgt spid="98"/>
                                         </p:tgtEl>
                                         <p:attrNameLst>
                                           <p:attrName>style.visibility</p:attrName>
@@ -9067,7 +9539,7 @@
                                           </p:stCondLst>
                                         </p:cTn>
                                         <p:tgtEl>
-                                          <p:spTgt spid="105"/>
+                                          <p:spTgt spid="99"/>
                                         </p:tgtEl>
                                         <p:attrNameLst>
                                           <p:attrName>style.visibility</p:attrName>
@@ -9130,7 +9602,7 @@
       </p:grpSpPr>
       <p:sp>
         <p:nvSpPr>
-          <p:cNvPr id="109" name="PlaceHolder 1"/>
+          <p:cNvPr id="103" name="PlaceHolder 1"/>
           <p:cNvSpPr>
             <a:spLocks noGrp="1"/>
           </p:cNvSpPr>
@@ -9141,7 +9613,7 @@
         <p:spPr>
           <a:xfrm>
             <a:off x="334080" y="1080000"/>
-            <a:ext cx="11529000" cy="5439600"/>
+            <a:ext cx="11528640" cy="5439240"/>
           </a:xfrm>
           <a:prstGeom prst="rect">
             <a:avLst/>
@@ -9152,7 +9624,7 @@
           </a:ln>
         </p:spPr>
         <p:txBody>
-          <a:bodyPr anchor="t">
+          <a:bodyPr lIns="90000" rIns="90000" tIns="45000" bIns="45000" anchor="t">
             <a:noAutofit/>
           </a:bodyPr>
           <a:p>
@@ -9176,13 +9648,13 @@
                 </a:solidFill>
                 <a:latin typeface="Roboto Light"/>
               </a:rPr>
-              <a:t>Для генерации сигнала необходимо: </a:t>
-            </a:r>
-            <a:endParaRPr b="0" lang="en-US" sz="2800" spc="-1" strike="noStrike">
-              <a:solidFill>
-                <a:srgbClr val="000000"/>
-              </a:solidFill>
-              <a:latin typeface="Roboto Light"/>
+              <a:t>Для обработки сигнала необходимо: </a:t>
+            </a:r>
+            <a:endParaRPr b="0" lang="en-AU" sz="2800" spc="-1" strike="noStrike">
+              <a:solidFill>
+                <a:srgbClr val="000000"/>
+              </a:solidFill>
+              <a:latin typeface="Arial"/>
             </a:endParaRPr>
           </a:p>
           <a:p>
@@ -9226,11 +9698,11 @@
               </a:rPr>
               <a:t> для необходимого виджета;</a:t>
             </a:r>
-            <a:endParaRPr b="0" lang="en-US" sz="2800" spc="-1" strike="noStrike">
-              <a:solidFill>
-                <a:srgbClr val="000000"/>
-              </a:solidFill>
-              <a:latin typeface="Roboto Light"/>
+            <a:endParaRPr b="0" lang="en-AU" sz="2800" spc="-1" strike="noStrike">
+              <a:solidFill>
+                <a:srgbClr val="000000"/>
+              </a:solidFill>
+              <a:latin typeface="Arial"/>
             </a:endParaRPr>
           </a:p>
           <a:p>
@@ -9283,11 +9755,11 @@
               </a:rPr>
               <a:t>connect()</a:t>
             </a:r>
-            <a:endParaRPr b="0" lang="en-US" sz="2800" spc="-1" strike="noStrike">
-              <a:solidFill>
-                <a:srgbClr val="000000"/>
-              </a:solidFill>
-              <a:latin typeface="Roboto Light"/>
+            <a:endParaRPr b="0" lang="en-AU" sz="2800" spc="-1" strike="noStrike">
+              <a:solidFill>
+                <a:srgbClr val="000000"/>
+              </a:solidFill>
+              <a:latin typeface="Arial"/>
             </a:endParaRPr>
           </a:p>
           <a:p>
@@ -9313,18 +9785,18 @@
               </a:rPr>
               <a:t>Пример:</a:t>
             </a:r>
-            <a:endParaRPr b="0" lang="en-US" sz="2800" spc="-1" strike="noStrike">
-              <a:solidFill>
-                <a:srgbClr val="000000"/>
-              </a:solidFill>
-              <a:latin typeface="Roboto Light"/>
-            </a:endParaRPr>
-          </a:p>
-        </p:txBody>
-      </p:sp>
-      <p:sp>
-        <p:nvSpPr>
-          <p:cNvPr id="110" name="PlaceHolder 2"/>
+            <a:endParaRPr b="0" lang="en-AU" sz="2800" spc="-1" strike="noStrike">
+              <a:solidFill>
+                <a:srgbClr val="000000"/>
+              </a:solidFill>
+              <a:latin typeface="Arial"/>
+            </a:endParaRPr>
+          </a:p>
+        </p:txBody>
+      </p:sp>
+      <p:sp>
+        <p:nvSpPr>
+          <p:cNvPr id="104" name="PlaceHolder 2"/>
           <p:cNvSpPr>
             <a:spLocks noGrp="1"/>
           </p:cNvSpPr>
@@ -9335,7 +9807,7 @@
         <p:spPr>
           <a:xfrm>
             <a:off x="0" y="0"/>
-            <a:ext cx="12191760" cy="719640"/>
+            <a:ext cx="12191400" cy="719280"/>
           </a:xfrm>
           <a:prstGeom prst="rect">
             <a:avLst/>
@@ -9348,14 +9820,15 @@
           </a:ln>
         </p:spPr>
         <p:txBody>
-          <a:bodyPr anchor="ctr">
+          <a:bodyPr lIns="90000" rIns="90000" tIns="45000" bIns="45000" anchor="ctr">
             <a:normAutofit/>
           </a:bodyPr>
           <a:p>
-            <a:pPr algn="ctr">
+            <a:pPr indent="0" algn="ctr">
               <a:lnSpc>
                 <a:spcPct val="90000"/>
               </a:lnSpc>
+              <a:buNone/>
             </a:pPr>
             <a:r>
               <a:rPr b="1" lang="ru-RU" sz="2800" spc="-1" strike="noStrike">
@@ -9367,18 +9840,18 @@
               </a:rPr>
               <a:t>Назначение обработчиков</a:t>
             </a:r>
-            <a:endParaRPr b="0" lang="en-US" sz="2800" spc="-1" strike="noStrike">
-              <a:solidFill>
-                <a:srgbClr val="000000"/>
-              </a:solidFill>
-              <a:latin typeface="Roboto Light"/>
+            <a:endParaRPr b="0" lang="en-AU" sz="2800" spc="-1" strike="noStrike">
+              <a:solidFill>
+                <a:srgbClr val="000000"/>
+              </a:solidFill>
+              <a:latin typeface="Arial"/>
             </a:endParaRPr>
           </a:p>
         </p:txBody>
       </p:sp>
       <p:pic>
         <p:nvPicPr>
-          <p:cNvPr id="111" name="Рисунок 6" descr=""/>
+          <p:cNvPr id="105" name="Рисунок 6" descr=""/>
           <p:cNvPicPr/>
           <p:nvPr/>
         </p:nvPicPr>
@@ -9389,7 +9862,7 @@
         <p:spPr>
           <a:xfrm>
             <a:off x="449280" y="4266720"/>
-            <a:ext cx="11293200" cy="1501920"/>
+            <a:ext cx="11292840" cy="1501560"/>
           </a:xfrm>
           <a:prstGeom prst="rect">
             <a:avLst/>
@@ -9431,7 +9904,7 @@
       </p:grpSpPr>
       <p:sp>
         <p:nvSpPr>
-          <p:cNvPr id="112" name="PlaceHolder 1"/>
+          <p:cNvPr id="106" name="PlaceHolder 1"/>
           <p:cNvSpPr>
             <a:spLocks noGrp="1"/>
           </p:cNvSpPr>
@@ -9442,7 +9915,7 @@
         <p:spPr>
           <a:xfrm>
             <a:off x="0" y="0"/>
-            <a:ext cx="12191760" cy="719640"/>
+            <a:ext cx="12191400" cy="719280"/>
           </a:xfrm>
           <a:prstGeom prst="rect">
             <a:avLst/>
@@ -9455,14 +9928,15 @@
           </a:ln>
         </p:spPr>
         <p:txBody>
-          <a:bodyPr anchor="ctr">
+          <a:bodyPr lIns="90000" rIns="90000" tIns="45000" bIns="45000" anchor="ctr">
             <a:normAutofit/>
           </a:bodyPr>
           <a:p>
-            <a:pPr algn="ctr">
+            <a:pPr indent="0" algn="ctr">
               <a:lnSpc>
                 <a:spcPct val="90000"/>
               </a:lnSpc>
+              <a:buNone/>
             </a:pPr>
             <a:r>
               <a:rPr b="1" lang="ru-RU" sz="2800" spc="-1" strike="noStrike">
@@ -9474,18 +9948,18 @@
               </a:rPr>
               <a:t>Назначение обработчиков (продолжение)</a:t>
             </a:r>
-            <a:endParaRPr b="0" lang="en-US" sz="2800" spc="-1" strike="noStrike">
-              <a:solidFill>
-                <a:srgbClr val="000000"/>
-              </a:solidFill>
-              <a:latin typeface="Roboto Light"/>
-            </a:endParaRPr>
-          </a:p>
-        </p:txBody>
-      </p:sp>
-      <p:sp>
-        <p:nvSpPr>
-          <p:cNvPr id="113" name="PlaceHolder 2"/>
+            <a:endParaRPr b="0" lang="en-AU" sz="2800" spc="-1" strike="noStrike">
+              <a:solidFill>
+                <a:srgbClr val="000000"/>
+              </a:solidFill>
+              <a:latin typeface="Arial"/>
+            </a:endParaRPr>
+          </a:p>
+        </p:txBody>
+      </p:sp>
+      <p:sp>
+        <p:nvSpPr>
+          <p:cNvPr id="107" name="PlaceHolder 2"/>
           <p:cNvSpPr>
             <a:spLocks noGrp="1"/>
           </p:cNvSpPr>
@@ -9496,7 +9970,7 @@
         <p:spPr>
           <a:xfrm>
             <a:off x="334080" y="1080000"/>
-            <a:ext cx="11529000" cy="5439600"/>
+            <a:ext cx="11528640" cy="5439240"/>
           </a:xfrm>
           <a:prstGeom prst="rect">
             <a:avLst/>
@@ -9507,7 +9981,7 @@
           </a:ln>
         </p:spPr>
         <p:txBody>
-          <a:bodyPr anchor="t">
+          <a:bodyPr lIns="90000" rIns="90000" tIns="45000" bIns="45000" anchor="t">
             <a:noAutofit/>
           </a:bodyPr>
           <a:p>
@@ -9533,11 +10007,11 @@
               </a:rPr>
               <a:t>Обработчиком можно назначить:</a:t>
             </a:r>
-            <a:endParaRPr b="0" lang="en-US" sz="2800" spc="-1" strike="noStrike">
-              <a:solidFill>
-                <a:srgbClr val="000000"/>
-              </a:solidFill>
-              <a:latin typeface="Roboto Light"/>
+            <a:endParaRPr b="0" lang="en-AU" sz="2800" spc="-1" strike="noStrike">
+              <a:solidFill>
+                <a:srgbClr val="000000"/>
+              </a:solidFill>
+              <a:latin typeface="Arial"/>
             </a:endParaRPr>
           </a:p>
           <a:p>
@@ -9572,11 +10046,11 @@
               </a:rPr>
               <a:t>;</a:t>
             </a:r>
-            <a:endParaRPr b="0" lang="en-US" sz="2400" spc="-1" strike="noStrike">
-              <a:solidFill>
-                <a:srgbClr val="000000"/>
-              </a:solidFill>
-              <a:latin typeface="Roboto Light"/>
+            <a:endParaRPr b="0" lang="en-AU" sz="2400" spc="-1" strike="noStrike">
+              <a:solidFill>
+                <a:srgbClr val="000000"/>
+              </a:solidFill>
+              <a:latin typeface="Arial"/>
             </a:endParaRPr>
           </a:p>
           <a:p>
@@ -9611,11 +10085,11 @@
               </a:rPr>
               <a:t>;</a:t>
             </a:r>
-            <a:endParaRPr b="0" lang="en-US" sz="2400" spc="-1" strike="noStrike">
-              <a:solidFill>
-                <a:srgbClr val="000000"/>
-              </a:solidFill>
-              <a:latin typeface="Roboto Light"/>
+            <a:endParaRPr b="0" lang="en-AU" sz="2400" spc="-1" strike="noStrike">
+              <a:solidFill>
+                <a:srgbClr val="000000"/>
+              </a:solidFill>
+              <a:latin typeface="Arial"/>
             </a:endParaRPr>
           </a:p>
           <a:p>
@@ -9650,11 +10124,11 @@
               </a:rPr>
               <a:t>__call__();</a:t>
             </a:r>
-            <a:endParaRPr b="0" lang="en-US" sz="2400" spc="-1" strike="noStrike">
-              <a:solidFill>
-                <a:srgbClr val="000000"/>
-              </a:solidFill>
-              <a:latin typeface="Roboto Light"/>
+            <a:endParaRPr b="0" lang="en-AU" sz="2400" spc="-1" strike="noStrike">
+              <a:solidFill>
+                <a:srgbClr val="000000"/>
+              </a:solidFill>
+              <a:latin typeface="Arial"/>
             </a:endParaRPr>
           </a:p>
           <a:p>
@@ -9689,11 +10163,11 @@
               </a:rPr>
               <a:t>;</a:t>
             </a:r>
-            <a:endParaRPr b="0" lang="en-US" sz="2400" spc="-1" strike="noStrike">
-              <a:solidFill>
-                <a:srgbClr val="000000"/>
-              </a:solidFill>
-              <a:latin typeface="Roboto Light"/>
+            <a:endParaRPr b="0" lang="en-AU" sz="2400" spc="-1" strike="noStrike">
+              <a:solidFill>
+                <a:srgbClr val="000000"/>
+              </a:solidFill>
+              <a:latin typeface="Arial"/>
             </a:endParaRPr>
           </a:p>
           <a:p>
@@ -9728,11 +10202,11 @@
               </a:rPr>
               <a:t>.</a:t>
             </a:r>
-            <a:endParaRPr b="0" lang="en-US" sz="2400" spc="-1" strike="noStrike">
-              <a:solidFill>
-                <a:srgbClr val="000000"/>
-              </a:solidFill>
-              <a:latin typeface="Roboto Light"/>
+            <a:endParaRPr b="0" lang="en-AU" sz="2400" spc="-1" strike="noStrike">
+              <a:solidFill>
+                <a:srgbClr val="000000"/>
+              </a:solidFill>
+              <a:latin typeface="Arial"/>
             </a:endParaRPr>
           </a:p>
           <a:p>
@@ -9758,11 +10232,11 @@
               </a:rPr>
               <a:t>Данные в обработчик можно передать:</a:t>
             </a:r>
-            <a:endParaRPr b="0" lang="en-US" sz="2800" spc="-1" strike="noStrike">
-              <a:solidFill>
-                <a:srgbClr val="000000"/>
-              </a:solidFill>
-              <a:latin typeface="Roboto Light"/>
+            <a:endParaRPr b="0" lang="en-AU" sz="2800" spc="-1" strike="noStrike">
+              <a:solidFill>
+                <a:srgbClr val="000000"/>
+              </a:solidFill>
+              <a:latin typeface="Arial"/>
             </a:endParaRPr>
           </a:p>
           <a:p>
@@ -9797,11 +10271,11 @@
               </a:rPr>
               <a:t>__call__;</a:t>
             </a:r>
-            <a:endParaRPr b="0" lang="en-US" sz="2400" spc="-1" strike="noStrike">
-              <a:solidFill>
-                <a:srgbClr val="000000"/>
-              </a:solidFill>
-              <a:latin typeface="Roboto Light"/>
+            <a:endParaRPr b="0" lang="en-AU" sz="2400" spc="-1" strike="noStrike">
+              <a:solidFill>
+                <a:srgbClr val="000000"/>
+              </a:solidFill>
+              <a:latin typeface="Arial"/>
             </a:endParaRPr>
           </a:p>
           <a:p>
@@ -9827,11 +10301,11 @@
               </a:rPr>
               <a:t>Через анонимную функцию;</a:t>
             </a:r>
-            <a:endParaRPr b="0" lang="en-US" sz="2400" spc="-1" strike="noStrike">
-              <a:solidFill>
-                <a:srgbClr val="000000"/>
-              </a:solidFill>
-              <a:latin typeface="Roboto Light"/>
+            <a:endParaRPr b="0" lang="en-AU" sz="2400" spc="-1" strike="noStrike">
+              <a:solidFill>
+                <a:srgbClr val="000000"/>
+              </a:solidFill>
+              <a:latin typeface="Arial"/>
             </a:endParaRPr>
           </a:p>
           <a:p>
@@ -9884,25 +10358,25 @@
               </a:rPr>
               <a:t>functools()</a:t>
             </a:r>
-            <a:endParaRPr b="0" lang="en-US" sz="2400" spc="-1" strike="noStrike">
-              <a:solidFill>
-                <a:srgbClr val="000000"/>
-              </a:solidFill>
-              <a:latin typeface="Roboto Light"/>
-            </a:endParaRPr>
-          </a:p>
-        </p:txBody>
-      </p:sp>
-      <p:sp>
-        <p:nvSpPr>
-          <p:cNvPr id="114" name="TextBox 10"/>
+            <a:endParaRPr b="0" lang="en-AU" sz="2400" spc="-1" strike="noStrike">
+              <a:solidFill>
+                <a:srgbClr val="000000"/>
+              </a:solidFill>
+              <a:latin typeface="Arial"/>
+            </a:endParaRPr>
+          </a:p>
+        </p:txBody>
+      </p:sp>
+      <p:sp>
+        <p:nvSpPr>
+          <p:cNvPr id="108" name="TextBox 10"/>
           <p:cNvSpPr/>
           <p:nvPr/>
         </p:nvSpPr>
         <p:spPr>
           <a:xfrm>
             <a:off x="328680" y="6120000"/>
-            <a:ext cx="10029960" cy="395280"/>
+            <a:ext cx="10029600" cy="394560"/>
           </a:xfrm>
           <a:prstGeom prst="rect">
             <a:avLst/>
@@ -9934,6 +10408,7 @@
                   <a:srgbClr val="000000"/>
                 </a:solidFill>
                 <a:latin typeface="Roboto Light"/>
+                <a:ea typeface="DejaVu Sans"/>
               </a:rPr>
               <a:t>Виды сигналов можно изучит для каждого элемента в </a:t>
             </a:r>
@@ -9944,11 +10419,15 @@
                 </a:solidFill>
                 <a:uFillTx/>
                 <a:latin typeface="Roboto Light"/>
+                <a:ea typeface="DejaVu Sans"/>
                 <a:hlinkClick r:id="rId1"/>
               </a:rPr>
               <a:t>оф. документации</a:t>
             </a:r>
-            <a:endParaRPr b="0" lang="ru-RU" sz="2000" spc="-1" strike="noStrike">
+            <a:endParaRPr b="0" lang="en-AU" sz="2000" spc="-1" strike="noStrike">
+              <a:solidFill>
+                <a:srgbClr val="000000"/>
+              </a:solidFill>
               <a:latin typeface="Arial"/>
             </a:endParaRPr>
           </a:p>
@@ -9986,7 +10465,7 @@
       </p:grpSpPr>
       <p:sp>
         <p:nvSpPr>
-          <p:cNvPr id="115" name="PlaceHolder 1"/>
+          <p:cNvPr id="109" name="PlaceHolder 1"/>
           <p:cNvSpPr>
             <a:spLocks noGrp="1"/>
           </p:cNvSpPr>
@@ -9997,7 +10476,7 @@
         <p:spPr>
           <a:xfrm>
             <a:off x="0" y="0"/>
-            <a:ext cx="12191760" cy="719640"/>
+            <a:ext cx="12191400" cy="719280"/>
           </a:xfrm>
           <a:prstGeom prst="rect">
             <a:avLst/>
@@ -10010,14 +10489,15 @@
           </a:ln>
         </p:spPr>
         <p:txBody>
-          <a:bodyPr anchor="ctr">
+          <a:bodyPr lIns="90000" rIns="90000" tIns="45000" bIns="45000" anchor="ctr">
             <a:normAutofit/>
           </a:bodyPr>
           <a:p>
-            <a:pPr algn="ctr">
+            <a:pPr indent="0" algn="ctr">
               <a:lnSpc>
                 <a:spcPct val="90000"/>
               </a:lnSpc>
+              <a:buNone/>
             </a:pPr>
             <a:r>
               <a:rPr b="1" lang="ru-RU" sz="2800" spc="-1" strike="noStrike">
@@ -10029,18 +10509,18 @@
               </a:rPr>
               <a:t>Система слотов</a:t>
             </a:r>
-            <a:endParaRPr b="0" lang="en-US" sz="2800" spc="-1" strike="noStrike">
-              <a:solidFill>
-                <a:srgbClr val="000000"/>
-              </a:solidFill>
-              <a:latin typeface="Roboto Light"/>
-            </a:endParaRPr>
-          </a:p>
-        </p:txBody>
-      </p:sp>
-      <p:sp>
-        <p:nvSpPr>
-          <p:cNvPr id="116" name="PlaceHolder 2"/>
+            <a:endParaRPr b="0" lang="en-AU" sz="2800" spc="-1" strike="noStrike">
+              <a:solidFill>
+                <a:srgbClr val="000000"/>
+              </a:solidFill>
+              <a:latin typeface="Arial"/>
+            </a:endParaRPr>
+          </a:p>
+        </p:txBody>
+      </p:sp>
+      <p:sp>
+        <p:nvSpPr>
+          <p:cNvPr id="110" name="PlaceHolder 2"/>
           <p:cNvSpPr>
             <a:spLocks noGrp="1"/>
           </p:cNvSpPr>
@@ -10051,7 +10531,7 @@
         <p:spPr>
           <a:xfrm>
             <a:off x="334080" y="1080000"/>
-            <a:ext cx="11529000" cy="5439600"/>
+            <a:ext cx="11528640" cy="5439240"/>
           </a:xfrm>
           <a:prstGeom prst="rect">
             <a:avLst/>
@@ -10062,7 +10542,7 @@
           </a:ln>
         </p:spPr>
         <p:txBody>
-          <a:bodyPr anchor="t">
+          <a:bodyPr lIns="90000" rIns="90000" tIns="45000" bIns="45000" anchor="t">
             <a:noAutofit/>
           </a:bodyPr>
           <a:p>
@@ -10088,11 +10568,11 @@
               </a:rPr>
               <a:t>Слот вызывается когда вырабатывается сигнал, с которым он связан. </a:t>
             </a:r>
-            <a:endParaRPr b="0" lang="en-US" sz="2800" spc="-1" strike="noStrike">
-              <a:solidFill>
-                <a:srgbClr val="000000"/>
-              </a:solidFill>
-              <a:latin typeface="Roboto Light"/>
+            <a:endParaRPr b="0" lang="en-AU" sz="2800" spc="-1" strike="noStrike">
+              <a:solidFill>
+                <a:srgbClr val="000000"/>
+              </a:solidFill>
+              <a:latin typeface="Arial"/>
             </a:endParaRPr>
           </a:p>
           <a:p>
@@ -10136,11 +10616,11 @@
               </a:rPr>
               <a:t>и может вызываться обычным способом; единственная его особенность, что с ним можно соединять сигналы.</a:t>
             </a:r>
-            <a:endParaRPr b="0" lang="en-US" sz="2800" spc="-1" strike="noStrike">
-              <a:solidFill>
-                <a:srgbClr val="000000"/>
-              </a:solidFill>
-              <a:latin typeface="Roboto Light"/>
+            <a:endParaRPr b="0" lang="en-AU" sz="2800" spc="-1" strike="noStrike">
+              <a:solidFill>
+                <a:srgbClr val="000000"/>
+              </a:solidFill>
+              <a:latin typeface="Arial"/>
             </a:endParaRPr>
           </a:p>
           <a:p>
@@ -10202,41 +10682,42 @@
               </a:rPr>
               <a:t>. </a:t>
             </a:r>
-            <a:endParaRPr b="0" lang="en-US" sz="2800" spc="-1" strike="noStrike">
-              <a:solidFill>
-                <a:srgbClr val="000000"/>
-              </a:solidFill>
-              <a:latin typeface="Roboto Light"/>
-            </a:endParaRPr>
-          </a:p>
-          <a:p>
-            <a:pPr>
+            <a:endParaRPr b="0" lang="en-AU" sz="2800" spc="-1" strike="noStrike">
+              <a:solidFill>
+                <a:srgbClr val="000000"/>
+              </a:solidFill>
+              <a:latin typeface="Arial"/>
+            </a:endParaRPr>
+          </a:p>
+          <a:p>
+            <a:pPr indent="0">
               <a:lnSpc>
                 <a:spcPct val="90000"/>
               </a:lnSpc>
               <a:spcBef>
                 <a:spcPts val="1001"/>
               </a:spcBef>
-            </a:pPr>
-            <a:endParaRPr b="0" lang="en-US" sz="2800" spc="-1" strike="noStrike">
-              <a:solidFill>
-                <a:srgbClr val="000000"/>
-              </a:solidFill>
-              <a:latin typeface="Roboto Light"/>
-            </a:endParaRPr>
-          </a:p>
-        </p:txBody>
-      </p:sp>
-      <p:sp>
-        <p:nvSpPr>
-          <p:cNvPr id="117" name="TextBox 5"/>
+              <a:buNone/>
+            </a:pPr>
+            <a:endParaRPr b="0" lang="en-AU" sz="2800" spc="-1" strike="noStrike">
+              <a:solidFill>
+                <a:srgbClr val="000000"/>
+              </a:solidFill>
+              <a:latin typeface="Arial"/>
+            </a:endParaRPr>
+          </a:p>
+        </p:txBody>
+      </p:sp>
+      <p:sp>
+        <p:nvSpPr>
+          <p:cNvPr id="111" name="TextBox 5"/>
           <p:cNvSpPr/>
           <p:nvPr/>
         </p:nvSpPr>
         <p:spPr>
           <a:xfrm>
             <a:off x="328680" y="5873760"/>
-            <a:ext cx="11529000" cy="913320"/>
+            <a:ext cx="11528640" cy="912600"/>
           </a:xfrm>
           <a:prstGeom prst="rect">
             <a:avLst/>
@@ -10268,10 +10749,14 @@
                   <a:srgbClr val="000000"/>
                 </a:solidFill>
                 <a:latin typeface="Roboto Light"/>
+                <a:ea typeface="DejaVu Sans"/>
               </a:rPr>
               <a:t>*Примечание: данное действие не обязательно, но желательно, т.к. функция на которую ссылается сигнал, автоматически является слотом, однако при указании декоратора  вызов слота будет выполняться быстрее чем метода</a:t>
             </a:r>
-            <a:endParaRPr b="0" lang="ru-RU" sz="1800" spc="-1" strike="noStrike">
+            <a:endParaRPr b="0" lang="en-AU" sz="1800" spc="-1" strike="noStrike">
+              <a:solidFill>
+                <a:srgbClr val="000000"/>
+              </a:solidFill>
               <a:latin typeface="Arial"/>
             </a:endParaRPr>
           </a:p>
@@ -10324,7 +10809,7 @@
       </p:grpSpPr>
       <p:sp>
         <p:nvSpPr>
-          <p:cNvPr id="118" name="PlaceHolder 1"/>
+          <p:cNvPr id="112" name="PlaceHolder 1"/>
           <p:cNvSpPr>
             <a:spLocks noGrp="1"/>
           </p:cNvSpPr>
@@ -10335,7 +10820,7 @@
         <p:spPr>
           <a:xfrm>
             <a:off x="0" y="0"/>
-            <a:ext cx="12191760" cy="6857640"/>
+            <a:ext cx="12191400" cy="6857280"/>
           </a:xfrm>
           <a:prstGeom prst="rect">
             <a:avLst/>
@@ -10346,17 +10831,18 @@
           </a:ln>
         </p:spPr>
         <p:txBody>
-          <a:bodyPr anchor="ctr">
+          <a:bodyPr lIns="90000" rIns="90000" tIns="45000" bIns="45000" anchor="ctr">
             <a:normAutofit/>
           </a:bodyPr>
           <a:p>
-            <a:pPr algn="ctr">
+            <a:pPr indent="0" algn="ctr">
               <a:lnSpc>
                 <a:spcPct val="90000"/>
               </a:lnSpc>
               <a:spcBef>
                 <a:spcPts val="1001"/>
               </a:spcBef>
+              <a:buNone/>
               <a:tabLst>
                 <a:tab algn="l" pos="0"/>
               </a:tabLst>
@@ -10397,11 +10883,11 @@
               </a:rPr>
               <a:t>QThread</a:t>
             </a:r>
-            <a:endParaRPr b="0" lang="en-US" sz="4400" spc="-1" strike="noStrike">
-              <a:solidFill>
-                <a:srgbClr val="000000"/>
-              </a:solidFill>
-              <a:latin typeface="Roboto Light"/>
+            <a:endParaRPr b="0" lang="en-AU" sz="4400" spc="-1" strike="noStrike">
+              <a:solidFill>
+                <a:srgbClr val="000000"/>
+              </a:solidFill>
+              <a:latin typeface="Arial"/>
             </a:endParaRPr>
           </a:p>
         </p:txBody>
@@ -10424,10 +10910,10 @@
   <a:themeElements>
     <a:clrScheme name="Office">
       <a:dk1>
-        <a:sysClr val="windowText" lastClr="000000"/>
+        <a:srgbClr val="000000"/>
       </a:dk1>
       <a:lt1>
-        <a:sysClr val="window" lastClr="FFFFFF"/>
+        <a:srgbClr val="ffffff"/>
       </a:lt1>
       <a:dk2>
         <a:srgbClr val="44546a"/>
@@ -10650,10 +11136,10 @@
   <a:themeElements>
     <a:clrScheme name="Office">
       <a:dk1>
-        <a:sysClr val="windowText" lastClr="000000"/>
+        <a:srgbClr val="000000"/>
       </a:dk1>
       <a:lt1>
-        <a:sysClr val="window" lastClr="FFFFFF"/>
+        <a:srgbClr val="ffffff"/>
       </a:lt1>
       <a:dk2>
         <a:srgbClr val="44546a"/>
